--- a/Documentation/App idea.pptx
+++ b/Documentation/App idea.pptx
@@ -2,29 +2,32 @@
 <file path=ppt/presentation.xml><?xml version="1.0" encoding="utf-8"?>
 <p:presentation xmlns:a="http://schemas.openxmlformats.org/drawingml/2006/main" xmlns:r="http://schemas.openxmlformats.org/officeDocument/2006/relationships" xmlns:p="http://schemas.openxmlformats.org/presentationml/2006/main" saveSubsetFonts="1">
   <p:sldMasterIdLst>
-    <p:sldMasterId id="2147483648" r:id="rId1"/>
+    <p:sldMasterId id="2147483660" r:id="rId1"/>
   </p:sldMasterIdLst>
   <p:sldIdLst>
     <p:sldId id="256" r:id="rId2"/>
     <p:sldId id="257" r:id="rId3"/>
     <p:sldId id="258" r:id="rId4"/>
-    <p:sldId id="259" r:id="rId5"/>
-    <p:sldId id="260" r:id="rId6"/>
-    <p:sldId id="261" r:id="rId7"/>
-    <p:sldId id="262" r:id="rId8"/>
-    <p:sldId id="263" r:id="rId9"/>
-    <p:sldId id="264" r:id="rId10"/>
-    <p:sldId id="265" r:id="rId11"/>
-    <p:sldId id="266" r:id="rId12"/>
-    <p:sldId id="267" r:id="rId13"/>
+    <p:sldId id="269" r:id="rId5"/>
+    <p:sldId id="270" r:id="rId6"/>
+    <p:sldId id="259" r:id="rId7"/>
+    <p:sldId id="260" r:id="rId8"/>
+    <p:sldId id="268" r:id="rId9"/>
+    <p:sldId id="261" r:id="rId10"/>
+    <p:sldId id="262" r:id="rId11"/>
+    <p:sldId id="265" r:id="rId12"/>
+    <p:sldId id="264" r:id="rId13"/>
+    <p:sldId id="263" r:id="rId14"/>
+    <p:sldId id="266" r:id="rId15"/>
+    <p:sldId id="267" r:id="rId16"/>
   </p:sldIdLst>
   <p:sldSz cx="12192000" cy="6858000"/>
   <p:notesSz cx="6858000" cy="9144000"/>
   <p:defaultTextStyle>
     <a:defPPr>
-      <a:defRPr lang="ru-RU"/>
+      <a:defRPr lang="en-US"/>
     </a:defPPr>
-    <a:lvl1pPr marL="0" algn="l" defTabSz="914400" rtl="0" eaLnBrk="1" latinLnBrk="0" hangingPunct="1">
+    <a:lvl1pPr marL="0" algn="l" defTabSz="457200" rtl="0" eaLnBrk="1" latinLnBrk="0" hangingPunct="1">
       <a:defRPr sz="1800" kern="1200">
         <a:solidFill>
           <a:schemeClr val="tx1"/>
@@ -34,7 +37,7 @@
         <a:cs typeface="+mn-cs"/>
       </a:defRPr>
     </a:lvl1pPr>
-    <a:lvl2pPr marL="457200" algn="l" defTabSz="914400" rtl="0" eaLnBrk="1" latinLnBrk="0" hangingPunct="1">
+    <a:lvl2pPr marL="457200" algn="l" defTabSz="457200" rtl="0" eaLnBrk="1" latinLnBrk="0" hangingPunct="1">
       <a:defRPr sz="1800" kern="1200">
         <a:solidFill>
           <a:schemeClr val="tx1"/>
@@ -44,7 +47,7 @@
         <a:cs typeface="+mn-cs"/>
       </a:defRPr>
     </a:lvl2pPr>
-    <a:lvl3pPr marL="914400" algn="l" defTabSz="914400" rtl="0" eaLnBrk="1" latinLnBrk="0" hangingPunct="1">
+    <a:lvl3pPr marL="914400" algn="l" defTabSz="457200" rtl="0" eaLnBrk="1" latinLnBrk="0" hangingPunct="1">
       <a:defRPr sz="1800" kern="1200">
         <a:solidFill>
           <a:schemeClr val="tx1"/>
@@ -54,7 +57,7 @@
         <a:cs typeface="+mn-cs"/>
       </a:defRPr>
     </a:lvl3pPr>
-    <a:lvl4pPr marL="1371600" algn="l" defTabSz="914400" rtl="0" eaLnBrk="1" latinLnBrk="0" hangingPunct="1">
+    <a:lvl4pPr marL="1371600" algn="l" defTabSz="457200" rtl="0" eaLnBrk="1" latinLnBrk="0" hangingPunct="1">
       <a:defRPr sz="1800" kern="1200">
         <a:solidFill>
           <a:schemeClr val="tx1"/>
@@ -64,7 +67,7 @@
         <a:cs typeface="+mn-cs"/>
       </a:defRPr>
     </a:lvl4pPr>
-    <a:lvl5pPr marL="1828800" algn="l" defTabSz="914400" rtl="0" eaLnBrk="1" latinLnBrk="0" hangingPunct="1">
+    <a:lvl5pPr marL="1828800" algn="l" defTabSz="457200" rtl="0" eaLnBrk="1" latinLnBrk="0" hangingPunct="1">
       <a:defRPr sz="1800" kern="1200">
         <a:solidFill>
           <a:schemeClr val="tx1"/>
@@ -74,7 +77,7 @@
         <a:cs typeface="+mn-cs"/>
       </a:defRPr>
     </a:lvl5pPr>
-    <a:lvl6pPr marL="2286000" algn="l" defTabSz="914400" rtl="0" eaLnBrk="1" latinLnBrk="0" hangingPunct="1">
+    <a:lvl6pPr marL="2286000" algn="l" defTabSz="457200" rtl="0" eaLnBrk="1" latinLnBrk="0" hangingPunct="1">
       <a:defRPr sz="1800" kern="1200">
         <a:solidFill>
           <a:schemeClr val="tx1"/>
@@ -84,7 +87,7 @@
         <a:cs typeface="+mn-cs"/>
       </a:defRPr>
     </a:lvl6pPr>
-    <a:lvl7pPr marL="2743200" algn="l" defTabSz="914400" rtl="0" eaLnBrk="1" latinLnBrk="0" hangingPunct="1">
+    <a:lvl7pPr marL="2743200" algn="l" defTabSz="457200" rtl="0" eaLnBrk="1" latinLnBrk="0" hangingPunct="1">
       <a:defRPr sz="1800" kern="1200">
         <a:solidFill>
           <a:schemeClr val="tx1"/>
@@ -94,7 +97,7 @@
         <a:cs typeface="+mn-cs"/>
       </a:defRPr>
     </a:lvl7pPr>
-    <a:lvl8pPr marL="3200400" algn="l" defTabSz="914400" rtl="0" eaLnBrk="1" latinLnBrk="0" hangingPunct="1">
+    <a:lvl8pPr marL="3200400" algn="l" defTabSz="457200" rtl="0" eaLnBrk="1" latinLnBrk="0" hangingPunct="1">
       <a:defRPr sz="1800" kern="1200">
         <a:solidFill>
           <a:schemeClr val="tx1"/>
@@ -104,7 +107,7 @@
         <a:cs typeface="+mn-cs"/>
       </a:defRPr>
     </a:lvl8pPr>
-    <a:lvl9pPr marL="3657600" algn="l" defTabSz="914400" rtl="0" eaLnBrk="1" latinLnBrk="0" hangingPunct="1">
+    <a:lvl9pPr marL="3657600" algn="l" defTabSz="457200" rtl="0" eaLnBrk="1" latinLnBrk="0" hangingPunct="1">
       <a:defRPr sz="1800" kern="1200">
         <a:solidFill>
           <a:schemeClr val="tx1"/>
@@ -123,13 +126,16 @@
             <p14:sldId id="256"/>
             <p14:sldId id="257"/>
             <p14:sldId id="258"/>
+            <p14:sldId id="269"/>
+            <p14:sldId id="270"/>
             <p14:sldId id="259"/>
             <p14:sldId id="260"/>
+            <p14:sldId id="268"/>
             <p14:sldId id="261"/>
             <p14:sldId id="262"/>
+            <p14:sldId id="265"/>
+            <p14:sldId id="264"/>
             <p14:sldId id="263"/>
-            <p14:sldId id="264"/>
-            <p14:sldId id="265"/>
             <p14:sldId id="266"/>
             <p14:sldId id="267"/>
           </p14:sldIdLst>
@@ -144,8 +150,18 @@
 </file>
 
 <file path=ppt/slideLayouts/slideLayout1.xml><?xml version="1.0" encoding="utf-8"?>
-<p:sldLayout xmlns:a="http://schemas.openxmlformats.org/drawingml/2006/main" xmlns:r="http://schemas.openxmlformats.org/officeDocument/2006/relationships" xmlns:p="http://schemas.openxmlformats.org/presentationml/2006/main" type="title" preserve="1">
+<p:sldLayout xmlns:a="http://schemas.openxmlformats.org/drawingml/2006/main" xmlns:r="http://schemas.openxmlformats.org/officeDocument/2006/relationships" xmlns:p="http://schemas.openxmlformats.org/presentationml/2006/main" showMasterSp="0" type="title" preserve="1">
   <p:cSld name="Титульный слайд">
+    <p:bg>
+      <p:bgPr>
+        <a:solidFill>
+          <a:schemeClr val="bg2">
+            <a:lumMod val="75000"/>
+          </a:schemeClr>
+        </a:solidFill>
+        <a:effectLst/>
+      </p:bgPr>
+    </p:bg>
     <p:spTree>
       <p:nvGrpSpPr>
         <p:cNvPr id="1" name=""/>
@@ -162,13 +178,7 @@
       </p:grpSpPr>
       <p:sp>
         <p:nvSpPr>
-          <p:cNvPr id="2" name="Заголовок 1">
-            <a:extLst>
-              <a:ext uri="{FF2B5EF4-FFF2-40B4-BE49-F238E27FC236}">
-                <a16:creationId xmlns:a16="http://schemas.microsoft.com/office/drawing/2014/main" id="{E84D3BB9-879C-46F4-8806-7174F83074CC}"/>
-              </a:ext>
-            </a:extLst>
-          </p:cNvPr>
+          <p:cNvPr id="2" name="Title 1"/>
           <p:cNvSpPr>
             <a:spLocks noGrp="1"/>
           </p:cNvSpPr>
@@ -178,15 +188,24 @@
         </p:nvSpPr>
         <p:spPr>
           <a:xfrm>
-            <a:off x="1524000" y="1122363"/>
-            <a:ext cx="9144000" cy="2387600"/>
+            <a:off x="1261872" y="758952"/>
+            <a:ext cx="9418320" cy="4041648"/>
           </a:xfrm>
         </p:spPr>
         <p:txBody>
-          <a:bodyPr anchor="b"/>
+          <a:bodyPr anchor="b">
+            <a:normAutofit/>
+          </a:bodyPr>
           <a:lstStyle>
-            <a:lvl1pPr algn="ctr">
-              <a:defRPr sz="6000"/>
+            <a:lvl1pPr algn="l">
+              <a:lnSpc>
+                <a:spcPct val="85000"/>
+              </a:lnSpc>
+              <a:defRPr sz="7200" baseline="0">
+                <a:solidFill>
+                  <a:schemeClr val="tx1"/>
+                </a:solidFill>
+              </a:defRPr>
             </a:lvl1pPr>
           </a:lstStyle>
           <a:p>
@@ -194,18 +213,13 @@
               <a:rPr lang="ru-RU"/>
               <a:t>Образец заголовка</a:t>
             </a:r>
-          </a:p>
-        </p:txBody>
-      </p:sp>
-      <p:sp>
-        <p:nvSpPr>
-          <p:cNvPr id="3" name="Подзаголовок 2">
-            <a:extLst>
-              <a:ext uri="{FF2B5EF4-FFF2-40B4-BE49-F238E27FC236}">
-                <a16:creationId xmlns:a16="http://schemas.microsoft.com/office/drawing/2014/main" id="{3F405C3D-3AE0-4FE3-BD42-418C5713C85E}"/>
-              </a:ext>
-            </a:extLst>
-          </p:cNvPr>
+            <a:endParaRPr lang="en-US" dirty="0"/>
+          </a:p>
+        </p:txBody>
+      </p:sp>
+      <p:sp>
+        <p:nvSpPr>
+          <p:cNvPr id="3" name="Subtitle 2"/>
           <p:cNvSpPr>
             <a:spLocks noGrp="1"/>
           </p:cNvSpPr>
@@ -215,48 +229,56 @@
         </p:nvSpPr>
         <p:spPr>
           <a:xfrm>
-            <a:off x="1524000" y="3602038"/>
-            <a:ext cx="9144000" cy="1655762"/>
+            <a:off x="1261872" y="4800600"/>
+            <a:ext cx="9418320" cy="1691640"/>
           </a:xfrm>
         </p:spPr>
         <p:txBody>
-          <a:bodyPr/>
+          <a:bodyPr>
+            <a:normAutofit/>
+          </a:bodyPr>
           <a:lstStyle>
-            <a:lvl1pPr marL="0" indent="0" algn="ctr">
-              <a:buNone/>
-              <a:defRPr sz="2400"/>
+            <a:lvl1pPr marL="0" indent="0" algn="l">
+              <a:buNone/>
+              <a:defRPr sz="2200" baseline="0">
+                <a:solidFill>
+                  <a:schemeClr val="tx1">
+                    <a:lumMod val="75000"/>
+                  </a:schemeClr>
+                </a:solidFill>
+              </a:defRPr>
             </a:lvl1pPr>
             <a:lvl2pPr marL="457200" indent="0" algn="ctr">
               <a:buNone/>
-              <a:defRPr sz="2000"/>
+              <a:defRPr sz="2200"/>
             </a:lvl2pPr>
             <a:lvl3pPr marL="914400" indent="0" algn="ctr">
               <a:buNone/>
-              <a:defRPr sz="1800"/>
+              <a:defRPr sz="2200"/>
             </a:lvl3pPr>
             <a:lvl4pPr marL="1371600" indent="0" algn="ctr">
               <a:buNone/>
-              <a:defRPr sz="1600"/>
+              <a:defRPr sz="2000"/>
             </a:lvl4pPr>
             <a:lvl5pPr marL="1828800" indent="0" algn="ctr">
               <a:buNone/>
-              <a:defRPr sz="1600"/>
+              <a:defRPr sz="2000"/>
             </a:lvl5pPr>
             <a:lvl6pPr marL="2286000" indent="0" algn="ctr">
               <a:buNone/>
-              <a:defRPr sz="1600"/>
+              <a:defRPr sz="2000"/>
             </a:lvl6pPr>
             <a:lvl7pPr marL="2743200" indent="0" algn="ctr">
               <a:buNone/>
-              <a:defRPr sz="1600"/>
+              <a:defRPr sz="2000"/>
             </a:lvl7pPr>
             <a:lvl8pPr marL="3200400" indent="0" algn="ctr">
               <a:buNone/>
-              <a:defRPr sz="1600"/>
+              <a:defRPr sz="2000"/>
             </a:lvl8pPr>
             <a:lvl9pPr marL="3657600" indent="0" algn="ctr">
               <a:buNone/>
-              <a:defRPr sz="1600"/>
+              <a:defRPr sz="2000"/>
             </a:lvl9pPr>
           </a:lstStyle>
           <a:p>
@@ -264,18 +286,13 @@
               <a:rPr lang="ru-RU"/>
               <a:t>Образец подзаголовка</a:t>
             </a:r>
-          </a:p>
-        </p:txBody>
-      </p:sp>
-      <p:sp>
-        <p:nvSpPr>
-          <p:cNvPr id="4" name="Дата 3">
-            <a:extLst>
-              <a:ext uri="{FF2B5EF4-FFF2-40B4-BE49-F238E27FC236}">
-                <a16:creationId xmlns:a16="http://schemas.microsoft.com/office/drawing/2014/main" id="{28335478-DF96-4FBE-AD87-E5317C3A7ACD}"/>
-              </a:ext>
-            </a:extLst>
-          </p:cNvPr>
+            <a:endParaRPr lang="en-US" dirty="0"/>
+          </a:p>
+        </p:txBody>
+      </p:sp>
+      <p:sp>
+        <p:nvSpPr>
+          <p:cNvPr id="4" name="Date Placeholder 3"/>
           <p:cNvSpPr>
             <a:spLocks noGrp="1"/>
           </p:cNvSpPr>
@@ -286,11 +303,21 @@
         <p:spPr/>
         <p:txBody>
           <a:bodyPr/>
-          <a:lstStyle/>
+          <a:lstStyle>
+            <a:lvl1pPr>
+              <a:defRPr>
+                <a:solidFill>
+                  <a:schemeClr val="tx1">
+                    <a:lumMod val="50000"/>
+                  </a:schemeClr>
+                </a:solidFill>
+              </a:defRPr>
+            </a:lvl1pPr>
+          </a:lstStyle>
           <a:p>
             <a:fld id="{6D7BF124-89DF-4EBC-BCA2-D0D0B8B9CCE7}" type="datetimeFigureOut">
               <a:rPr lang="ru-RU" smtClean="0"/>
-              <a:t>11.11.2021</a:t>
+              <a:t>17.11.2021</a:t>
             </a:fld>
             <a:endParaRPr lang="ru-RU"/>
           </a:p>
@@ -298,13 +325,7 @@
       </p:sp>
       <p:sp>
         <p:nvSpPr>
-          <p:cNvPr id="5" name="Нижний колонтитул 4">
-            <a:extLst>
-              <a:ext uri="{FF2B5EF4-FFF2-40B4-BE49-F238E27FC236}">
-                <a16:creationId xmlns:a16="http://schemas.microsoft.com/office/drawing/2014/main" id="{23420387-9DF2-4500-AFDC-AE94DE1AC4AA}"/>
-              </a:ext>
-            </a:extLst>
-          </p:cNvPr>
+          <p:cNvPr id="5" name="Footer Placeholder 4"/>
           <p:cNvSpPr>
             <a:spLocks noGrp="1"/>
           </p:cNvSpPr>
@@ -315,7 +336,17 @@
         <p:spPr/>
         <p:txBody>
           <a:bodyPr/>
-          <a:lstStyle/>
+          <a:lstStyle>
+            <a:lvl1pPr>
+              <a:defRPr>
+                <a:solidFill>
+                  <a:schemeClr val="tx1">
+                    <a:lumMod val="65000"/>
+                  </a:schemeClr>
+                </a:solidFill>
+              </a:defRPr>
+            </a:lvl1pPr>
+          </a:lstStyle>
           <a:p>
             <a:endParaRPr lang="ru-RU"/>
           </a:p>
@@ -323,13 +354,7 @@
       </p:sp>
       <p:sp>
         <p:nvSpPr>
-          <p:cNvPr id="6" name="Номер слайда 5">
-            <a:extLst>
-              <a:ext uri="{FF2B5EF4-FFF2-40B4-BE49-F238E27FC236}">
-                <a16:creationId xmlns:a16="http://schemas.microsoft.com/office/drawing/2014/main" id="{F31B9173-A2F2-4A62-896B-937122C09F8A}"/>
-              </a:ext>
-            </a:extLst>
-          </p:cNvPr>
+          <p:cNvPr id="6" name="Slide Number Placeholder 5"/>
           <p:cNvSpPr>
             <a:spLocks noGrp="1"/>
           </p:cNvSpPr>
@@ -340,7 +365,17 @@
         <p:spPr/>
         <p:txBody>
           <a:bodyPr/>
-          <a:lstStyle/>
+          <a:lstStyle>
+            <a:lvl1pPr>
+              <a:defRPr>
+                <a:solidFill>
+                  <a:schemeClr val="tx1">
+                    <a:lumMod val="65000"/>
+                  </a:schemeClr>
+                </a:solidFill>
+              </a:defRPr>
+            </a:lvl1pPr>
+          </a:lstStyle>
           <a:p>
             <a:fld id="{A024B5A8-6B44-4AD3-A777-9DC26A8C8BF9}" type="slidenum">
               <a:rPr lang="ru-RU" smtClean="0"/>
@@ -350,15 +385,53 @@
           </a:p>
         </p:txBody>
       </p:sp>
+      <p:sp>
+        <p:nvSpPr>
+          <p:cNvPr id="7" name="Rectangle 6"/>
+          <p:cNvSpPr/>
+          <p:nvPr/>
+        </p:nvSpPr>
+        <p:spPr>
+          <a:xfrm>
+            <a:off x="0" y="0"/>
+            <a:ext cx="457200" cy="6858000"/>
+          </a:xfrm>
+          <a:prstGeom prst="rect">
+            <a:avLst/>
+          </a:prstGeom>
+          <a:solidFill>
+            <a:schemeClr val="accent1"/>
+          </a:solidFill>
+          <a:ln>
+            <a:noFill/>
+          </a:ln>
+        </p:spPr>
+        <p:style>
+          <a:lnRef idx="2">
+            <a:schemeClr val="accent1">
+              <a:shade val="50000"/>
+            </a:schemeClr>
+          </a:lnRef>
+          <a:fillRef idx="1">
+            <a:schemeClr val="accent1"/>
+          </a:fillRef>
+          <a:effectRef idx="0">
+            <a:schemeClr val="accent1"/>
+          </a:effectRef>
+          <a:fontRef idx="minor">
+            <a:schemeClr val="lt1"/>
+          </a:fontRef>
+        </p:style>
+      </p:sp>
     </p:spTree>
     <p:extLst>
       <p:ext uri="{BB962C8B-B14F-4D97-AF65-F5344CB8AC3E}">
-        <p14:creationId xmlns:p14="http://schemas.microsoft.com/office/powerpoint/2010/main" val="2500244038"/>
+        <p14:creationId xmlns:p14="http://schemas.microsoft.com/office/powerpoint/2010/main" val="4012439413"/>
       </p:ext>
     </p:extLst>
   </p:cSld>
   <p:clrMapOvr>
-    <a:masterClrMapping/>
+    <a:overrideClrMapping bg1="dk1" tx1="lt1" bg2="dk2" tx2="lt2" accent1="accent1" accent2="accent2" accent3="accent3" accent4="accent4" accent5="accent5" accent6="accent6" hlink="hlink" folHlink="folHlink"/>
   </p:clrMapOvr>
 </p:sldLayout>
 </file>
@@ -382,13 +455,7 @@
       </p:grpSpPr>
       <p:sp>
         <p:nvSpPr>
-          <p:cNvPr id="2" name="Заголовок 1">
-            <a:extLst>
-              <a:ext uri="{FF2B5EF4-FFF2-40B4-BE49-F238E27FC236}">
-                <a16:creationId xmlns:a16="http://schemas.microsoft.com/office/drawing/2014/main" id="{1B5A3DE3-2916-49A4-B570-BC4F9D0C61B3}"/>
-              </a:ext>
-            </a:extLst>
-          </p:cNvPr>
+          <p:cNvPr id="2" name="Title 1"/>
           <p:cNvSpPr>
             <a:spLocks noGrp="1"/>
           </p:cNvSpPr>
@@ -405,18 +472,13 @@
               <a:rPr lang="ru-RU"/>
               <a:t>Образец заголовка</a:t>
             </a:r>
-          </a:p>
-        </p:txBody>
-      </p:sp>
-      <p:sp>
-        <p:nvSpPr>
-          <p:cNvPr id="3" name="Вертикальный текст 2">
-            <a:extLst>
-              <a:ext uri="{FF2B5EF4-FFF2-40B4-BE49-F238E27FC236}">
-                <a16:creationId xmlns:a16="http://schemas.microsoft.com/office/drawing/2014/main" id="{E175D3F6-14F5-4F4A-AE5E-1BD77213DCB0}"/>
-              </a:ext>
-            </a:extLst>
-          </p:cNvPr>
+            <a:endParaRPr lang="en-US" dirty="0"/>
+          </a:p>
+        </p:txBody>
+      </p:sp>
+      <p:sp>
+        <p:nvSpPr>
+          <p:cNvPr id="3" name="Vertical Text Placeholder 2"/>
           <p:cNvSpPr>
             <a:spLocks noGrp="1"/>
           </p:cNvSpPr>
@@ -462,18 +524,13 @@
               <a:rPr lang="ru-RU"/>
               <a:t>Пятый уровень</a:t>
             </a:r>
-          </a:p>
-        </p:txBody>
-      </p:sp>
-      <p:sp>
-        <p:nvSpPr>
-          <p:cNvPr id="4" name="Дата 3">
-            <a:extLst>
-              <a:ext uri="{FF2B5EF4-FFF2-40B4-BE49-F238E27FC236}">
-                <a16:creationId xmlns:a16="http://schemas.microsoft.com/office/drawing/2014/main" id="{BF8870BD-EC6C-4947-B5D2-95A289DC85F0}"/>
-              </a:ext>
-            </a:extLst>
-          </p:cNvPr>
+            <a:endParaRPr lang="en-US" dirty="0"/>
+          </a:p>
+        </p:txBody>
+      </p:sp>
+      <p:sp>
+        <p:nvSpPr>
+          <p:cNvPr id="4" name="Date Placeholder 3"/>
           <p:cNvSpPr>
             <a:spLocks noGrp="1"/>
           </p:cNvSpPr>
@@ -488,7 +545,7 @@
           <a:p>
             <a:fld id="{6D7BF124-89DF-4EBC-BCA2-D0D0B8B9CCE7}" type="datetimeFigureOut">
               <a:rPr lang="ru-RU" smtClean="0"/>
-              <a:t>11.11.2021</a:t>
+              <a:t>17.11.2021</a:t>
             </a:fld>
             <a:endParaRPr lang="ru-RU"/>
           </a:p>
@@ -496,13 +553,7 @@
       </p:sp>
       <p:sp>
         <p:nvSpPr>
-          <p:cNvPr id="5" name="Нижний колонтитул 4">
-            <a:extLst>
-              <a:ext uri="{FF2B5EF4-FFF2-40B4-BE49-F238E27FC236}">
-                <a16:creationId xmlns:a16="http://schemas.microsoft.com/office/drawing/2014/main" id="{3EEA1862-8366-4973-84FF-90CC16F15FC5}"/>
-              </a:ext>
-            </a:extLst>
-          </p:cNvPr>
+          <p:cNvPr id="5" name="Footer Placeholder 4"/>
           <p:cNvSpPr>
             <a:spLocks noGrp="1"/>
           </p:cNvSpPr>
@@ -521,13 +572,7 @@
       </p:sp>
       <p:sp>
         <p:nvSpPr>
-          <p:cNvPr id="6" name="Номер слайда 5">
-            <a:extLst>
-              <a:ext uri="{FF2B5EF4-FFF2-40B4-BE49-F238E27FC236}">
-                <a16:creationId xmlns:a16="http://schemas.microsoft.com/office/drawing/2014/main" id="{E2CDE3CF-76D2-4B76-BF46-48CFC9E69C34}"/>
-              </a:ext>
-            </a:extLst>
-          </p:cNvPr>
+          <p:cNvPr id="6" name="Slide Number Placeholder 5"/>
           <p:cNvSpPr>
             <a:spLocks noGrp="1"/>
           </p:cNvSpPr>
@@ -551,7 +596,7 @@
     </p:spTree>
     <p:extLst>
       <p:ext uri="{BB962C8B-B14F-4D97-AF65-F5344CB8AC3E}">
-        <p14:creationId xmlns:p14="http://schemas.microsoft.com/office/powerpoint/2010/main" val="4225279622"/>
+        <p14:creationId xmlns:p14="http://schemas.microsoft.com/office/powerpoint/2010/main" val="2595280964"/>
       </p:ext>
     </p:extLst>
   </p:cSld>
@@ -580,13 +625,7 @@
       </p:grpSpPr>
       <p:sp>
         <p:nvSpPr>
-          <p:cNvPr id="2" name="Вертикальный заголовок 1">
-            <a:extLst>
-              <a:ext uri="{FF2B5EF4-FFF2-40B4-BE49-F238E27FC236}">
-                <a16:creationId xmlns:a16="http://schemas.microsoft.com/office/drawing/2014/main" id="{D302407B-6573-4BA7-9512-55C7A131BA2B}"/>
-              </a:ext>
-            </a:extLst>
-          </p:cNvPr>
+          <p:cNvPr id="2" name="Vertical Title 1"/>
           <p:cNvSpPr>
             <a:spLocks noGrp="1"/>
           </p:cNvSpPr>
@@ -596,8 +635,8 @@
         </p:nvSpPr>
         <p:spPr>
           <a:xfrm>
-            <a:off x="8724900" y="365125"/>
-            <a:ext cx="2628900" cy="5811838"/>
+            <a:off x="8648700" y="381000"/>
+            <a:ext cx="2476500" cy="5897562"/>
           </a:xfrm>
         </p:spPr>
         <p:txBody>
@@ -608,18 +647,13 @@
               <a:rPr lang="ru-RU"/>
               <a:t>Образец заголовка</a:t>
             </a:r>
-          </a:p>
-        </p:txBody>
-      </p:sp>
-      <p:sp>
-        <p:nvSpPr>
-          <p:cNvPr id="3" name="Вертикальный текст 2">
-            <a:extLst>
-              <a:ext uri="{FF2B5EF4-FFF2-40B4-BE49-F238E27FC236}">
-                <a16:creationId xmlns:a16="http://schemas.microsoft.com/office/drawing/2014/main" id="{6C27EC5F-D4D0-4663-988A-024385A7CE0C}"/>
-              </a:ext>
-            </a:extLst>
-          </p:cNvPr>
+            <a:endParaRPr lang="en-US" dirty="0"/>
+          </a:p>
+        </p:txBody>
+      </p:sp>
+      <p:sp>
+        <p:nvSpPr>
+          <p:cNvPr id="3" name="Vertical Text Placeholder 2"/>
           <p:cNvSpPr>
             <a:spLocks noGrp="1"/>
           </p:cNvSpPr>
@@ -629,8 +663,8 @@
         </p:nvSpPr>
         <p:spPr>
           <a:xfrm>
-            <a:off x="838200" y="365125"/>
-            <a:ext cx="7734300" cy="5811838"/>
+            <a:off x="762000" y="381000"/>
+            <a:ext cx="7734300" cy="5897562"/>
           </a:xfrm>
         </p:spPr>
         <p:txBody>
@@ -670,18 +704,13 @@
               <a:rPr lang="ru-RU"/>
               <a:t>Пятый уровень</a:t>
             </a:r>
-          </a:p>
-        </p:txBody>
-      </p:sp>
-      <p:sp>
-        <p:nvSpPr>
-          <p:cNvPr id="4" name="Дата 3">
-            <a:extLst>
-              <a:ext uri="{FF2B5EF4-FFF2-40B4-BE49-F238E27FC236}">
-                <a16:creationId xmlns:a16="http://schemas.microsoft.com/office/drawing/2014/main" id="{247F2E63-E43A-4E6C-9D6F-CDDD16361A7E}"/>
-              </a:ext>
-            </a:extLst>
-          </p:cNvPr>
+            <a:endParaRPr lang="en-US" dirty="0"/>
+          </a:p>
+        </p:txBody>
+      </p:sp>
+      <p:sp>
+        <p:nvSpPr>
+          <p:cNvPr id="4" name="Date Placeholder 3"/>
           <p:cNvSpPr>
             <a:spLocks noGrp="1"/>
           </p:cNvSpPr>
@@ -696,7 +725,7 @@
           <a:p>
             <a:fld id="{6D7BF124-89DF-4EBC-BCA2-D0D0B8B9CCE7}" type="datetimeFigureOut">
               <a:rPr lang="ru-RU" smtClean="0"/>
-              <a:t>11.11.2021</a:t>
+              <a:t>17.11.2021</a:t>
             </a:fld>
             <a:endParaRPr lang="ru-RU"/>
           </a:p>
@@ -704,13 +733,7 @@
       </p:sp>
       <p:sp>
         <p:nvSpPr>
-          <p:cNvPr id="5" name="Нижний колонтитул 4">
-            <a:extLst>
-              <a:ext uri="{FF2B5EF4-FFF2-40B4-BE49-F238E27FC236}">
-                <a16:creationId xmlns:a16="http://schemas.microsoft.com/office/drawing/2014/main" id="{054261AC-8901-4A46-B9BD-E96D0B57C85D}"/>
-              </a:ext>
-            </a:extLst>
-          </p:cNvPr>
+          <p:cNvPr id="5" name="Footer Placeholder 4"/>
           <p:cNvSpPr>
             <a:spLocks noGrp="1"/>
           </p:cNvSpPr>
@@ -729,13 +752,7 @@
       </p:sp>
       <p:sp>
         <p:nvSpPr>
-          <p:cNvPr id="6" name="Номер слайда 5">
-            <a:extLst>
-              <a:ext uri="{FF2B5EF4-FFF2-40B4-BE49-F238E27FC236}">
-                <a16:creationId xmlns:a16="http://schemas.microsoft.com/office/drawing/2014/main" id="{4B92F702-100C-4CD4-A69D-4A5354C50C26}"/>
-              </a:ext>
-            </a:extLst>
-          </p:cNvPr>
+          <p:cNvPr id="6" name="Slide Number Placeholder 5"/>
           <p:cNvSpPr>
             <a:spLocks noGrp="1"/>
           </p:cNvSpPr>
@@ -759,7 +776,7 @@
     </p:spTree>
     <p:extLst>
       <p:ext uri="{BB962C8B-B14F-4D97-AF65-F5344CB8AC3E}">
-        <p14:creationId xmlns:p14="http://schemas.microsoft.com/office/powerpoint/2010/main" val="633869184"/>
+        <p14:creationId xmlns:p14="http://schemas.microsoft.com/office/powerpoint/2010/main" val="3722536233"/>
       </p:ext>
     </p:extLst>
   </p:cSld>
@@ -788,13 +805,7 @@
       </p:grpSpPr>
       <p:sp>
         <p:nvSpPr>
-          <p:cNvPr id="2" name="Заголовок 1">
-            <a:extLst>
-              <a:ext uri="{FF2B5EF4-FFF2-40B4-BE49-F238E27FC236}">
-                <a16:creationId xmlns:a16="http://schemas.microsoft.com/office/drawing/2014/main" id="{FD5A68A3-F229-42DD-B294-D26983EE7090}"/>
-              </a:ext>
-            </a:extLst>
-          </p:cNvPr>
+          <p:cNvPr id="2" name="Title 1"/>
           <p:cNvSpPr>
             <a:spLocks noGrp="1"/>
           </p:cNvSpPr>
@@ -811,18 +822,13 @@
               <a:rPr lang="ru-RU"/>
               <a:t>Образец заголовка</a:t>
             </a:r>
-          </a:p>
-        </p:txBody>
-      </p:sp>
-      <p:sp>
-        <p:nvSpPr>
-          <p:cNvPr id="3" name="Объект 2">
-            <a:extLst>
-              <a:ext uri="{FF2B5EF4-FFF2-40B4-BE49-F238E27FC236}">
-                <a16:creationId xmlns:a16="http://schemas.microsoft.com/office/drawing/2014/main" id="{AE07DF6F-5D1F-4ADF-A55E-9D910F6D31C5}"/>
-              </a:ext>
-            </a:extLst>
-          </p:cNvPr>
+            <a:endParaRPr lang="en-US" dirty="0"/>
+          </a:p>
+        </p:txBody>
+      </p:sp>
+      <p:sp>
+        <p:nvSpPr>
+          <p:cNvPr id="3" name="Content Placeholder 2"/>
           <p:cNvSpPr>
             <a:spLocks noGrp="1"/>
           </p:cNvSpPr>
@@ -868,18 +874,13 @@
               <a:rPr lang="ru-RU"/>
               <a:t>Пятый уровень</a:t>
             </a:r>
-          </a:p>
-        </p:txBody>
-      </p:sp>
-      <p:sp>
-        <p:nvSpPr>
-          <p:cNvPr id="4" name="Дата 3">
-            <a:extLst>
-              <a:ext uri="{FF2B5EF4-FFF2-40B4-BE49-F238E27FC236}">
-                <a16:creationId xmlns:a16="http://schemas.microsoft.com/office/drawing/2014/main" id="{46B5E1C1-3DE4-48CD-8E7C-8547D1E8A8F2}"/>
-              </a:ext>
-            </a:extLst>
-          </p:cNvPr>
+            <a:endParaRPr lang="en-US" dirty="0"/>
+          </a:p>
+        </p:txBody>
+      </p:sp>
+      <p:sp>
+        <p:nvSpPr>
+          <p:cNvPr id="4" name="Date Placeholder 3"/>
           <p:cNvSpPr>
             <a:spLocks noGrp="1"/>
           </p:cNvSpPr>
@@ -894,7 +895,7 @@
           <a:p>
             <a:fld id="{6D7BF124-89DF-4EBC-BCA2-D0D0B8B9CCE7}" type="datetimeFigureOut">
               <a:rPr lang="ru-RU" smtClean="0"/>
-              <a:t>11.11.2021</a:t>
+              <a:t>17.11.2021</a:t>
             </a:fld>
             <a:endParaRPr lang="ru-RU"/>
           </a:p>
@@ -902,13 +903,7 @@
       </p:sp>
       <p:sp>
         <p:nvSpPr>
-          <p:cNvPr id="5" name="Нижний колонтитул 4">
-            <a:extLst>
-              <a:ext uri="{FF2B5EF4-FFF2-40B4-BE49-F238E27FC236}">
-                <a16:creationId xmlns:a16="http://schemas.microsoft.com/office/drawing/2014/main" id="{D82C8870-7E42-4CC1-87C0-D4D699A42E51}"/>
-              </a:ext>
-            </a:extLst>
-          </p:cNvPr>
+          <p:cNvPr id="5" name="Footer Placeholder 4"/>
           <p:cNvSpPr>
             <a:spLocks noGrp="1"/>
           </p:cNvSpPr>
@@ -927,13 +922,7 @@
       </p:sp>
       <p:sp>
         <p:nvSpPr>
-          <p:cNvPr id="6" name="Номер слайда 5">
-            <a:extLst>
-              <a:ext uri="{FF2B5EF4-FFF2-40B4-BE49-F238E27FC236}">
-                <a16:creationId xmlns:a16="http://schemas.microsoft.com/office/drawing/2014/main" id="{DEFC1290-F064-42B3-BF12-91B6747C485E}"/>
-              </a:ext>
-            </a:extLst>
-          </p:cNvPr>
+          <p:cNvPr id="6" name="Slide Number Placeholder 5"/>
           <p:cNvSpPr>
             <a:spLocks noGrp="1"/>
           </p:cNvSpPr>
@@ -957,7 +946,7 @@
     </p:spTree>
     <p:extLst>
       <p:ext uri="{BB962C8B-B14F-4D97-AF65-F5344CB8AC3E}">
-        <p14:creationId xmlns:p14="http://schemas.microsoft.com/office/powerpoint/2010/main" val="769557806"/>
+        <p14:creationId xmlns:p14="http://schemas.microsoft.com/office/powerpoint/2010/main" val="1366482339"/>
       </p:ext>
     </p:extLst>
   </p:cSld>
@@ -986,13 +975,7 @@
       </p:grpSpPr>
       <p:sp>
         <p:nvSpPr>
-          <p:cNvPr id="2" name="Заголовок 1">
-            <a:extLst>
-              <a:ext uri="{FF2B5EF4-FFF2-40B4-BE49-F238E27FC236}">
-                <a16:creationId xmlns:a16="http://schemas.microsoft.com/office/drawing/2014/main" id="{00AE6DF9-E81D-4D82-A14D-8C702DE1738E}"/>
-              </a:ext>
-            </a:extLst>
-          </p:cNvPr>
+          <p:cNvPr id="2" name="Title 1"/>
           <p:cNvSpPr>
             <a:spLocks noGrp="1"/>
           </p:cNvSpPr>
@@ -1002,15 +985,20 @@
         </p:nvSpPr>
         <p:spPr>
           <a:xfrm>
-            <a:off x="831850" y="1709738"/>
-            <a:ext cx="10515600" cy="2852737"/>
+            <a:off x="1261872" y="758952"/>
+            <a:ext cx="9418320" cy="4041648"/>
           </a:xfrm>
         </p:spPr>
         <p:txBody>
-          <a:bodyPr anchor="b"/>
+          <a:bodyPr anchor="b">
+            <a:normAutofit/>
+          </a:bodyPr>
           <a:lstStyle>
             <a:lvl1pPr>
-              <a:defRPr sz="6000"/>
+              <a:lnSpc>
+                <a:spcPct val="85000"/>
+              </a:lnSpc>
+              <a:defRPr sz="7200" b="0"/>
             </a:lvl1pPr>
           </a:lstStyle>
           <a:p>
@@ -1018,18 +1006,13 @@
               <a:rPr lang="ru-RU"/>
               <a:t>Образец заголовка</a:t>
             </a:r>
-          </a:p>
-        </p:txBody>
-      </p:sp>
-      <p:sp>
-        <p:nvSpPr>
-          <p:cNvPr id="3" name="Текст 2">
-            <a:extLst>
-              <a:ext uri="{FF2B5EF4-FFF2-40B4-BE49-F238E27FC236}">
-                <a16:creationId xmlns:a16="http://schemas.microsoft.com/office/drawing/2014/main" id="{CA7692D0-EFDC-4F01-B4CE-D05211D85C29}"/>
-              </a:ext>
-            </a:extLst>
-          </p:cNvPr>
+            <a:endParaRPr lang="en-US" dirty="0"/>
+          </a:p>
+        </p:txBody>
+      </p:sp>
+      <p:sp>
+        <p:nvSpPr>
+          <p:cNvPr id="3" name="Text Placeholder 2"/>
           <p:cNvSpPr>
             <a:spLocks noGrp="1"/>
           </p:cNvSpPr>
@@ -1039,26 +1022,29 @@
         </p:nvSpPr>
         <p:spPr>
           <a:xfrm>
-            <a:off x="831850" y="4589463"/>
-            <a:ext cx="10515600" cy="1500187"/>
+            <a:off x="1261872" y="4800600"/>
+            <a:ext cx="9418320" cy="1691640"/>
           </a:xfrm>
         </p:spPr>
         <p:txBody>
-          <a:bodyPr/>
+          <a:bodyPr anchor="t">
+            <a:normAutofit/>
+          </a:bodyPr>
           <a:lstStyle>
             <a:lvl1pPr marL="0" indent="0">
               <a:buNone/>
-              <a:defRPr sz="2400">
+              <a:defRPr sz="2200">
                 <a:solidFill>
                   <a:schemeClr val="tx1">
-                    <a:tint val="75000"/>
+                    <a:lumMod val="65000"/>
+                    <a:lumOff val="35000"/>
                   </a:schemeClr>
                 </a:solidFill>
               </a:defRPr>
             </a:lvl1pPr>
             <a:lvl2pPr marL="457200" indent="0">
               <a:buNone/>
-              <a:defRPr sz="2000">
+              <a:defRPr sz="1800">
                 <a:solidFill>
                   <a:schemeClr val="tx1">
                     <a:tint val="75000"/>
@@ -1068,7 +1054,7 @@
             </a:lvl2pPr>
             <a:lvl3pPr marL="914400" indent="0">
               <a:buNone/>
-              <a:defRPr sz="1800">
+              <a:defRPr sz="1600">
                 <a:solidFill>
                   <a:schemeClr val="tx1">
                     <a:tint val="75000"/>
@@ -1078,7 +1064,7 @@
             </a:lvl3pPr>
             <a:lvl4pPr marL="1371600" indent="0">
               <a:buNone/>
-              <a:defRPr sz="1600">
+              <a:defRPr sz="1400">
                 <a:solidFill>
                   <a:schemeClr val="tx1">
                     <a:tint val="75000"/>
@@ -1088,7 +1074,7 @@
             </a:lvl4pPr>
             <a:lvl5pPr marL="1828800" indent="0">
               <a:buNone/>
-              <a:defRPr sz="1600">
+              <a:defRPr sz="1400">
                 <a:solidFill>
                   <a:schemeClr val="tx1">
                     <a:tint val="75000"/>
@@ -1098,7 +1084,7 @@
             </a:lvl5pPr>
             <a:lvl6pPr marL="2286000" indent="0">
               <a:buNone/>
-              <a:defRPr sz="1600">
+              <a:defRPr sz="1400">
                 <a:solidFill>
                   <a:schemeClr val="tx1">
                     <a:tint val="75000"/>
@@ -1108,7 +1094,7 @@
             </a:lvl6pPr>
             <a:lvl7pPr marL="2743200" indent="0">
               <a:buNone/>
-              <a:defRPr sz="1600">
+              <a:defRPr sz="1400">
                 <a:solidFill>
                   <a:schemeClr val="tx1">
                     <a:tint val="75000"/>
@@ -1118,7 +1104,7 @@
             </a:lvl7pPr>
             <a:lvl8pPr marL="3200400" indent="0">
               <a:buNone/>
-              <a:defRPr sz="1600">
+              <a:defRPr sz="1400">
                 <a:solidFill>
                   <a:schemeClr val="tx1">
                     <a:tint val="75000"/>
@@ -1128,7 +1114,7 @@
             </a:lvl8pPr>
             <a:lvl9pPr marL="3657600" indent="0">
               <a:buNone/>
-              <a:defRPr sz="1600">
+              <a:defRPr sz="1400">
                 <a:solidFill>
                   <a:schemeClr val="tx1">
                     <a:tint val="75000"/>
@@ -1148,13 +1134,7 @@
       </p:sp>
       <p:sp>
         <p:nvSpPr>
-          <p:cNvPr id="4" name="Дата 3">
-            <a:extLst>
-              <a:ext uri="{FF2B5EF4-FFF2-40B4-BE49-F238E27FC236}">
-                <a16:creationId xmlns:a16="http://schemas.microsoft.com/office/drawing/2014/main" id="{1CBC66DD-DF7C-4895-934B-8F3AB08A58CC}"/>
-              </a:ext>
-            </a:extLst>
-          </p:cNvPr>
+          <p:cNvPr id="4" name="Date Placeholder 3"/>
           <p:cNvSpPr>
             <a:spLocks noGrp="1"/>
           </p:cNvSpPr>
@@ -1169,7 +1149,7 @@
           <a:p>
             <a:fld id="{6D7BF124-89DF-4EBC-BCA2-D0D0B8B9CCE7}" type="datetimeFigureOut">
               <a:rPr lang="ru-RU" smtClean="0"/>
-              <a:t>11.11.2021</a:t>
+              <a:t>17.11.2021</a:t>
             </a:fld>
             <a:endParaRPr lang="ru-RU"/>
           </a:p>
@@ -1177,13 +1157,7 @@
       </p:sp>
       <p:sp>
         <p:nvSpPr>
-          <p:cNvPr id="5" name="Нижний колонтитул 4">
-            <a:extLst>
-              <a:ext uri="{FF2B5EF4-FFF2-40B4-BE49-F238E27FC236}">
-                <a16:creationId xmlns:a16="http://schemas.microsoft.com/office/drawing/2014/main" id="{EAD08F9F-3018-4A47-9B72-6AE5551598FB}"/>
-              </a:ext>
-            </a:extLst>
-          </p:cNvPr>
+          <p:cNvPr id="5" name="Footer Placeholder 4"/>
           <p:cNvSpPr>
             <a:spLocks noGrp="1"/>
           </p:cNvSpPr>
@@ -1202,13 +1176,7 @@
       </p:sp>
       <p:sp>
         <p:nvSpPr>
-          <p:cNvPr id="6" name="Номер слайда 5">
-            <a:extLst>
-              <a:ext uri="{FF2B5EF4-FFF2-40B4-BE49-F238E27FC236}">
-                <a16:creationId xmlns:a16="http://schemas.microsoft.com/office/drawing/2014/main" id="{00FF52F3-F94D-46BE-8E95-82F12945F886}"/>
-              </a:ext>
-            </a:extLst>
-          </p:cNvPr>
+          <p:cNvPr id="6" name="Slide Number Placeholder 5"/>
           <p:cNvSpPr>
             <a:spLocks noGrp="1"/>
           </p:cNvSpPr>
@@ -1229,10 +1197,48 @@
           </a:p>
         </p:txBody>
       </p:sp>
+      <p:sp>
+        <p:nvSpPr>
+          <p:cNvPr id="7" name="Rectangle 6"/>
+          <p:cNvSpPr/>
+          <p:nvPr/>
+        </p:nvSpPr>
+        <p:spPr>
+          <a:xfrm>
+            <a:off x="0" y="0"/>
+            <a:ext cx="457200" cy="6858000"/>
+          </a:xfrm>
+          <a:prstGeom prst="rect">
+            <a:avLst/>
+          </a:prstGeom>
+          <a:solidFill>
+            <a:schemeClr val="accent1"/>
+          </a:solidFill>
+          <a:ln>
+            <a:noFill/>
+          </a:ln>
+        </p:spPr>
+        <p:style>
+          <a:lnRef idx="2">
+            <a:schemeClr val="accent1">
+              <a:shade val="50000"/>
+            </a:schemeClr>
+          </a:lnRef>
+          <a:fillRef idx="1">
+            <a:schemeClr val="accent1"/>
+          </a:fillRef>
+          <a:effectRef idx="0">
+            <a:schemeClr val="accent1"/>
+          </a:effectRef>
+          <a:fontRef idx="minor">
+            <a:schemeClr val="lt1"/>
+          </a:fontRef>
+        </p:style>
+      </p:sp>
     </p:spTree>
     <p:extLst>
       <p:ext uri="{BB962C8B-B14F-4D97-AF65-F5344CB8AC3E}">
-        <p14:creationId xmlns:p14="http://schemas.microsoft.com/office/powerpoint/2010/main" val="1347928017"/>
+        <p14:creationId xmlns:p14="http://schemas.microsoft.com/office/powerpoint/2010/main" val="218486982"/>
       </p:ext>
     </p:extLst>
   </p:cSld>
@@ -1261,13 +1267,7 @@
       </p:grpSpPr>
       <p:sp>
         <p:nvSpPr>
-          <p:cNvPr id="2" name="Заголовок 1">
-            <a:extLst>
-              <a:ext uri="{FF2B5EF4-FFF2-40B4-BE49-F238E27FC236}">
-                <a16:creationId xmlns:a16="http://schemas.microsoft.com/office/drawing/2014/main" id="{16768DC8-B2B3-4452-8D8E-44A3C432EBCB}"/>
-              </a:ext>
-            </a:extLst>
-          </p:cNvPr>
+          <p:cNvPr id="2" name="Title 1"/>
           <p:cNvSpPr>
             <a:spLocks noGrp="1"/>
           </p:cNvSpPr>
@@ -1284,18 +1284,13 @@
               <a:rPr lang="ru-RU"/>
               <a:t>Образец заголовка</a:t>
             </a:r>
-          </a:p>
-        </p:txBody>
-      </p:sp>
-      <p:sp>
-        <p:nvSpPr>
-          <p:cNvPr id="3" name="Объект 2">
-            <a:extLst>
-              <a:ext uri="{FF2B5EF4-FFF2-40B4-BE49-F238E27FC236}">
-                <a16:creationId xmlns:a16="http://schemas.microsoft.com/office/drawing/2014/main" id="{83C1A3E6-CE90-4C41-AE2A-1FF1DB277753}"/>
-              </a:ext>
-            </a:extLst>
-          </p:cNvPr>
+            <a:endParaRPr lang="en-US" dirty="0"/>
+          </a:p>
+        </p:txBody>
+      </p:sp>
+      <p:sp>
+        <p:nvSpPr>
+          <p:cNvPr id="3" name="Content Placeholder 2"/>
           <p:cNvSpPr>
             <a:spLocks noGrp="1"/>
           </p:cNvSpPr>
@@ -1305,13 +1300,41 @@
         </p:nvSpPr>
         <p:spPr>
           <a:xfrm>
-            <a:off x="838200" y="1825625"/>
-            <a:ext cx="5181600" cy="4351338"/>
+            <a:off x="1261872" y="1828800"/>
+            <a:ext cx="4480560" cy="4351337"/>
           </a:xfrm>
         </p:spPr>
         <p:txBody>
           <a:bodyPr/>
-          <a:lstStyle/>
+          <a:lstStyle>
+            <a:lvl1pPr>
+              <a:defRPr sz="1800"/>
+            </a:lvl1pPr>
+            <a:lvl2pPr>
+              <a:defRPr sz="1600"/>
+            </a:lvl2pPr>
+            <a:lvl3pPr>
+              <a:defRPr sz="1400"/>
+            </a:lvl3pPr>
+            <a:lvl4pPr>
+              <a:defRPr sz="1400"/>
+            </a:lvl4pPr>
+            <a:lvl5pPr>
+              <a:defRPr sz="1400"/>
+            </a:lvl5pPr>
+            <a:lvl6pPr>
+              <a:defRPr sz="1400"/>
+            </a:lvl6pPr>
+            <a:lvl7pPr>
+              <a:defRPr sz="1400"/>
+            </a:lvl7pPr>
+            <a:lvl8pPr>
+              <a:defRPr sz="1400"/>
+            </a:lvl8pPr>
+            <a:lvl9pPr>
+              <a:defRPr sz="1400"/>
+            </a:lvl9pPr>
+          </a:lstStyle>
           <a:p>
             <a:pPr lvl="0"/>
             <a:r>
@@ -1346,18 +1369,13 @@
               <a:rPr lang="ru-RU"/>
               <a:t>Пятый уровень</a:t>
             </a:r>
-          </a:p>
-        </p:txBody>
-      </p:sp>
-      <p:sp>
-        <p:nvSpPr>
-          <p:cNvPr id="4" name="Объект 3">
-            <a:extLst>
-              <a:ext uri="{FF2B5EF4-FFF2-40B4-BE49-F238E27FC236}">
-                <a16:creationId xmlns:a16="http://schemas.microsoft.com/office/drawing/2014/main" id="{CA52196D-A264-4BA5-911B-18B8A79D48BC}"/>
-              </a:ext>
-            </a:extLst>
-          </p:cNvPr>
+            <a:endParaRPr lang="en-US" dirty="0"/>
+          </a:p>
+        </p:txBody>
+      </p:sp>
+      <p:sp>
+        <p:nvSpPr>
+          <p:cNvPr id="4" name="Content Placeholder 3"/>
           <p:cNvSpPr>
             <a:spLocks noGrp="1"/>
           </p:cNvSpPr>
@@ -1367,13 +1385,41 @@
         </p:nvSpPr>
         <p:spPr>
           <a:xfrm>
-            <a:off x="6172200" y="1825625"/>
-            <a:ext cx="5181600" cy="4351338"/>
+            <a:off x="6126480" y="1828800"/>
+            <a:ext cx="4480560" cy="4351337"/>
           </a:xfrm>
         </p:spPr>
         <p:txBody>
           <a:bodyPr/>
-          <a:lstStyle/>
+          <a:lstStyle>
+            <a:lvl1pPr>
+              <a:defRPr sz="1800"/>
+            </a:lvl1pPr>
+            <a:lvl2pPr>
+              <a:defRPr sz="1600"/>
+            </a:lvl2pPr>
+            <a:lvl3pPr>
+              <a:defRPr sz="1400"/>
+            </a:lvl3pPr>
+            <a:lvl4pPr>
+              <a:defRPr sz="1400"/>
+            </a:lvl4pPr>
+            <a:lvl5pPr>
+              <a:defRPr sz="1400"/>
+            </a:lvl5pPr>
+            <a:lvl6pPr>
+              <a:defRPr sz="1400"/>
+            </a:lvl6pPr>
+            <a:lvl7pPr>
+              <a:defRPr sz="1400"/>
+            </a:lvl7pPr>
+            <a:lvl8pPr>
+              <a:defRPr sz="1400"/>
+            </a:lvl8pPr>
+            <a:lvl9pPr>
+              <a:defRPr sz="1400"/>
+            </a:lvl9pPr>
+          </a:lstStyle>
           <a:p>
             <a:pPr lvl="0"/>
             <a:r>
@@ -1408,18 +1454,13 @@
               <a:rPr lang="ru-RU"/>
               <a:t>Пятый уровень</a:t>
             </a:r>
-          </a:p>
-        </p:txBody>
-      </p:sp>
-      <p:sp>
-        <p:nvSpPr>
-          <p:cNvPr id="5" name="Дата 4">
-            <a:extLst>
-              <a:ext uri="{FF2B5EF4-FFF2-40B4-BE49-F238E27FC236}">
-                <a16:creationId xmlns:a16="http://schemas.microsoft.com/office/drawing/2014/main" id="{47C5494B-424C-49B1-B7DB-68FDEA1D1CAC}"/>
-              </a:ext>
-            </a:extLst>
-          </p:cNvPr>
+            <a:endParaRPr lang="en-US" dirty="0"/>
+          </a:p>
+        </p:txBody>
+      </p:sp>
+      <p:sp>
+        <p:nvSpPr>
+          <p:cNvPr id="5" name="Date Placeholder 4"/>
           <p:cNvSpPr>
             <a:spLocks noGrp="1"/>
           </p:cNvSpPr>
@@ -1434,7 +1475,7 @@
           <a:p>
             <a:fld id="{6D7BF124-89DF-4EBC-BCA2-D0D0B8B9CCE7}" type="datetimeFigureOut">
               <a:rPr lang="ru-RU" smtClean="0"/>
-              <a:t>11.11.2021</a:t>
+              <a:t>17.11.2021</a:t>
             </a:fld>
             <a:endParaRPr lang="ru-RU"/>
           </a:p>
@@ -1442,13 +1483,7 @@
       </p:sp>
       <p:sp>
         <p:nvSpPr>
-          <p:cNvPr id="6" name="Нижний колонтитул 5">
-            <a:extLst>
-              <a:ext uri="{FF2B5EF4-FFF2-40B4-BE49-F238E27FC236}">
-                <a16:creationId xmlns:a16="http://schemas.microsoft.com/office/drawing/2014/main" id="{F2C08F13-ED02-4231-AB94-1330C9723527}"/>
-              </a:ext>
-            </a:extLst>
-          </p:cNvPr>
+          <p:cNvPr id="6" name="Footer Placeholder 5"/>
           <p:cNvSpPr>
             <a:spLocks noGrp="1"/>
           </p:cNvSpPr>
@@ -1467,13 +1502,7 @@
       </p:sp>
       <p:sp>
         <p:nvSpPr>
-          <p:cNvPr id="7" name="Номер слайда 6">
-            <a:extLst>
-              <a:ext uri="{FF2B5EF4-FFF2-40B4-BE49-F238E27FC236}">
-                <a16:creationId xmlns:a16="http://schemas.microsoft.com/office/drawing/2014/main" id="{E5F97419-5BBA-40ED-AE18-C79961D416C4}"/>
-              </a:ext>
-            </a:extLst>
-          </p:cNvPr>
+          <p:cNvPr id="7" name="Slide Number Placeholder 6"/>
           <p:cNvSpPr>
             <a:spLocks noGrp="1"/>
           </p:cNvSpPr>
@@ -1497,7 +1526,7 @@
     </p:spTree>
     <p:extLst>
       <p:ext uri="{BB962C8B-B14F-4D97-AF65-F5344CB8AC3E}">
-        <p14:creationId xmlns:p14="http://schemas.microsoft.com/office/powerpoint/2010/main" val="124156185"/>
+        <p14:creationId xmlns:p14="http://schemas.microsoft.com/office/powerpoint/2010/main" val="150879506"/>
       </p:ext>
     </p:extLst>
   </p:cSld>
@@ -1526,65 +1555,58 @@
       </p:grpSpPr>
       <p:sp>
         <p:nvSpPr>
-          <p:cNvPr id="2" name="Заголовок 1">
-            <a:extLst>
-              <a:ext uri="{FF2B5EF4-FFF2-40B4-BE49-F238E27FC236}">
-                <a16:creationId xmlns:a16="http://schemas.microsoft.com/office/drawing/2014/main" id="{9D5099D2-AA90-4D9B-87A9-B13F394EFDE7}"/>
-              </a:ext>
-            </a:extLst>
-          </p:cNvPr>
+          <p:cNvPr id="10" name="Title 9"/>
           <p:cNvSpPr>
             <a:spLocks noGrp="1"/>
           </p:cNvSpPr>
           <p:nvPr>
             <p:ph type="title"/>
+          </p:nvPr>
+        </p:nvSpPr>
+        <p:spPr/>
+        <p:txBody>
+          <a:bodyPr/>
+          <a:lstStyle/>
+          <a:p>
+            <a:r>
+              <a:rPr lang="ru-RU"/>
+              <a:t>Образец заголовка</a:t>
+            </a:r>
+            <a:endParaRPr lang="en-US" dirty="0"/>
+          </a:p>
+        </p:txBody>
+      </p:sp>
+      <p:sp>
+        <p:nvSpPr>
+          <p:cNvPr id="3" name="Text Placeholder 2"/>
+          <p:cNvSpPr>
+            <a:spLocks noGrp="1"/>
+          </p:cNvSpPr>
+          <p:nvPr>
+            <p:ph type="body" idx="1"/>
           </p:nvPr>
         </p:nvSpPr>
         <p:spPr>
           <a:xfrm>
-            <a:off x="839788" y="365125"/>
-            <a:ext cx="10515600" cy="1325563"/>
+            <a:off x="1261872" y="1713655"/>
+            <a:ext cx="4480560" cy="731520"/>
           </a:xfrm>
         </p:spPr>
         <p:txBody>
-          <a:bodyPr/>
-          <a:lstStyle/>
-          <a:p>
-            <a:r>
-              <a:rPr lang="ru-RU"/>
-              <a:t>Образец заголовка</a:t>
-            </a:r>
-          </a:p>
-        </p:txBody>
-      </p:sp>
-      <p:sp>
-        <p:nvSpPr>
-          <p:cNvPr id="3" name="Текст 2">
-            <a:extLst>
-              <a:ext uri="{FF2B5EF4-FFF2-40B4-BE49-F238E27FC236}">
-                <a16:creationId xmlns:a16="http://schemas.microsoft.com/office/drawing/2014/main" id="{7C2C5E2B-5FF6-4785-BFC9-57CB3083050A}"/>
-              </a:ext>
-            </a:extLst>
-          </p:cNvPr>
-          <p:cNvSpPr>
-            <a:spLocks noGrp="1"/>
-          </p:cNvSpPr>
-          <p:nvPr>
-            <p:ph type="body" idx="1"/>
-          </p:nvPr>
-        </p:nvSpPr>
-        <p:spPr>
-          <a:xfrm>
-            <a:off x="839788" y="1681163"/>
-            <a:ext cx="5157787" cy="823912"/>
-          </a:xfrm>
-        </p:spPr>
-        <p:txBody>
-          <a:bodyPr anchor="b"/>
+          <a:bodyPr anchor="b">
+            <a:normAutofit/>
+          </a:bodyPr>
           <a:lstStyle>
             <a:lvl1pPr marL="0" indent="0">
-              <a:buNone/>
-              <a:defRPr sz="2400" b="1"/>
+              <a:spcBef>
+                <a:spcPts val="0"/>
+              </a:spcBef>
+              <a:buNone/>
+              <a:defRPr sz="2000" b="0">
+                <a:solidFill>
+                  <a:schemeClr val="tx2"/>
+                </a:solidFill>
+              </a:defRPr>
             </a:lvl1pPr>
             <a:lvl2pPr marL="457200" indent="0">
               <a:buNone/>
@@ -1630,13 +1652,7 @@
       </p:sp>
       <p:sp>
         <p:nvSpPr>
-          <p:cNvPr id="4" name="Объект 3">
-            <a:extLst>
-              <a:ext uri="{FF2B5EF4-FFF2-40B4-BE49-F238E27FC236}">
-                <a16:creationId xmlns:a16="http://schemas.microsoft.com/office/drawing/2014/main" id="{1CE457BE-B671-4238-B191-F0E6BE05C06F}"/>
-              </a:ext>
-            </a:extLst>
-          </p:cNvPr>
+          <p:cNvPr id="4" name="Content Placeholder 3"/>
           <p:cNvSpPr>
             <a:spLocks noGrp="1"/>
           </p:cNvSpPr>
@@ -1646,13 +1662,41 @@
         </p:nvSpPr>
         <p:spPr>
           <a:xfrm>
-            <a:off x="839788" y="2505075"/>
-            <a:ext cx="5157787" cy="3684588"/>
+            <a:off x="1261872" y="2507550"/>
+            <a:ext cx="4480560" cy="3664650"/>
           </a:xfrm>
         </p:spPr>
         <p:txBody>
           <a:bodyPr/>
-          <a:lstStyle/>
+          <a:lstStyle>
+            <a:lvl1pPr>
+              <a:defRPr sz="1800"/>
+            </a:lvl1pPr>
+            <a:lvl2pPr>
+              <a:defRPr sz="1600"/>
+            </a:lvl2pPr>
+            <a:lvl3pPr>
+              <a:defRPr sz="1400"/>
+            </a:lvl3pPr>
+            <a:lvl4pPr>
+              <a:defRPr sz="1400"/>
+            </a:lvl4pPr>
+            <a:lvl5pPr>
+              <a:defRPr sz="1400"/>
+            </a:lvl5pPr>
+            <a:lvl6pPr>
+              <a:defRPr sz="1400"/>
+            </a:lvl6pPr>
+            <a:lvl7pPr>
+              <a:defRPr sz="1400"/>
+            </a:lvl7pPr>
+            <a:lvl8pPr>
+              <a:defRPr sz="1400"/>
+            </a:lvl8pPr>
+            <a:lvl9pPr>
+              <a:defRPr sz="1400"/>
+            </a:lvl9pPr>
+          </a:lstStyle>
           <a:p>
             <a:pPr lvl="0"/>
             <a:r>
@@ -1687,18 +1731,13 @@
               <a:rPr lang="ru-RU"/>
               <a:t>Пятый уровень</a:t>
             </a:r>
-          </a:p>
-        </p:txBody>
-      </p:sp>
-      <p:sp>
-        <p:nvSpPr>
-          <p:cNvPr id="5" name="Текст 4">
-            <a:extLst>
-              <a:ext uri="{FF2B5EF4-FFF2-40B4-BE49-F238E27FC236}">
-                <a16:creationId xmlns:a16="http://schemas.microsoft.com/office/drawing/2014/main" id="{D18A7CC5-70C5-4CE3-9C62-033A118CC13B}"/>
-              </a:ext>
-            </a:extLst>
-          </p:cNvPr>
+            <a:endParaRPr lang="en-US" dirty="0"/>
+          </a:p>
+        </p:txBody>
+      </p:sp>
+      <p:sp>
+        <p:nvSpPr>
+          <p:cNvPr id="5" name="Text Placeholder 4"/>
           <p:cNvSpPr>
             <a:spLocks noGrp="1"/>
           </p:cNvSpPr>
@@ -1708,16 +1747,31 @@
         </p:nvSpPr>
         <p:spPr>
           <a:xfrm>
-            <a:off x="6172200" y="1681163"/>
-            <a:ext cx="5183188" cy="823912"/>
+            <a:off x="6126480" y="1713655"/>
+            <a:ext cx="4480560" cy="731520"/>
           </a:xfrm>
         </p:spPr>
         <p:txBody>
-          <a:bodyPr anchor="b"/>
+          <a:bodyPr anchor="b">
+            <a:normAutofit/>
+          </a:bodyPr>
           <a:lstStyle>
             <a:lvl1pPr marL="0" indent="0">
-              <a:buNone/>
-              <a:defRPr sz="2400" b="1"/>
+              <a:lnSpc>
+                <a:spcPct val="95000"/>
+              </a:lnSpc>
+              <a:spcBef>
+                <a:spcPts val="0"/>
+              </a:spcBef>
+              <a:buNone/>
+              <a:defRPr lang="en-US" sz="2000" b="0" kern="1200" dirty="0">
+                <a:solidFill>
+                  <a:schemeClr val="tx2"/>
+                </a:solidFill>
+                <a:latin typeface="+mn-lt"/>
+                <a:ea typeface="+mn-ea"/>
+                <a:cs typeface="+mn-cs"/>
+              </a:defRPr>
             </a:lvl1pPr>
             <a:lvl2pPr marL="457200" indent="0">
               <a:buNone/>
@@ -1753,7 +1807,16 @@
             </a:lvl9pPr>
           </a:lstStyle>
           <a:p>
-            <a:pPr lvl="0"/>
+            <a:pPr marL="0" lvl="0" indent="0" algn="l" defTabSz="914400" rtl="0" eaLnBrk="1" latinLnBrk="0" hangingPunct="1">
+              <a:lnSpc>
+                <a:spcPct val="90000"/>
+              </a:lnSpc>
+              <a:spcBef>
+                <a:spcPts val="2000"/>
+              </a:spcBef>
+              <a:buFontTx/>
+              <a:buNone/>
+            </a:pPr>
             <a:r>
               <a:rPr lang="ru-RU"/>
               <a:t>Образец текста</a:t>
@@ -1763,13 +1826,7 @@
       </p:sp>
       <p:sp>
         <p:nvSpPr>
-          <p:cNvPr id="6" name="Объект 5">
-            <a:extLst>
-              <a:ext uri="{FF2B5EF4-FFF2-40B4-BE49-F238E27FC236}">
-                <a16:creationId xmlns:a16="http://schemas.microsoft.com/office/drawing/2014/main" id="{A30D72B4-DAE5-43C8-A2AF-7FBF2C2DF184}"/>
-              </a:ext>
-            </a:extLst>
-          </p:cNvPr>
+          <p:cNvPr id="6" name="Content Placeholder 5"/>
           <p:cNvSpPr>
             <a:spLocks noGrp="1"/>
           </p:cNvSpPr>
@@ -1779,13 +1836,41 @@
         </p:nvSpPr>
         <p:spPr>
           <a:xfrm>
-            <a:off x="6172200" y="2505075"/>
-            <a:ext cx="5183188" cy="3684588"/>
+            <a:off x="6126480" y="2507550"/>
+            <a:ext cx="4480560" cy="3664650"/>
           </a:xfrm>
         </p:spPr>
         <p:txBody>
           <a:bodyPr/>
-          <a:lstStyle/>
+          <a:lstStyle>
+            <a:lvl1pPr>
+              <a:defRPr sz="1800"/>
+            </a:lvl1pPr>
+            <a:lvl2pPr>
+              <a:defRPr sz="1600"/>
+            </a:lvl2pPr>
+            <a:lvl3pPr>
+              <a:defRPr sz="1400"/>
+            </a:lvl3pPr>
+            <a:lvl4pPr>
+              <a:defRPr sz="1400"/>
+            </a:lvl4pPr>
+            <a:lvl5pPr>
+              <a:defRPr sz="1400"/>
+            </a:lvl5pPr>
+            <a:lvl6pPr>
+              <a:defRPr sz="1400"/>
+            </a:lvl6pPr>
+            <a:lvl7pPr>
+              <a:defRPr sz="1400"/>
+            </a:lvl7pPr>
+            <a:lvl8pPr>
+              <a:defRPr sz="1400"/>
+            </a:lvl8pPr>
+            <a:lvl9pPr>
+              <a:defRPr sz="1400"/>
+            </a:lvl9pPr>
+          </a:lstStyle>
           <a:p>
             <a:pPr lvl="0"/>
             <a:r>
@@ -1820,18 +1905,13 @@
               <a:rPr lang="ru-RU"/>
               <a:t>Пятый уровень</a:t>
             </a:r>
-          </a:p>
-        </p:txBody>
-      </p:sp>
-      <p:sp>
-        <p:nvSpPr>
-          <p:cNvPr id="7" name="Дата 6">
-            <a:extLst>
-              <a:ext uri="{FF2B5EF4-FFF2-40B4-BE49-F238E27FC236}">
-                <a16:creationId xmlns:a16="http://schemas.microsoft.com/office/drawing/2014/main" id="{313412AC-720B-45E2-98F8-635C8D99E599}"/>
-              </a:ext>
-            </a:extLst>
-          </p:cNvPr>
+            <a:endParaRPr lang="en-US" dirty="0"/>
+          </a:p>
+        </p:txBody>
+      </p:sp>
+      <p:sp>
+        <p:nvSpPr>
+          <p:cNvPr id="7" name="Date Placeholder 6"/>
           <p:cNvSpPr>
             <a:spLocks noGrp="1"/>
           </p:cNvSpPr>
@@ -1846,7 +1926,7 @@
           <a:p>
             <a:fld id="{6D7BF124-89DF-4EBC-BCA2-D0D0B8B9CCE7}" type="datetimeFigureOut">
               <a:rPr lang="ru-RU" smtClean="0"/>
-              <a:t>11.11.2021</a:t>
+              <a:t>17.11.2021</a:t>
             </a:fld>
             <a:endParaRPr lang="ru-RU"/>
           </a:p>
@@ -1854,13 +1934,7 @@
       </p:sp>
       <p:sp>
         <p:nvSpPr>
-          <p:cNvPr id="8" name="Нижний колонтитул 7">
-            <a:extLst>
-              <a:ext uri="{FF2B5EF4-FFF2-40B4-BE49-F238E27FC236}">
-                <a16:creationId xmlns:a16="http://schemas.microsoft.com/office/drawing/2014/main" id="{A937AE58-D6FA-421C-B42B-883F94F82E82}"/>
-              </a:ext>
-            </a:extLst>
-          </p:cNvPr>
+          <p:cNvPr id="8" name="Footer Placeholder 7"/>
           <p:cNvSpPr>
             <a:spLocks noGrp="1"/>
           </p:cNvSpPr>
@@ -1879,13 +1953,7 @@
       </p:sp>
       <p:sp>
         <p:nvSpPr>
-          <p:cNvPr id="9" name="Номер слайда 8">
-            <a:extLst>
-              <a:ext uri="{FF2B5EF4-FFF2-40B4-BE49-F238E27FC236}">
-                <a16:creationId xmlns:a16="http://schemas.microsoft.com/office/drawing/2014/main" id="{21C53A57-439A-4F56-9DB5-89F614F23318}"/>
-              </a:ext>
-            </a:extLst>
-          </p:cNvPr>
+          <p:cNvPr id="9" name="Slide Number Placeholder 8"/>
           <p:cNvSpPr>
             <a:spLocks noGrp="1"/>
           </p:cNvSpPr>
@@ -1909,7 +1977,7 @@
     </p:spTree>
     <p:extLst>
       <p:ext uri="{BB962C8B-B14F-4D97-AF65-F5344CB8AC3E}">
-        <p14:creationId xmlns:p14="http://schemas.microsoft.com/office/powerpoint/2010/main" val="3537697740"/>
+        <p14:creationId xmlns:p14="http://schemas.microsoft.com/office/powerpoint/2010/main" val="302559824"/>
       </p:ext>
     </p:extLst>
   </p:cSld>
@@ -1938,13 +2006,7 @@
       </p:grpSpPr>
       <p:sp>
         <p:nvSpPr>
-          <p:cNvPr id="2" name="Заголовок 1">
-            <a:extLst>
-              <a:ext uri="{FF2B5EF4-FFF2-40B4-BE49-F238E27FC236}">
-                <a16:creationId xmlns:a16="http://schemas.microsoft.com/office/drawing/2014/main" id="{89A2F08C-B936-46BE-8E33-CAD53536BE74}"/>
-              </a:ext>
-            </a:extLst>
-          </p:cNvPr>
+          <p:cNvPr id="6" name="Title 5"/>
           <p:cNvSpPr>
             <a:spLocks noGrp="1"/>
           </p:cNvSpPr>
@@ -1961,18 +2023,13 @@
               <a:rPr lang="ru-RU"/>
               <a:t>Образец заголовка</a:t>
             </a:r>
-          </a:p>
-        </p:txBody>
-      </p:sp>
-      <p:sp>
-        <p:nvSpPr>
-          <p:cNvPr id="3" name="Дата 2">
-            <a:extLst>
-              <a:ext uri="{FF2B5EF4-FFF2-40B4-BE49-F238E27FC236}">
-                <a16:creationId xmlns:a16="http://schemas.microsoft.com/office/drawing/2014/main" id="{B36D0A7A-A009-4E2C-8764-8A53C1D5A90B}"/>
-              </a:ext>
-            </a:extLst>
-          </p:cNvPr>
+            <a:endParaRPr lang="en-US" dirty="0"/>
+          </a:p>
+        </p:txBody>
+      </p:sp>
+      <p:sp>
+        <p:nvSpPr>
+          <p:cNvPr id="3" name="Date Placeholder 2"/>
           <p:cNvSpPr>
             <a:spLocks noGrp="1"/>
           </p:cNvSpPr>
@@ -1987,7 +2044,7 @@
           <a:p>
             <a:fld id="{6D7BF124-89DF-4EBC-BCA2-D0D0B8B9CCE7}" type="datetimeFigureOut">
               <a:rPr lang="ru-RU" smtClean="0"/>
-              <a:t>11.11.2021</a:t>
+              <a:t>17.11.2021</a:t>
             </a:fld>
             <a:endParaRPr lang="ru-RU"/>
           </a:p>
@@ -1995,13 +2052,7 @@
       </p:sp>
       <p:sp>
         <p:nvSpPr>
-          <p:cNvPr id="4" name="Нижний колонтитул 3">
-            <a:extLst>
-              <a:ext uri="{FF2B5EF4-FFF2-40B4-BE49-F238E27FC236}">
-                <a16:creationId xmlns:a16="http://schemas.microsoft.com/office/drawing/2014/main" id="{0FFCFAE5-B859-4BBB-82D7-3B551069C163}"/>
-              </a:ext>
-            </a:extLst>
-          </p:cNvPr>
+          <p:cNvPr id="4" name="Footer Placeholder 3"/>
           <p:cNvSpPr>
             <a:spLocks noGrp="1"/>
           </p:cNvSpPr>
@@ -2020,13 +2071,7 @@
       </p:sp>
       <p:sp>
         <p:nvSpPr>
-          <p:cNvPr id="5" name="Номер слайда 4">
-            <a:extLst>
-              <a:ext uri="{FF2B5EF4-FFF2-40B4-BE49-F238E27FC236}">
-                <a16:creationId xmlns:a16="http://schemas.microsoft.com/office/drawing/2014/main" id="{0DF34621-3DD8-4577-850F-0BEE7C95EAD2}"/>
-              </a:ext>
-            </a:extLst>
-          </p:cNvPr>
+          <p:cNvPr id="5" name="Slide Number Placeholder 4"/>
           <p:cNvSpPr>
             <a:spLocks noGrp="1"/>
           </p:cNvSpPr>
@@ -2050,7 +2095,7 @@
     </p:spTree>
     <p:extLst>
       <p:ext uri="{BB962C8B-B14F-4D97-AF65-F5344CB8AC3E}">
-        <p14:creationId xmlns:p14="http://schemas.microsoft.com/office/powerpoint/2010/main" val="3169068307"/>
+        <p14:creationId xmlns:p14="http://schemas.microsoft.com/office/powerpoint/2010/main" val="2410895990"/>
       </p:ext>
     </p:extLst>
   </p:cSld>
@@ -2079,13 +2124,7 @@
       </p:grpSpPr>
       <p:sp>
         <p:nvSpPr>
-          <p:cNvPr id="2" name="Дата 1">
-            <a:extLst>
-              <a:ext uri="{FF2B5EF4-FFF2-40B4-BE49-F238E27FC236}">
-                <a16:creationId xmlns:a16="http://schemas.microsoft.com/office/drawing/2014/main" id="{7986FEEE-9325-415B-B6DC-60759F082C92}"/>
-              </a:ext>
-            </a:extLst>
-          </p:cNvPr>
+          <p:cNvPr id="2" name="Date Placeholder 1"/>
           <p:cNvSpPr>
             <a:spLocks noGrp="1"/>
           </p:cNvSpPr>
@@ -2100,7 +2139,7 @@
           <a:p>
             <a:fld id="{6D7BF124-89DF-4EBC-BCA2-D0D0B8B9CCE7}" type="datetimeFigureOut">
               <a:rPr lang="ru-RU" smtClean="0"/>
-              <a:t>11.11.2021</a:t>
+              <a:t>17.11.2021</a:t>
             </a:fld>
             <a:endParaRPr lang="ru-RU"/>
           </a:p>
@@ -2108,13 +2147,7 @@
       </p:sp>
       <p:sp>
         <p:nvSpPr>
-          <p:cNvPr id="3" name="Нижний колонтитул 2">
-            <a:extLst>
-              <a:ext uri="{FF2B5EF4-FFF2-40B4-BE49-F238E27FC236}">
-                <a16:creationId xmlns:a16="http://schemas.microsoft.com/office/drawing/2014/main" id="{62E2A17E-8DDB-405B-B1C3-1304F0DC63D0}"/>
-              </a:ext>
-            </a:extLst>
-          </p:cNvPr>
+          <p:cNvPr id="3" name="Footer Placeholder 2"/>
           <p:cNvSpPr>
             <a:spLocks noGrp="1"/>
           </p:cNvSpPr>
@@ -2133,13 +2166,7 @@
       </p:sp>
       <p:sp>
         <p:nvSpPr>
-          <p:cNvPr id="4" name="Номер слайда 3">
-            <a:extLst>
-              <a:ext uri="{FF2B5EF4-FFF2-40B4-BE49-F238E27FC236}">
-                <a16:creationId xmlns:a16="http://schemas.microsoft.com/office/drawing/2014/main" id="{37CDCF0F-24E5-4C6A-8871-2772DD7F27EA}"/>
-              </a:ext>
-            </a:extLst>
-          </p:cNvPr>
+          <p:cNvPr id="4" name="Slide Number Placeholder 3"/>
           <p:cNvSpPr>
             <a:spLocks noGrp="1"/>
           </p:cNvSpPr>
@@ -2163,7 +2190,7 @@
     </p:spTree>
     <p:extLst>
       <p:ext uri="{BB962C8B-B14F-4D97-AF65-F5344CB8AC3E}">
-        <p14:creationId xmlns:p14="http://schemas.microsoft.com/office/powerpoint/2010/main" val="4089405230"/>
+        <p14:creationId xmlns:p14="http://schemas.microsoft.com/office/powerpoint/2010/main" val="3694223417"/>
       </p:ext>
     </p:extLst>
   </p:cSld>
@@ -2192,13 +2219,7 @@
       </p:grpSpPr>
       <p:sp>
         <p:nvSpPr>
-          <p:cNvPr id="2" name="Заголовок 1">
-            <a:extLst>
-              <a:ext uri="{FF2B5EF4-FFF2-40B4-BE49-F238E27FC236}">
-                <a16:creationId xmlns:a16="http://schemas.microsoft.com/office/drawing/2014/main" id="{A1A761DF-5FF8-4FFA-B46B-695AA2AA8F8D}"/>
-              </a:ext>
-            </a:extLst>
-          </p:cNvPr>
+          <p:cNvPr id="2" name="Title 1"/>
           <p:cNvSpPr>
             <a:spLocks noGrp="1"/>
           </p:cNvSpPr>
@@ -2208,15 +2229,17 @@
         </p:nvSpPr>
         <p:spPr>
           <a:xfrm>
-            <a:off x="839788" y="457200"/>
-            <a:ext cx="3932237" cy="1600200"/>
+            <a:off x="841248" y="457200"/>
+            <a:ext cx="3200400" cy="1600197"/>
           </a:xfrm>
         </p:spPr>
         <p:txBody>
-          <a:bodyPr anchor="b"/>
+          <a:bodyPr anchor="b">
+            <a:normAutofit/>
+          </a:bodyPr>
           <a:lstStyle>
             <a:lvl1pPr>
-              <a:defRPr sz="3200"/>
+              <a:defRPr sz="3200" b="0" baseline="0"/>
             </a:lvl1pPr>
           </a:lstStyle>
           <a:p>
@@ -2224,18 +2247,13 @@
               <a:rPr lang="ru-RU"/>
               <a:t>Образец заголовка</a:t>
             </a:r>
-          </a:p>
-        </p:txBody>
-      </p:sp>
-      <p:sp>
-        <p:nvSpPr>
-          <p:cNvPr id="3" name="Объект 2">
-            <a:extLst>
-              <a:ext uri="{FF2B5EF4-FFF2-40B4-BE49-F238E27FC236}">
-                <a16:creationId xmlns:a16="http://schemas.microsoft.com/office/drawing/2014/main" id="{185BF3DA-D845-4F00-ADD3-876FCC25B23C}"/>
-              </a:ext>
-            </a:extLst>
-          </p:cNvPr>
+            <a:endParaRPr lang="en-US" dirty="0"/>
+          </a:p>
+        </p:txBody>
+      </p:sp>
+      <p:sp>
+        <p:nvSpPr>
+          <p:cNvPr id="3" name="Content Placeholder 2"/>
           <p:cNvSpPr>
             <a:spLocks noGrp="1"/>
           </p:cNvSpPr>
@@ -2245,39 +2263,39 @@
         </p:nvSpPr>
         <p:spPr>
           <a:xfrm>
-            <a:off x="5183188" y="987425"/>
-            <a:ext cx="6172200" cy="4873625"/>
+            <a:off x="4504267" y="685800"/>
+            <a:ext cx="6079066" cy="5486400"/>
           </a:xfrm>
         </p:spPr>
         <p:txBody>
           <a:bodyPr/>
           <a:lstStyle>
             <a:lvl1pPr>
-              <a:defRPr sz="3200"/>
+              <a:defRPr sz="2000"/>
             </a:lvl1pPr>
             <a:lvl2pPr>
-              <a:defRPr sz="2800"/>
+              <a:defRPr sz="1800"/>
             </a:lvl2pPr>
             <a:lvl3pPr>
-              <a:defRPr sz="2400"/>
+              <a:defRPr sz="1600"/>
             </a:lvl3pPr>
             <a:lvl4pPr>
-              <a:defRPr sz="2000"/>
+              <a:defRPr sz="1400"/>
             </a:lvl4pPr>
             <a:lvl5pPr>
-              <a:defRPr sz="2000"/>
+              <a:defRPr sz="1400"/>
             </a:lvl5pPr>
             <a:lvl6pPr>
-              <a:defRPr sz="2000"/>
+              <a:defRPr sz="1400"/>
             </a:lvl6pPr>
             <a:lvl7pPr>
-              <a:defRPr sz="2000"/>
+              <a:defRPr sz="1400"/>
             </a:lvl7pPr>
             <a:lvl8pPr>
-              <a:defRPr sz="2000"/>
+              <a:defRPr sz="1400"/>
             </a:lvl8pPr>
             <a:lvl9pPr>
-              <a:defRPr sz="2000"/>
+              <a:defRPr sz="1400"/>
             </a:lvl9pPr>
           </a:lstStyle>
           <a:p>
@@ -2314,18 +2332,13 @@
               <a:rPr lang="ru-RU"/>
               <a:t>Пятый уровень</a:t>
             </a:r>
-          </a:p>
-        </p:txBody>
-      </p:sp>
-      <p:sp>
-        <p:nvSpPr>
-          <p:cNvPr id="4" name="Текст 3">
-            <a:extLst>
-              <a:ext uri="{FF2B5EF4-FFF2-40B4-BE49-F238E27FC236}">
-                <a16:creationId xmlns:a16="http://schemas.microsoft.com/office/drawing/2014/main" id="{DD0EADAC-4D6D-40DB-B239-38936547E732}"/>
-              </a:ext>
-            </a:extLst>
-          </p:cNvPr>
+            <a:endParaRPr lang="en-US" dirty="0"/>
+          </a:p>
+        </p:txBody>
+      </p:sp>
+      <p:sp>
+        <p:nvSpPr>
+          <p:cNvPr id="4" name="Text Placeholder 3"/>
           <p:cNvSpPr>
             <a:spLocks noGrp="1"/>
           </p:cNvSpPr>
@@ -2335,48 +2348,56 @@
         </p:nvSpPr>
         <p:spPr>
           <a:xfrm>
-            <a:off x="839788" y="2057400"/>
-            <a:ext cx="3932237" cy="3811588"/>
+            <a:off x="841248" y="2099734"/>
+            <a:ext cx="3200400" cy="3810001"/>
           </a:xfrm>
         </p:spPr>
         <p:txBody>
-          <a:bodyPr/>
+          <a:bodyPr>
+            <a:normAutofit/>
+          </a:bodyPr>
           <a:lstStyle>
             <a:lvl1pPr marL="0" indent="0">
-              <a:buNone/>
-              <a:defRPr sz="1600"/>
+              <a:lnSpc>
+                <a:spcPct val="114000"/>
+              </a:lnSpc>
+              <a:spcBef>
+                <a:spcPts val="800"/>
+              </a:spcBef>
+              <a:buNone/>
+              <a:defRPr sz="1300"/>
             </a:lvl1pPr>
             <a:lvl2pPr marL="457200" indent="0">
               <a:buNone/>
-              <a:defRPr sz="1400"/>
+              <a:defRPr sz="1200"/>
             </a:lvl2pPr>
             <a:lvl3pPr marL="914400" indent="0">
               <a:buNone/>
-              <a:defRPr sz="1200"/>
+              <a:defRPr sz="1000"/>
             </a:lvl3pPr>
             <a:lvl4pPr marL="1371600" indent="0">
               <a:buNone/>
-              <a:defRPr sz="1000"/>
+              <a:defRPr sz="900"/>
             </a:lvl4pPr>
             <a:lvl5pPr marL="1828800" indent="0">
               <a:buNone/>
-              <a:defRPr sz="1000"/>
+              <a:defRPr sz="900"/>
             </a:lvl5pPr>
             <a:lvl6pPr marL="2286000" indent="0">
               <a:buNone/>
-              <a:defRPr sz="1000"/>
+              <a:defRPr sz="900"/>
             </a:lvl6pPr>
             <a:lvl7pPr marL="2743200" indent="0">
               <a:buNone/>
-              <a:defRPr sz="1000"/>
+              <a:defRPr sz="900"/>
             </a:lvl7pPr>
             <a:lvl8pPr marL="3200400" indent="0">
               <a:buNone/>
-              <a:defRPr sz="1000"/>
+              <a:defRPr sz="900"/>
             </a:lvl8pPr>
             <a:lvl9pPr marL="3657600" indent="0">
               <a:buNone/>
-              <a:defRPr sz="1000"/>
+              <a:defRPr sz="900"/>
             </a:lvl9pPr>
           </a:lstStyle>
           <a:p>
@@ -2390,13 +2411,7 @@
       </p:sp>
       <p:sp>
         <p:nvSpPr>
-          <p:cNvPr id="5" name="Дата 4">
-            <a:extLst>
-              <a:ext uri="{FF2B5EF4-FFF2-40B4-BE49-F238E27FC236}">
-                <a16:creationId xmlns:a16="http://schemas.microsoft.com/office/drawing/2014/main" id="{D16448A5-0C05-41BD-B6C6-ED053E84056F}"/>
-              </a:ext>
-            </a:extLst>
-          </p:cNvPr>
+          <p:cNvPr id="5" name="Date Placeholder 4"/>
           <p:cNvSpPr>
             <a:spLocks noGrp="1"/>
           </p:cNvSpPr>
@@ -2411,7 +2426,7 @@
           <a:p>
             <a:fld id="{6D7BF124-89DF-4EBC-BCA2-D0D0B8B9CCE7}" type="datetimeFigureOut">
               <a:rPr lang="ru-RU" smtClean="0"/>
-              <a:t>11.11.2021</a:t>
+              <a:t>17.11.2021</a:t>
             </a:fld>
             <a:endParaRPr lang="ru-RU"/>
           </a:p>
@@ -2419,13 +2434,7 @@
       </p:sp>
       <p:sp>
         <p:nvSpPr>
-          <p:cNvPr id="6" name="Нижний колонтитул 5">
-            <a:extLst>
-              <a:ext uri="{FF2B5EF4-FFF2-40B4-BE49-F238E27FC236}">
-                <a16:creationId xmlns:a16="http://schemas.microsoft.com/office/drawing/2014/main" id="{4F66F43E-BD96-46EE-BC72-0657ED26B9A9}"/>
-              </a:ext>
-            </a:extLst>
-          </p:cNvPr>
+          <p:cNvPr id="6" name="Footer Placeholder 5"/>
           <p:cNvSpPr>
             <a:spLocks noGrp="1"/>
           </p:cNvSpPr>
@@ -2444,13 +2453,7 @@
       </p:sp>
       <p:sp>
         <p:nvSpPr>
-          <p:cNvPr id="7" name="Номер слайда 6">
-            <a:extLst>
-              <a:ext uri="{FF2B5EF4-FFF2-40B4-BE49-F238E27FC236}">
-                <a16:creationId xmlns:a16="http://schemas.microsoft.com/office/drawing/2014/main" id="{26597AD9-4125-4E94-ADE0-0681E97AC8AB}"/>
-              </a:ext>
-            </a:extLst>
-          </p:cNvPr>
+          <p:cNvPr id="7" name="Slide Number Placeholder 6"/>
           <p:cNvSpPr>
             <a:spLocks noGrp="1"/>
           </p:cNvSpPr>
@@ -2474,7 +2477,7 @@
     </p:spTree>
     <p:extLst>
       <p:ext uri="{BB962C8B-B14F-4D97-AF65-F5344CB8AC3E}">
-        <p14:creationId xmlns:p14="http://schemas.microsoft.com/office/powerpoint/2010/main" val="1062994691"/>
+        <p14:creationId xmlns:p14="http://schemas.microsoft.com/office/powerpoint/2010/main" val="2168004206"/>
       </p:ext>
     </p:extLst>
   </p:cSld>
@@ -2503,31 +2506,69 @@
       </p:grpSpPr>
       <p:sp>
         <p:nvSpPr>
-          <p:cNvPr id="2" name="Заголовок 1">
-            <a:extLst>
-              <a:ext uri="{FF2B5EF4-FFF2-40B4-BE49-F238E27FC236}">
-                <a16:creationId xmlns:a16="http://schemas.microsoft.com/office/drawing/2014/main" id="{7E973C22-79D7-42CC-B156-B19C2533DED0}"/>
-              </a:ext>
-            </a:extLst>
-          </p:cNvPr>
-          <p:cNvSpPr>
-            <a:spLocks noGrp="1"/>
-          </p:cNvSpPr>
-          <p:nvPr>
-            <p:ph type="title"/>
-          </p:nvPr>
+          <p:cNvPr id="8" name="Rectangle 7"/>
+          <p:cNvSpPr/>
+          <p:nvPr/>
         </p:nvSpPr>
         <p:spPr>
           <a:xfrm>
-            <a:off x="839788" y="457200"/>
-            <a:ext cx="3932237" cy="1600200"/>
+            <a:off x="0" y="5105400"/>
+            <a:ext cx="11292840" cy="1752600"/>
+          </a:xfrm>
+          <a:prstGeom prst="rect">
+            <a:avLst/>
+          </a:prstGeom>
+          <a:solidFill>
+            <a:srgbClr val="000000"/>
+          </a:solidFill>
+          <a:ln>
+            <a:noFill/>
+          </a:ln>
+        </p:spPr>
+        <p:style>
+          <a:lnRef idx="2">
+            <a:schemeClr val="accent1">
+              <a:shade val="50000"/>
+            </a:schemeClr>
+          </a:lnRef>
+          <a:fillRef idx="1">
+            <a:schemeClr val="accent1"/>
+          </a:fillRef>
+          <a:effectRef idx="0">
+            <a:schemeClr val="accent1"/>
+          </a:effectRef>
+          <a:fontRef idx="minor">
+            <a:schemeClr val="lt1"/>
+          </a:fontRef>
+        </p:style>
+      </p:sp>
+      <p:sp>
+        <p:nvSpPr>
+          <p:cNvPr id="2" name="Title 1"/>
+          <p:cNvSpPr>
+            <a:spLocks noGrp="1"/>
+          </p:cNvSpPr>
+          <p:nvPr>
+            <p:ph type="title"/>
+          </p:nvPr>
+        </p:nvSpPr>
+        <p:spPr>
+          <a:xfrm>
+            <a:off x="914400" y="5257800"/>
+            <a:ext cx="9982200" cy="914400"/>
           </a:xfrm>
         </p:spPr>
         <p:txBody>
-          <a:bodyPr anchor="b"/>
+          <a:bodyPr anchor="b">
+            <a:normAutofit/>
+          </a:bodyPr>
           <a:lstStyle>
             <a:lvl1pPr>
-              <a:defRPr sz="3200"/>
+              <a:defRPr sz="2800" b="0">
+                <a:solidFill>
+                  <a:schemeClr val="bg1"/>
+                </a:solidFill>
+              </a:defRPr>
             </a:lvl1pPr>
           </a:lstStyle>
           <a:p>
@@ -2535,20 +2576,15 @@
               <a:rPr lang="ru-RU"/>
               <a:t>Образец заголовка</a:t>
             </a:r>
-          </a:p>
-        </p:txBody>
-      </p:sp>
-      <p:sp>
-        <p:nvSpPr>
-          <p:cNvPr id="3" name="Рисунок 2">
-            <a:extLst>
-              <a:ext uri="{FF2B5EF4-FFF2-40B4-BE49-F238E27FC236}">
-                <a16:creationId xmlns:a16="http://schemas.microsoft.com/office/drawing/2014/main" id="{9902010C-FE45-44A3-825C-6F44E10FF3A7}"/>
-              </a:ext>
-            </a:extLst>
-          </p:cNvPr>
-          <p:cNvSpPr>
-            <a:spLocks noGrp="1"/>
+            <a:endParaRPr lang="en-US" dirty="0"/>
+          </a:p>
+        </p:txBody>
+      </p:sp>
+      <p:sp>
+        <p:nvSpPr>
+          <p:cNvPr id="3" name="Picture Placeholder 2"/>
+          <p:cNvSpPr>
+            <a:spLocks noGrp="1" noChangeAspect="1"/>
           </p:cNvSpPr>
           <p:nvPr>
             <p:ph type="pic" idx="1"/>
@@ -2556,16 +2592,23 @@
         </p:nvSpPr>
         <p:spPr>
           <a:xfrm>
-            <a:off x="5183188" y="987425"/>
-            <a:ext cx="6172200" cy="4873625"/>
+            <a:off x="0" y="0"/>
+            <a:ext cx="11292840" cy="5128923"/>
           </a:xfrm>
+          <a:solidFill>
+            <a:schemeClr val="accent1"/>
+          </a:solidFill>
         </p:spPr>
         <p:txBody>
-          <a:bodyPr/>
+          <a:bodyPr anchor="t"/>
           <a:lstStyle>
             <a:lvl1pPr marL="0" indent="0">
               <a:buNone/>
-              <a:defRPr sz="3200"/>
+              <a:defRPr sz="3200">
+                <a:solidFill>
+                  <a:schemeClr val="bg1"/>
+                </a:solidFill>
+              </a:defRPr>
             </a:lvl1pPr>
             <a:lvl2pPr marL="457200" indent="0">
               <a:buNone/>
@@ -2601,19 +2644,17 @@
             </a:lvl9pPr>
           </a:lstStyle>
           <a:p>
-            <a:endParaRPr lang="ru-RU"/>
-          </a:p>
-        </p:txBody>
-      </p:sp>
-      <p:sp>
-        <p:nvSpPr>
-          <p:cNvPr id="4" name="Текст 3">
-            <a:extLst>
-              <a:ext uri="{FF2B5EF4-FFF2-40B4-BE49-F238E27FC236}">
-                <a16:creationId xmlns:a16="http://schemas.microsoft.com/office/drawing/2014/main" id="{5F246F23-9152-49F4-8071-3E7025F34D3E}"/>
-              </a:ext>
-            </a:extLst>
-          </p:cNvPr>
+            <a:r>
+              <a:rPr lang="ru-RU"/>
+              <a:t>Вставка рисунка</a:t>
+            </a:r>
+            <a:endParaRPr lang="en-US" dirty="0"/>
+          </a:p>
+        </p:txBody>
+      </p:sp>
+      <p:sp>
+        <p:nvSpPr>
+          <p:cNvPr id="4" name="Text Placeholder 3"/>
           <p:cNvSpPr>
             <a:spLocks noGrp="1"/>
           </p:cNvSpPr>
@@ -2623,48 +2664,62 @@
         </p:nvSpPr>
         <p:spPr>
           <a:xfrm>
-            <a:off x="839788" y="2057400"/>
-            <a:ext cx="3932237" cy="3811588"/>
+            <a:off x="914400" y="6108589"/>
+            <a:ext cx="9982200" cy="597011"/>
           </a:xfrm>
         </p:spPr>
         <p:txBody>
-          <a:bodyPr/>
+          <a:bodyPr>
+            <a:normAutofit/>
+          </a:bodyPr>
           <a:lstStyle>
             <a:lvl1pPr marL="0" indent="0">
-              <a:buNone/>
-              <a:defRPr sz="1600"/>
+              <a:lnSpc>
+                <a:spcPct val="100000"/>
+              </a:lnSpc>
+              <a:spcBef>
+                <a:spcPts val="800"/>
+              </a:spcBef>
+              <a:buNone/>
+              <a:defRPr sz="1300">
+                <a:solidFill>
+                  <a:schemeClr val="bg1">
+                    <a:lumMod val="85000"/>
+                  </a:schemeClr>
+                </a:solidFill>
+              </a:defRPr>
             </a:lvl1pPr>
             <a:lvl2pPr marL="457200" indent="0">
               <a:buNone/>
-              <a:defRPr sz="1400"/>
+              <a:defRPr sz="1200"/>
             </a:lvl2pPr>
             <a:lvl3pPr marL="914400" indent="0">
               <a:buNone/>
-              <a:defRPr sz="1200"/>
+              <a:defRPr sz="1000"/>
             </a:lvl3pPr>
             <a:lvl4pPr marL="1371600" indent="0">
               <a:buNone/>
-              <a:defRPr sz="1000"/>
+              <a:defRPr sz="900"/>
             </a:lvl4pPr>
             <a:lvl5pPr marL="1828800" indent="0">
               <a:buNone/>
-              <a:defRPr sz="1000"/>
+              <a:defRPr sz="900"/>
             </a:lvl5pPr>
             <a:lvl6pPr marL="2286000" indent="0">
               <a:buNone/>
-              <a:defRPr sz="1000"/>
+              <a:defRPr sz="900"/>
             </a:lvl6pPr>
             <a:lvl7pPr marL="2743200" indent="0">
               <a:buNone/>
-              <a:defRPr sz="1000"/>
+              <a:defRPr sz="900"/>
             </a:lvl7pPr>
             <a:lvl8pPr marL="3200400" indent="0">
               <a:buNone/>
-              <a:defRPr sz="1000"/>
+              <a:defRPr sz="900"/>
             </a:lvl8pPr>
             <a:lvl9pPr marL="3657600" indent="0">
               <a:buNone/>
-              <a:defRPr sz="1000"/>
+              <a:defRPr sz="900"/>
             </a:lvl9pPr>
           </a:lstStyle>
           <a:p>
@@ -2678,13 +2733,7 @@
       </p:sp>
       <p:sp>
         <p:nvSpPr>
-          <p:cNvPr id="5" name="Дата 4">
-            <a:extLst>
-              <a:ext uri="{FF2B5EF4-FFF2-40B4-BE49-F238E27FC236}">
-                <a16:creationId xmlns:a16="http://schemas.microsoft.com/office/drawing/2014/main" id="{C9A8C851-9058-459E-9626-A6CD4F817F0A}"/>
-              </a:ext>
-            </a:extLst>
-          </p:cNvPr>
+          <p:cNvPr id="5" name="Date Placeholder 4"/>
           <p:cNvSpPr>
             <a:spLocks noGrp="1"/>
           </p:cNvSpPr>
@@ -2699,7 +2748,7 @@
           <a:p>
             <a:fld id="{6D7BF124-89DF-4EBC-BCA2-D0D0B8B9CCE7}" type="datetimeFigureOut">
               <a:rPr lang="ru-RU" smtClean="0"/>
-              <a:t>11.11.2021</a:t>
+              <a:t>17.11.2021</a:t>
             </a:fld>
             <a:endParaRPr lang="ru-RU"/>
           </a:p>
@@ -2707,13 +2756,7 @@
       </p:sp>
       <p:sp>
         <p:nvSpPr>
-          <p:cNvPr id="6" name="Нижний колонтитул 5">
-            <a:extLst>
-              <a:ext uri="{FF2B5EF4-FFF2-40B4-BE49-F238E27FC236}">
-                <a16:creationId xmlns:a16="http://schemas.microsoft.com/office/drawing/2014/main" id="{46C178C5-F991-45A1-97EF-AB44B7223F5E}"/>
-              </a:ext>
-            </a:extLst>
-          </p:cNvPr>
+          <p:cNvPr id="6" name="Footer Placeholder 5"/>
           <p:cNvSpPr>
             <a:spLocks noGrp="1"/>
           </p:cNvSpPr>
@@ -2732,13 +2775,7 @@
       </p:sp>
       <p:sp>
         <p:nvSpPr>
-          <p:cNvPr id="7" name="Номер слайда 6">
-            <a:extLst>
-              <a:ext uri="{FF2B5EF4-FFF2-40B4-BE49-F238E27FC236}">
-                <a16:creationId xmlns:a16="http://schemas.microsoft.com/office/drawing/2014/main" id="{F8ECA147-2066-4351-BBC5-C8EBD5776000}"/>
-              </a:ext>
-            </a:extLst>
-          </p:cNvPr>
+          <p:cNvPr id="7" name="Slide Number Placeholder 6"/>
           <p:cNvSpPr>
             <a:spLocks noGrp="1"/>
           </p:cNvSpPr>
@@ -2762,7 +2799,7 @@
     </p:spTree>
     <p:extLst>
       <p:ext uri="{BB962C8B-B14F-4D97-AF65-F5344CB8AC3E}">
-        <p14:creationId xmlns:p14="http://schemas.microsoft.com/office/powerpoint/2010/main" val="34745799"/>
+        <p14:creationId xmlns:p14="http://schemas.microsoft.com/office/powerpoint/2010/main" val="1839648098"/>
       </p:ext>
     </p:extLst>
   </p:cSld>
@@ -2796,31 +2833,65 @@
       </p:grpSpPr>
       <p:sp>
         <p:nvSpPr>
-          <p:cNvPr id="2" name="Заголовок 1">
-            <a:extLst>
-              <a:ext uri="{FF2B5EF4-FFF2-40B4-BE49-F238E27FC236}">
-                <a16:creationId xmlns:a16="http://schemas.microsoft.com/office/drawing/2014/main" id="{FECCB5CE-847B-4187-B52E-563BFC491B6A}"/>
-              </a:ext>
-            </a:extLst>
-          </p:cNvPr>
-          <p:cNvSpPr>
-            <a:spLocks noGrp="1"/>
-          </p:cNvSpPr>
-          <p:nvPr>
-            <p:ph type="title"/>
-          </p:nvPr>
+          <p:cNvPr id="7" name="Rectangle 6"/>
+          <p:cNvSpPr/>
+          <p:nvPr/>
         </p:nvSpPr>
         <p:spPr>
           <a:xfrm>
-            <a:off x="838200" y="365125"/>
-            <a:ext cx="10515600" cy="1325563"/>
+            <a:off x="11292840" y="0"/>
+            <a:ext cx="914400" cy="6858000"/>
+          </a:xfrm>
+          <a:prstGeom prst="rect">
+            <a:avLst/>
+          </a:prstGeom>
+          <a:solidFill>
+            <a:schemeClr val="tx2">
+              <a:lumMod val="75000"/>
+            </a:schemeClr>
+          </a:solidFill>
+          <a:ln>
+            <a:noFill/>
+          </a:ln>
+        </p:spPr>
+        <p:style>
+          <a:lnRef idx="2">
+            <a:schemeClr val="accent1">
+              <a:shade val="50000"/>
+            </a:schemeClr>
+          </a:lnRef>
+          <a:fillRef idx="1">
+            <a:schemeClr val="accent1"/>
+          </a:fillRef>
+          <a:effectRef idx="0">
+            <a:schemeClr val="accent1"/>
+          </a:effectRef>
+          <a:fontRef idx="minor">
+            <a:schemeClr val="lt1"/>
+          </a:fontRef>
+        </p:style>
+      </p:sp>
+      <p:sp>
+        <p:nvSpPr>
+          <p:cNvPr id="2" name="Title Placeholder 1"/>
+          <p:cNvSpPr>
+            <a:spLocks noGrp="1"/>
+          </p:cNvSpPr>
+          <p:nvPr>
+            <p:ph type="title"/>
+          </p:nvPr>
+        </p:nvSpPr>
+        <p:spPr>
+          <a:xfrm>
+            <a:off x="1261872" y="365760"/>
+            <a:ext cx="9692640" cy="1325562"/>
           </a:xfrm>
           <a:prstGeom prst="rect">
             <a:avLst/>
           </a:prstGeom>
         </p:spPr>
         <p:txBody>
-          <a:bodyPr vert="horz" lIns="91440" tIns="45720" rIns="91440" bIns="45720" rtlCol="0" anchor="ctr">
+          <a:bodyPr vert="horz" lIns="91440" tIns="45720" rIns="91440" bIns="45720" rtlCol="0" anchor="b">
             <a:normAutofit/>
           </a:bodyPr>
           <a:lstStyle/>
@@ -2829,18 +2900,13 @@
               <a:rPr lang="ru-RU"/>
               <a:t>Образец заголовка</a:t>
             </a:r>
-          </a:p>
-        </p:txBody>
-      </p:sp>
-      <p:sp>
-        <p:nvSpPr>
-          <p:cNvPr id="3" name="Текст 2">
-            <a:extLst>
-              <a:ext uri="{FF2B5EF4-FFF2-40B4-BE49-F238E27FC236}">
-                <a16:creationId xmlns:a16="http://schemas.microsoft.com/office/drawing/2014/main" id="{F5DF4BDF-CDE1-43AB-9B9B-18B7EBE53794}"/>
-              </a:ext>
-            </a:extLst>
-          </p:cNvPr>
+            <a:endParaRPr lang="en-US" dirty="0"/>
+          </a:p>
+        </p:txBody>
+      </p:sp>
+      <p:sp>
+        <p:nvSpPr>
+          <p:cNvPr id="3" name="Text Placeholder 2"/>
           <p:cNvSpPr>
             <a:spLocks noGrp="1"/>
           </p:cNvSpPr>
@@ -2850,8 +2916,8 @@
         </p:nvSpPr>
         <p:spPr>
           <a:xfrm>
-            <a:off x="838200" y="1825625"/>
-            <a:ext cx="10515600" cy="4351338"/>
+            <a:off x="1261872" y="1828800"/>
+            <a:ext cx="8595360" cy="4351337"/>
           </a:xfrm>
           <a:prstGeom prst="rect">
             <a:avLst/>
@@ -2896,18 +2962,13 @@
               <a:rPr lang="ru-RU"/>
               <a:t>Пятый уровень</a:t>
             </a:r>
-          </a:p>
-        </p:txBody>
-      </p:sp>
-      <p:sp>
-        <p:nvSpPr>
-          <p:cNvPr id="4" name="Дата 3">
-            <a:extLst>
-              <a:ext uri="{FF2B5EF4-FFF2-40B4-BE49-F238E27FC236}">
-                <a16:creationId xmlns:a16="http://schemas.microsoft.com/office/drawing/2014/main" id="{B46B3C75-9002-41CE-B446-C933FFEBF5C1}"/>
-              </a:ext>
-            </a:extLst>
-          </p:cNvPr>
+            <a:endParaRPr lang="en-US" dirty="0"/>
+          </a:p>
+        </p:txBody>
+      </p:sp>
+      <p:sp>
+        <p:nvSpPr>
+          <p:cNvPr id="4" name="Date Placeholder 3"/>
           <p:cNvSpPr>
             <a:spLocks noGrp="1"/>
           </p:cNvSpPr>
@@ -2916,9 +2977,9 @@
           </p:nvPr>
         </p:nvSpPr>
         <p:spPr>
-          <a:xfrm>
-            <a:off x="838200" y="6356350"/>
-            <a:ext cx="2743200" cy="365125"/>
+          <a:xfrm rot="16200000">
+            <a:off x="10797542" y="998537"/>
+            <a:ext cx="1904999" cy="365125"/>
           </a:xfrm>
           <a:prstGeom prst="rect">
             <a:avLst/>
@@ -2927,11 +2988,12 @@
         <p:txBody>
           <a:bodyPr vert="horz" lIns="91440" tIns="45720" rIns="91440" bIns="45720" rtlCol="0" anchor="ctr"/>
           <a:lstStyle>
-            <a:lvl1pPr algn="l">
-              <a:defRPr sz="1200">
+            <a:lvl1pPr algn="r">
+              <a:defRPr sz="1050" b="0">
                 <a:solidFill>
-                  <a:schemeClr val="tx1">
-                    <a:tint val="75000"/>
+                  <a:schemeClr val="tx2">
+                    <a:lumMod val="20000"/>
+                    <a:lumOff val="80000"/>
                   </a:schemeClr>
                 </a:solidFill>
               </a:defRPr>
@@ -2940,7 +3002,7 @@
           <a:p>
             <a:fld id="{6D7BF124-89DF-4EBC-BCA2-D0D0B8B9CCE7}" type="datetimeFigureOut">
               <a:rPr lang="ru-RU" smtClean="0"/>
-              <a:t>11.11.2021</a:t>
+              <a:t>17.11.2021</a:t>
             </a:fld>
             <a:endParaRPr lang="ru-RU"/>
           </a:p>
@@ -2948,13 +3010,7 @@
       </p:sp>
       <p:sp>
         <p:nvSpPr>
-          <p:cNvPr id="5" name="Нижний колонтитул 4">
-            <a:extLst>
-              <a:ext uri="{FF2B5EF4-FFF2-40B4-BE49-F238E27FC236}">
-                <a16:creationId xmlns:a16="http://schemas.microsoft.com/office/drawing/2014/main" id="{A4AF3326-CBCC-4E81-9663-EA991E236EAC}"/>
-              </a:ext>
-            </a:extLst>
-          </p:cNvPr>
+          <p:cNvPr id="5" name="Footer Placeholder 4"/>
           <p:cNvSpPr>
             <a:spLocks noGrp="1"/>
           </p:cNvSpPr>
@@ -2963,9 +3019,9 @@
           </p:nvPr>
         </p:nvSpPr>
         <p:spPr>
-          <a:xfrm>
-            <a:off x="4038600" y="6356350"/>
-            <a:ext cx="4114800" cy="365125"/>
+          <a:xfrm rot="16200000">
+            <a:off x="9959341" y="4046537"/>
+            <a:ext cx="3581400" cy="365125"/>
           </a:xfrm>
           <a:prstGeom prst="rect">
             <a:avLst/>
@@ -2974,11 +3030,12 @@
         <p:txBody>
           <a:bodyPr vert="horz" lIns="91440" tIns="45720" rIns="91440" bIns="45720" rtlCol="0" anchor="ctr"/>
           <a:lstStyle>
-            <a:lvl1pPr algn="ctr">
-              <a:defRPr sz="1200">
+            <a:lvl1pPr algn="l">
+              <a:defRPr sz="1050">
                 <a:solidFill>
-                  <a:schemeClr val="tx1">
-                    <a:tint val="75000"/>
+                  <a:schemeClr val="tx2">
+                    <a:lumMod val="20000"/>
+                    <a:lumOff val="80000"/>
                   </a:schemeClr>
                 </a:solidFill>
               </a:defRPr>
@@ -2991,13 +3048,7 @@
       </p:sp>
       <p:sp>
         <p:nvSpPr>
-          <p:cNvPr id="6" name="Номер слайда 5">
-            <a:extLst>
-              <a:ext uri="{FF2B5EF4-FFF2-40B4-BE49-F238E27FC236}">
-                <a16:creationId xmlns:a16="http://schemas.microsoft.com/office/drawing/2014/main" id="{826E18C8-2EF3-4390-A699-5BA83C676501}"/>
-              </a:ext>
-            </a:extLst>
-          </p:cNvPr>
+          <p:cNvPr id="6" name="Slide Number Placeholder 5"/>
           <p:cNvSpPr>
             <a:spLocks noGrp="1"/>
           </p:cNvSpPr>
@@ -3007,21 +3058,24 @@
         </p:nvSpPr>
         <p:spPr>
           <a:xfrm>
-            <a:off x="8610600" y="6356350"/>
-            <a:ext cx="2743200" cy="365125"/>
+            <a:off x="11292840" y="6172200"/>
+            <a:ext cx="914400" cy="593725"/>
           </a:xfrm>
           <a:prstGeom prst="rect">
             <a:avLst/>
           </a:prstGeom>
         </p:spPr>
         <p:txBody>
-          <a:bodyPr vert="horz" lIns="91440" tIns="45720" rIns="91440" bIns="45720" rtlCol="0" anchor="ctr"/>
+          <a:bodyPr vert="horz" lIns="45720" tIns="45720" rIns="45720" bIns="45720" rtlCol="0" anchor="ctr">
+            <a:normAutofit/>
+          </a:bodyPr>
           <a:lstStyle>
-            <a:lvl1pPr algn="r">
-              <a:defRPr sz="1200">
+            <a:lvl1pPr algn="ctr">
+              <a:defRPr sz="3600">
                 <a:solidFill>
-                  <a:schemeClr val="tx1">
-                    <a:tint val="75000"/>
+                  <a:schemeClr val="tx2">
+                    <a:lumMod val="60000"/>
+                    <a:lumOff val="40000"/>
                   </a:schemeClr>
                 </a:solidFill>
               </a:defRPr>
@@ -3039,23 +3093,23 @@
     </p:spTree>
     <p:extLst>
       <p:ext uri="{BB962C8B-B14F-4D97-AF65-F5344CB8AC3E}">
-        <p14:creationId xmlns:p14="http://schemas.microsoft.com/office/powerpoint/2010/main" val="268424754"/>
+        <p14:creationId xmlns:p14="http://schemas.microsoft.com/office/powerpoint/2010/main" val="1606834725"/>
       </p:ext>
     </p:extLst>
   </p:cSld>
   <p:clrMap bg1="lt1" tx1="dk1" bg2="lt2" tx2="dk2" accent1="accent1" accent2="accent2" accent3="accent3" accent4="accent4" accent5="accent5" accent6="accent6" hlink="hlink" folHlink="folHlink"/>
   <p:sldLayoutIdLst>
-    <p:sldLayoutId id="2147483649" r:id="rId1"/>
-    <p:sldLayoutId id="2147483650" r:id="rId2"/>
-    <p:sldLayoutId id="2147483651" r:id="rId3"/>
-    <p:sldLayoutId id="2147483652" r:id="rId4"/>
-    <p:sldLayoutId id="2147483653" r:id="rId5"/>
-    <p:sldLayoutId id="2147483654" r:id="rId6"/>
-    <p:sldLayoutId id="2147483655" r:id="rId7"/>
-    <p:sldLayoutId id="2147483656" r:id="rId8"/>
-    <p:sldLayoutId id="2147483657" r:id="rId9"/>
-    <p:sldLayoutId id="2147483658" r:id="rId10"/>
-    <p:sldLayoutId id="2147483659" r:id="rId11"/>
+    <p:sldLayoutId id="2147483661" r:id="rId1"/>
+    <p:sldLayoutId id="2147483662" r:id="rId2"/>
+    <p:sldLayoutId id="2147483663" r:id="rId3"/>
+    <p:sldLayoutId id="2147483664" r:id="rId4"/>
+    <p:sldLayoutId id="2147483665" r:id="rId5"/>
+    <p:sldLayoutId id="2147483666" r:id="rId6"/>
+    <p:sldLayoutId id="2147483667" r:id="rId7"/>
+    <p:sldLayoutId id="2147483668" r:id="rId8"/>
+    <p:sldLayoutId id="2147483669" r:id="rId9"/>
+    <p:sldLayoutId id="2147483670" r:id="rId10"/>
+    <p:sldLayoutId id="2147483671" r:id="rId11"/>
   </p:sldLayoutIdLst>
   <p:txStyles>
     <p:titleStyle>
@@ -3067,7 +3121,7 @@
           <a:spcPct val="0"/>
         </a:spcBef>
         <a:buNone/>
-        <a:defRPr sz="4400" kern="1200">
+        <a:defRPr sz="4400" kern="1200" spc="-50" baseline="0">
           <a:solidFill>
             <a:schemeClr val="tx1"/>
           </a:solidFill>
@@ -3078,16 +3132,23 @@
       </a:lvl1pPr>
     </p:titleStyle>
     <p:bodyStyle>
-      <a:lvl1pPr marL="228600" indent="-228600" algn="l" defTabSz="914400" rtl="0" eaLnBrk="1" latinLnBrk="0" hangingPunct="1">
+      <a:lvl1pPr marL="182880" indent="-182880" algn="l" defTabSz="914400" rtl="0" eaLnBrk="1" latinLnBrk="0" hangingPunct="1">
         <a:lnSpc>
-          <a:spcPct val="90000"/>
+          <a:spcPct val="95000"/>
         </a:lnSpc>
         <a:spcBef>
-          <a:spcPts val="1000"/>
+          <a:spcPts val="1400"/>
         </a:spcBef>
-        <a:buFont typeface="Arial" panose="020B0604020202020204" pitchFamily="34" charset="0"/>
+        <a:spcAft>
+          <a:spcPts val="200"/>
+        </a:spcAft>
+        <a:buClr>
+          <a:schemeClr val="accent1"/>
+        </a:buClr>
+        <a:buSzPct val="80000"/>
+        <a:buFont typeface="Arial" pitchFamily="34" charset="0"/>
         <a:buChar char="•"/>
-        <a:defRPr sz="2800" kern="1200">
+        <a:defRPr sz="1800" kern="1200" spc="10" baseline="0">
           <a:solidFill>
             <a:schemeClr val="tx1"/>
           </a:solidFill>
@@ -3096,144 +3157,216 @@
           <a:cs typeface="+mn-cs"/>
         </a:defRPr>
       </a:lvl1pPr>
-      <a:lvl2pPr marL="685800" indent="-228600" algn="l" defTabSz="914400" rtl="0" eaLnBrk="1" latinLnBrk="0" hangingPunct="1">
+      <a:lvl2pPr marL="457200" indent="-182880" algn="l" defTabSz="914400" rtl="0" eaLnBrk="1" latinLnBrk="0" hangingPunct="1">
         <a:lnSpc>
           <a:spcPct val="90000"/>
         </a:lnSpc>
         <a:spcBef>
-          <a:spcPts val="500"/>
+          <a:spcPts val="300"/>
         </a:spcBef>
-        <a:buFont typeface="Arial" panose="020B0604020202020204" pitchFamily="34" charset="0"/>
-        <a:buChar char="•"/>
-        <a:defRPr sz="2400" kern="1200">
+        <a:spcAft>
+          <a:spcPts val="300"/>
+        </a:spcAft>
+        <a:buClr>
+          <a:schemeClr val="accent1"/>
+        </a:buClr>
+        <a:buFont typeface="Wingdings 2" pitchFamily="18" charset="2"/>
+        <a:buChar char=""/>
+        <a:defRPr sz="1600" kern="1200">
           <a:solidFill>
-            <a:schemeClr val="tx1"/>
+            <a:schemeClr val="tx1">
+              <a:lumMod val="85000"/>
+              <a:lumOff val="15000"/>
+            </a:schemeClr>
           </a:solidFill>
           <a:latin typeface="+mn-lt"/>
           <a:ea typeface="+mn-ea"/>
           <a:cs typeface="+mn-cs"/>
         </a:defRPr>
       </a:lvl2pPr>
-      <a:lvl3pPr marL="1143000" indent="-228600" algn="l" defTabSz="914400" rtl="0" eaLnBrk="1" latinLnBrk="0" hangingPunct="1">
+      <a:lvl3pPr marL="731520" indent="-182880" algn="l" defTabSz="914400" rtl="0" eaLnBrk="1" latinLnBrk="0" hangingPunct="1">
         <a:lnSpc>
           <a:spcPct val="90000"/>
         </a:lnSpc>
         <a:spcBef>
-          <a:spcPts val="500"/>
+          <a:spcPts val="300"/>
         </a:spcBef>
-        <a:buFont typeface="Arial" panose="020B0604020202020204" pitchFamily="34" charset="0"/>
-        <a:buChar char="•"/>
-        <a:defRPr sz="2000" kern="1200">
+        <a:spcAft>
+          <a:spcPts val="300"/>
+        </a:spcAft>
+        <a:buClr>
+          <a:schemeClr val="accent1"/>
+        </a:buClr>
+        <a:buFont typeface="Wingdings 2" pitchFamily="18" charset="2"/>
+        <a:buChar char=""/>
+        <a:defRPr sz="1400" kern="1200">
           <a:solidFill>
-            <a:schemeClr val="tx1"/>
+            <a:schemeClr val="tx1">
+              <a:lumMod val="85000"/>
+              <a:lumOff val="15000"/>
+            </a:schemeClr>
           </a:solidFill>
           <a:latin typeface="+mn-lt"/>
           <a:ea typeface="+mn-ea"/>
           <a:cs typeface="+mn-cs"/>
         </a:defRPr>
       </a:lvl3pPr>
-      <a:lvl4pPr marL="1600200" indent="-228600" algn="l" defTabSz="914400" rtl="0" eaLnBrk="1" latinLnBrk="0" hangingPunct="1">
+      <a:lvl4pPr marL="1005840" indent="-182880" algn="l" defTabSz="914400" rtl="0" eaLnBrk="1" latinLnBrk="0" hangingPunct="1">
         <a:lnSpc>
           <a:spcPct val="90000"/>
         </a:lnSpc>
         <a:spcBef>
-          <a:spcPts val="500"/>
+          <a:spcPts val="300"/>
         </a:spcBef>
-        <a:buFont typeface="Arial" panose="020B0604020202020204" pitchFamily="34" charset="0"/>
-        <a:buChar char="•"/>
-        <a:defRPr sz="1800" kern="1200">
+        <a:spcAft>
+          <a:spcPts val="300"/>
+        </a:spcAft>
+        <a:buClr>
+          <a:schemeClr val="accent1"/>
+        </a:buClr>
+        <a:buFont typeface="Wingdings 2" pitchFamily="18" charset="2"/>
+        <a:buChar char=""/>
+        <a:defRPr sz="1400" kern="1200">
           <a:solidFill>
-            <a:schemeClr val="tx1"/>
+            <a:schemeClr val="tx1">
+              <a:lumMod val="85000"/>
+              <a:lumOff val="15000"/>
+            </a:schemeClr>
           </a:solidFill>
           <a:latin typeface="+mn-lt"/>
           <a:ea typeface="+mn-ea"/>
           <a:cs typeface="+mn-cs"/>
         </a:defRPr>
       </a:lvl4pPr>
-      <a:lvl5pPr marL="2057400" indent="-228600" algn="l" defTabSz="914400" rtl="0" eaLnBrk="1" latinLnBrk="0" hangingPunct="1">
+      <a:lvl5pPr marL="1280160" indent="-182880" algn="l" defTabSz="914400" rtl="0" eaLnBrk="1" latinLnBrk="0" hangingPunct="1">
         <a:lnSpc>
           <a:spcPct val="90000"/>
         </a:lnSpc>
         <a:spcBef>
-          <a:spcPts val="500"/>
+          <a:spcPts val="300"/>
         </a:spcBef>
-        <a:buFont typeface="Arial" panose="020B0604020202020204" pitchFamily="34" charset="0"/>
-        <a:buChar char="•"/>
-        <a:defRPr sz="1800" kern="1200">
+        <a:spcAft>
+          <a:spcPts val="300"/>
+        </a:spcAft>
+        <a:buClr>
+          <a:schemeClr val="accent1"/>
+        </a:buClr>
+        <a:buFont typeface="Wingdings 2" pitchFamily="18" charset="2"/>
+        <a:buChar char=""/>
+        <a:defRPr sz="1400" kern="1200">
           <a:solidFill>
-            <a:schemeClr val="tx1"/>
+            <a:schemeClr val="tx1">
+              <a:lumMod val="85000"/>
+              <a:lumOff val="15000"/>
+            </a:schemeClr>
           </a:solidFill>
           <a:latin typeface="+mn-lt"/>
           <a:ea typeface="+mn-ea"/>
           <a:cs typeface="+mn-cs"/>
         </a:defRPr>
       </a:lvl5pPr>
-      <a:lvl6pPr marL="2514600" indent="-228600" algn="l" defTabSz="914400" rtl="0" eaLnBrk="1" latinLnBrk="0" hangingPunct="1">
+      <a:lvl6pPr marL="1600000" indent="-228600" algn="l" defTabSz="914400" rtl="0" eaLnBrk="1" latinLnBrk="0" hangingPunct="1">
         <a:lnSpc>
           <a:spcPct val="90000"/>
         </a:lnSpc>
         <a:spcBef>
-          <a:spcPts val="500"/>
+          <a:spcPts val="300"/>
         </a:spcBef>
-        <a:buFont typeface="Arial" panose="020B0604020202020204" pitchFamily="34" charset="0"/>
-        <a:buChar char="•"/>
-        <a:defRPr sz="1800" kern="1200">
+        <a:spcAft>
+          <a:spcPts val="300"/>
+        </a:spcAft>
+        <a:buClr>
+          <a:schemeClr val="accent1"/>
+        </a:buClr>
+        <a:buFont typeface="Wingdings 2" pitchFamily="18" charset="2"/>
+        <a:buChar char=""/>
+        <a:defRPr sz="1400" kern="1200">
           <a:solidFill>
-            <a:schemeClr val="tx1"/>
+            <a:schemeClr val="tx1">
+              <a:lumMod val="85000"/>
+              <a:lumOff val="15000"/>
+            </a:schemeClr>
           </a:solidFill>
           <a:latin typeface="+mn-lt"/>
           <a:ea typeface="+mn-ea"/>
           <a:cs typeface="+mn-cs"/>
         </a:defRPr>
       </a:lvl6pPr>
-      <a:lvl7pPr marL="2971800" indent="-228600" algn="l" defTabSz="914400" rtl="0" eaLnBrk="1" latinLnBrk="0" hangingPunct="1">
+      <a:lvl7pPr marL="1900000" indent="-228600" algn="l" defTabSz="914400" rtl="0" eaLnBrk="1" latinLnBrk="0" hangingPunct="1">
         <a:lnSpc>
           <a:spcPct val="90000"/>
         </a:lnSpc>
         <a:spcBef>
-          <a:spcPts val="500"/>
+          <a:spcPts val="300"/>
         </a:spcBef>
-        <a:buFont typeface="Arial" panose="020B0604020202020204" pitchFamily="34" charset="0"/>
-        <a:buChar char="•"/>
-        <a:defRPr sz="1800" kern="1200">
+        <a:spcAft>
+          <a:spcPts val="300"/>
+        </a:spcAft>
+        <a:buClr>
+          <a:schemeClr val="accent1"/>
+        </a:buClr>
+        <a:buFont typeface="Wingdings 2" pitchFamily="18" charset="2"/>
+        <a:buChar char=""/>
+        <a:defRPr sz="1400" kern="1200">
           <a:solidFill>
-            <a:schemeClr val="tx1"/>
+            <a:schemeClr val="tx1">
+              <a:lumMod val="85000"/>
+              <a:lumOff val="15000"/>
+            </a:schemeClr>
           </a:solidFill>
           <a:latin typeface="+mn-lt"/>
           <a:ea typeface="+mn-ea"/>
           <a:cs typeface="+mn-cs"/>
         </a:defRPr>
       </a:lvl7pPr>
-      <a:lvl8pPr marL="3429000" indent="-228600" algn="l" defTabSz="914400" rtl="0" eaLnBrk="1" latinLnBrk="0" hangingPunct="1">
+      <a:lvl8pPr marL="2200000" indent="-228600" algn="l" defTabSz="914400" rtl="0" eaLnBrk="1" latinLnBrk="0" hangingPunct="1">
         <a:lnSpc>
           <a:spcPct val="90000"/>
         </a:lnSpc>
         <a:spcBef>
-          <a:spcPts val="500"/>
+          <a:spcPts val="300"/>
         </a:spcBef>
-        <a:buFont typeface="Arial" panose="020B0604020202020204" pitchFamily="34" charset="0"/>
-        <a:buChar char="•"/>
-        <a:defRPr sz="1800" kern="1200">
+        <a:spcAft>
+          <a:spcPts val="300"/>
+        </a:spcAft>
+        <a:buClr>
+          <a:schemeClr val="accent1"/>
+        </a:buClr>
+        <a:buFont typeface="Wingdings 2" pitchFamily="18" charset="2"/>
+        <a:buChar char=""/>
+        <a:defRPr sz="1400" kern="1200">
           <a:solidFill>
-            <a:schemeClr val="tx1"/>
+            <a:schemeClr val="tx1">
+              <a:lumMod val="85000"/>
+              <a:lumOff val="15000"/>
+            </a:schemeClr>
           </a:solidFill>
           <a:latin typeface="+mn-lt"/>
           <a:ea typeface="+mn-ea"/>
           <a:cs typeface="+mn-cs"/>
         </a:defRPr>
       </a:lvl8pPr>
-      <a:lvl9pPr marL="3886200" indent="-228600" algn="l" defTabSz="914400" rtl="0" eaLnBrk="1" latinLnBrk="0" hangingPunct="1">
+      <a:lvl9pPr marL="2500000" indent="-228600" algn="l" defTabSz="914400" rtl="0" eaLnBrk="1" latinLnBrk="0" hangingPunct="1">
         <a:lnSpc>
           <a:spcPct val="90000"/>
         </a:lnSpc>
         <a:spcBef>
-          <a:spcPts val="500"/>
+          <a:spcPts val="300"/>
         </a:spcBef>
-        <a:buFont typeface="Arial" panose="020B0604020202020204" pitchFamily="34" charset="0"/>
-        <a:buChar char="•"/>
-        <a:defRPr sz="1800" kern="1200">
+        <a:spcAft>
+          <a:spcPts val="300"/>
+        </a:spcAft>
+        <a:buClr>
+          <a:schemeClr val="accent1"/>
+        </a:buClr>
+        <a:buFont typeface="Wingdings 2" pitchFamily="18" charset="2"/>
+        <a:buChar char=""/>
+        <a:defRPr sz="1400" kern="1200">
           <a:solidFill>
-            <a:schemeClr val="tx1"/>
+            <a:schemeClr val="tx1">
+              <a:lumMod val="85000"/>
+              <a:lumOff val="15000"/>
+            </a:schemeClr>
           </a:solidFill>
           <a:latin typeface="+mn-lt"/>
           <a:ea typeface="+mn-ea"/>
@@ -3243,7 +3376,7 @@
     </p:bodyStyle>
     <p:otherStyle>
       <a:defPPr>
-        <a:defRPr lang="ru-RU"/>
+        <a:defRPr lang="en-US"/>
       </a:defPPr>
       <a:lvl1pPr marL="0" algn="l" defTabSz="914400" rtl="0" eaLnBrk="1" latinLnBrk="0" hangingPunct="1">
         <a:defRPr sz="1800" kern="1200">
@@ -3466,7 +3599,7 @@
           <p:cNvPr id="2" name="Заголовок 1">
             <a:extLst>
               <a:ext uri="{FF2B5EF4-FFF2-40B4-BE49-F238E27FC236}">
-                <a16:creationId xmlns:a16="http://schemas.microsoft.com/office/drawing/2014/main" id="{8842D918-0F7F-4CBF-A908-BEE5AF6D1580}"/>
+                <a16:creationId xmlns:a16="http://schemas.microsoft.com/office/drawing/2014/main" id="{22AFCDA6-A20C-4498-BDF8-3AA4348429DA}"/>
               </a:ext>
             </a:extLst>
           </p:cNvPr>
@@ -3484,63 +3617,52 @@
           <a:p>
             <a:r>
               <a:rPr lang="en-US" dirty="0"/>
-              <a:t>Connectivity challenge</a:t>
+              <a:t>Software Component Structure diagram</a:t>
             </a:r>
             <a:endParaRPr lang="ru-RU" dirty="0"/>
           </a:p>
         </p:txBody>
       </p:sp>
-      <p:sp>
-        <p:nvSpPr>
-          <p:cNvPr id="3" name="Объект 2">
+      <p:pic>
+        <p:nvPicPr>
+          <p:cNvPr id="6" name="Рисунок 5">
             <a:extLst>
               <a:ext uri="{FF2B5EF4-FFF2-40B4-BE49-F238E27FC236}">
-                <a16:creationId xmlns:a16="http://schemas.microsoft.com/office/drawing/2014/main" id="{66295EF9-B666-4A15-A41E-E39A2B85365D}"/>
+                <a16:creationId xmlns:a16="http://schemas.microsoft.com/office/drawing/2014/main" id="{133224EA-D135-44C3-A33B-DC1EA6295310}"/>
               </a:ext>
             </a:extLst>
           </p:cNvPr>
-          <p:cNvSpPr>
-            <a:spLocks noGrp="1"/>
-          </p:cNvSpPr>
-          <p:nvPr>
-            <p:ph idx="1"/>
-          </p:nvPr>
-        </p:nvSpPr>
-        <p:spPr/>
-        <p:txBody>
-          <a:bodyPr/>
-          <a:lstStyle/>
-          <a:p>
-            <a:r>
-              <a:rPr lang="en-US" dirty="0"/>
-              <a:t>What if the user is not at home, but still wants to control the Smart House?</a:t>
-            </a:r>
-          </a:p>
-          <a:p>
-            <a:r>
-              <a:rPr lang="en-US" dirty="0"/>
-              <a:t>We need to handle transition between LAN and WAN.</a:t>
-            </a:r>
-          </a:p>
-          <a:p>
-            <a:r>
-              <a:rPr lang="en-US" dirty="0"/>
-              <a:t>We need to ensure security while user is in WAN.</a:t>
-            </a:r>
-          </a:p>
-          <a:p>
-            <a:r>
-              <a:rPr lang="en-US" dirty="0"/>
-              <a:t>No one unauthorized should control the house!</a:t>
-            </a:r>
-            <a:endParaRPr lang="ru-RU" dirty="0"/>
-          </a:p>
-        </p:txBody>
-      </p:sp>
+          <p:cNvPicPr>
+            <a:picLocks noChangeAspect="1"/>
+          </p:cNvPicPr>
+          <p:nvPr/>
+        </p:nvPicPr>
+        <p:blipFill>
+          <a:blip r:embed="rId2">
+            <a:extLst>
+              <a:ext uri="{28A0092B-C50C-407E-A947-70E740481C1C}">
+                <a14:useLocalDpi xmlns:a14="http://schemas.microsoft.com/office/drawing/2010/main" val="0"/>
+              </a:ext>
+            </a:extLst>
+          </a:blip>
+          <a:stretch>
+            <a:fillRect/>
+          </a:stretch>
+        </p:blipFill>
+        <p:spPr>
+          <a:xfrm>
+            <a:off x="244066" y="1813237"/>
+            <a:ext cx="10710446" cy="4268780"/>
+          </a:xfrm>
+          <a:prstGeom prst="rect">
+            <a:avLst/>
+          </a:prstGeom>
+        </p:spPr>
+      </p:pic>
     </p:spTree>
     <p:extLst>
       <p:ext uri="{BB962C8B-B14F-4D97-AF65-F5344CB8AC3E}">
-        <p14:creationId xmlns:p14="http://schemas.microsoft.com/office/powerpoint/2010/main" val="3822693898"/>
+        <p14:creationId xmlns:p14="http://schemas.microsoft.com/office/powerpoint/2010/main" val="1500360081"/>
       </p:ext>
     </p:extLst>
   </p:cSld>
@@ -3572,7 +3694,7 @@
           <p:cNvPr id="2" name="Заголовок 1">
             <a:extLst>
               <a:ext uri="{FF2B5EF4-FFF2-40B4-BE49-F238E27FC236}">
-                <a16:creationId xmlns:a16="http://schemas.microsoft.com/office/drawing/2014/main" id="{06308A5C-61CC-47CE-B288-986801F2ACD5}"/>
+                <a16:creationId xmlns:a16="http://schemas.microsoft.com/office/drawing/2014/main" id="{8842D918-0F7F-4CBF-A908-BEE5AF6D1580}"/>
               </a:ext>
             </a:extLst>
           </p:cNvPr>
@@ -3590,7 +3712,7 @@
           <a:p>
             <a:r>
               <a:rPr lang="en-US" dirty="0"/>
-              <a:t>Usability Challenge</a:t>
+              <a:t>Connectivity challenge</a:t>
             </a:r>
             <a:endParaRPr lang="ru-RU" dirty="0"/>
           </a:p>
@@ -3601,7 +3723,7 @@
           <p:cNvPr id="3" name="Объект 2">
             <a:extLst>
               <a:ext uri="{FF2B5EF4-FFF2-40B4-BE49-F238E27FC236}">
-                <a16:creationId xmlns:a16="http://schemas.microsoft.com/office/drawing/2014/main" id="{EF1ABC70-FEEC-4705-A24A-F2168B2C8A63}"/>
+                <a16:creationId xmlns:a16="http://schemas.microsoft.com/office/drawing/2014/main" id="{66295EF9-B666-4A15-A41E-E39A2B85365D}"/>
               </a:ext>
             </a:extLst>
           </p:cNvPr>
@@ -3619,19 +3741,25 @@
           <a:p>
             <a:r>
               <a:rPr lang="en-US" dirty="0"/>
-              <a:t>Show current room on startup based on location</a:t>
-            </a:r>
-          </a:p>
-          <a:p>
-            <a:r>
-              <a:rPr lang="en-US" dirty="0"/>
-              <a:t>Show different functions depending on user’s role (adult, kid, guest)</a:t>
-            </a:r>
-          </a:p>
-          <a:p>
-            <a:r>
-              <a:rPr lang="en-US" dirty="0"/>
-              <a:t>Hide privileged functions depending on user’s privilege level</a:t>
+              <a:t>What if the user is not at home, but still wants to control the Smart House?</a:t>
+            </a:r>
+          </a:p>
+          <a:p>
+            <a:r>
+              <a:rPr lang="en-US" dirty="0"/>
+              <a:t>We need to handle transition between LAN and WAN.</a:t>
+            </a:r>
+          </a:p>
+          <a:p>
+            <a:r>
+              <a:rPr lang="en-US" dirty="0"/>
+              <a:t>We need to ensure security while user is in WAN.</a:t>
+            </a:r>
+          </a:p>
+          <a:p>
+            <a:r>
+              <a:rPr lang="en-US" dirty="0"/>
+              <a:t>No one unauthorized should control the house!</a:t>
             </a:r>
             <a:endParaRPr lang="ru-RU" dirty="0"/>
           </a:p>
@@ -3640,7 +3768,7 @@
     </p:spTree>
     <p:extLst>
       <p:ext uri="{BB962C8B-B14F-4D97-AF65-F5344CB8AC3E}">
-        <p14:creationId xmlns:p14="http://schemas.microsoft.com/office/powerpoint/2010/main" val="3963751235"/>
+        <p14:creationId xmlns:p14="http://schemas.microsoft.com/office/powerpoint/2010/main" val="3822693898"/>
       </p:ext>
     </p:extLst>
   </p:cSld>
@@ -3672,6 +3800,300 @@
           <p:cNvPr id="2" name="Заголовок 1">
             <a:extLst>
               <a:ext uri="{FF2B5EF4-FFF2-40B4-BE49-F238E27FC236}">
+                <a16:creationId xmlns:a16="http://schemas.microsoft.com/office/drawing/2014/main" id="{D0A93270-56D0-49FF-8B6B-89F6E3835B08}"/>
+              </a:ext>
+            </a:extLst>
+          </p:cNvPr>
+          <p:cNvSpPr>
+            <a:spLocks noGrp="1"/>
+          </p:cNvSpPr>
+          <p:nvPr>
+            <p:ph type="title"/>
+          </p:nvPr>
+        </p:nvSpPr>
+        <p:spPr/>
+        <p:txBody>
+          <a:bodyPr/>
+          <a:lstStyle/>
+          <a:p>
+            <a:r>
+              <a:rPr lang="en-US" dirty="0"/>
+              <a:t>Offline Challenge</a:t>
+            </a:r>
+            <a:endParaRPr lang="ru-RU" dirty="0"/>
+          </a:p>
+        </p:txBody>
+      </p:sp>
+      <p:sp>
+        <p:nvSpPr>
+          <p:cNvPr id="3" name="Объект 2">
+            <a:extLst>
+              <a:ext uri="{FF2B5EF4-FFF2-40B4-BE49-F238E27FC236}">
+                <a16:creationId xmlns:a16="http://schemas.microsoft.com/office/drawing/2014/main" id="{5E358ABF-5944-4A71-B065-1B4EFC91DE0D}"/>
+              </a:ext>
+            </a:extLst>
+          </p:cNvPr>
+          <p:cNvSpPr>
+            <a:spLocks noGrp="1"/>
+          </p:cNvSpPr>
+          <p:nvPr>
+            <p:ph idx="1"/>
+          </p:nvPr>
+        </p:nvSpPr>
+        <p:spPr/>
+        <p:txBody>
+          <a:bodyPr/>
+          <a:lstStyle/>
+          <a:p>
+            <a:r>
+              <a:rPr lang="en-US" dirty="0"/>
+              <a:t>Client application can store the apartment layout locally.</a:t>
+            </a:r>
+          </a:p>
+          <a:p>
+            <a:r>
+              <a:rPr lang="en-US" dirty="0"/>
+              <a:t>Client application can cache last state of switches or sensors.</a:t>
+            </a:r>
+          </a:p>
+          <a:p>
+            <a:r>
+              <a:rPr lang="en-US" dirty="0"/>
+              <a:t>Client application can enable deferred actions.</a:t>
+            </a:r>
+            <a:endParaRPr lang="ru-RU" dirty="0"/>
+          </a:p>
+        </p:txBody>
+      </p:sp>
+    </p:spTree>
+    <p:extLst>
+      <p:ext uri="{BB962C8B-B14F-4D97-AF65-F5344CB8AC3E}">
+        <p14:creationId xmlns:p14="http://schemas.microsoft.com/office/powerpoint/2010/main" val="1152507114"/>
+      </p:ext>
+    </p:extLst>
+  </p:cSld>
+  <p:clrMapOvr>
+    <a:masterClrMapping/>
+  </p:clrMapOvr>
+</p:sld>
+</file>
+
+<file path=ppt/slides/slide13.xml><?xml version="1.0" encoding="utf-8"?>
+<p:sld xmlns:a="http://schemas.openxmlformats.org/drawingml/2006/main" xmlns:r="http://schemas.openxmlformats.org/officeDocument/2006/relationships" xmlns:p="http://schemas.openxmlformats.org/presentationml/2006/main">
+  <p:cSld>
+    <p:spTree>
+      <p:nvGrpSpPr>
+        <p:cNvPr id="1" name=""/>
+        <p:cNvGrpSpPr/>
+        <p:nvPr/>
+      </p:nvGrpSpPr>
+      <p:grpSpPr>
+        <a:xfrm>
+          <a:off x="0" y="0"/>
+          <a:ext cx="0" cy="0"/>
+          <a:chOff x="0" y="0"/>
+          <a:chExt cx="0" cy="0"/>
+        </a:xfrm>
+      </p:grpSpPr>
+      <p:sp>
+        <p:nvSpPr>
+          <p:cNvPr id="2" name="Заголовок 1">
+            <a:extLst>
+              <a:ext uri="{FF2B5EF4-FFF2-40B4-BE49-F238E27FC236}">
+                <a16:creationId xmlns:a16="http://schemas.microsoft.com/office/drawing/2014/main" id="{15CE9454-1422-4AD6-81BC-E9F2F8F988C4}"/>
+              </a:ext>
+            </a:extLst>
+          </p:cNvPr>
+          <p:cNvSpPr>
+            <a:spLocks noGrp="1"/>
+          </p:cNvSpPr>
+          <p:nvPr>
+            <p:ph type="title"/>
+          </p:nvPr>
+        </p:nvSpPr>
+        <p:spPr/>
+        <p:txBody>
+          <a:bodyPr/>
+          <a:lstStyle/>
+          <a:p>
+            <a:r>
+              <a:rPr lang="en-US" dirty="0"/>
+              <a:t>Energy challenge</a:t>
+            </a:r>
+            <a:endParaRPr lang="ru-RU" dirty="0"/>
+          </a:p>
+        </p:txBody>
+      </p:sp>
+      <p:sp>
+        <p:nvSpPr>
+          <p:cNvPr id="3" name="Объект 2">
+            <a:extLst>
+              <a:ext uri="{FF2B5EF4-FFF2-40B4-BE49-F238E27FC236}">
+                <a16:creationId xmlns:a16="http://schemas.microsoft.com/office/drawing/2014/main" id="{32AE7C1A-5FBA-4033-9B23-06C788BDC87A}"/>
+              </a:ext>
+            </a:extLst>
+          </p:cNvPr>
+          <p:cNvSpPr>
+            <a:spLocks noGrp="1"/>
+          </p:cNvSpPr>
+          <p:nvPr>
+            <p:ph idx="1"/>
+          </p:nvPr>
+        </p:nvSpPr>
+        <p:spPr/>
+        <p:txBody>
+          <a:bodyPr/>
+          <a:lstStyle/>
+          <a:p>
+            <a:r>
+              <a:rPr lang="en-US" dirty="0"/>
+              <a:t>Mobile app must do as little work as possible. </a:t>
+            </a:r>
+          </a:p>
+          <a:p>
+            <a:r>
+              <a:rPr lang="en-US" dirty="0"/>
+              <a:t>All heavy jobs are the server's responsibility.</a:t>
+            </a:r>
+            <a:endParaRPr lang="ru-RU" dirty="0"/>
+          </a:p>
+        </p:txBody>
+      </p:sp>
+    </p:spTree>
+    <p:extLst>
+      <p:ext uri="{BB962C8B-B14F-4D97-AF65-F5344CB8AC3E}">
+        <p14:creationId xmlns:p14="http://schemas.microsoft.com/office/powerpoint/2010/main" val="2196675386"/>
+      </p:ext>
+    </p:extLst>
+  </p:cSld>
+  <p:clrMapOvr>
+    <a:masterClrMapping/>
+  </p:clrMapOvr>
+</p:sld>
+</file>
+
+<file path=ppt/slides/slide14.xml><?xml version="1.0" encoding="utf-8"?>
+<p:sld xmlns:a="http://schemas.openxmlformats.org/drawingml/2006/main" xmlns:r="http://schemas.openxmlformats.org/officeDocument/2006/relationships" xmlns:p="http://schemas.openxmlformats.org/presentationml/2006/main">
+  <p:cSld>
+    <p:spTree>
+      <p:nvGrpSpPr>
+        <p:cNvPr id="1" name=""/>
+        <p:cNvGrpSpPr/>
+        <p:nvPr/>
+      </p:nvGrpSpPr>
+      <p:grpSpPr>
+        <a:xfrm>
+          <a:off x="0" y="0"/>
+          <a:ext cx="0" cy="0"/>
+          <a:chOff x="0" y="0"/>
+          <a:chExt cx="0" cy="0"/>
+        </a:xfrm>
+      </p:grpSpPr>
+      <p:sp>
+        <p:nvSpPr>
+          <p:cNvPr id="2" name="Заголовок 1">
+            <a:extLst>
+              <a:ext uri="{FF2B5EF4-FFF2-40B4-BE49-F238E27FC236}">
+                <a16:creationId xmlns:a16="http://schemas.microsoft.com/office/drawing/2014/main" id="{06308A5C-61CC-47CE-B288-986801F2ACD5}"/>
+              </a:ext>
+            </a:extLst>
+          </p:cNvPr>
+          <p:cNvSpPr>
+            <a:spLocks noGrp="1"/>
+          </p:cNvSpPr>
+          <p:nvPr>
+            <p:ph type="title"/>
+          </p:nvPr>
+        </p:nvSpPr>
+        <p:spPr/>
+        <p:txBody>
+          <a:bodyPr/>
+          <a:lstStyle/>
+          <a:p>
+            <a:r>
+              <a:rPr lang="en-US" dirty="0"/>
+              <a:t>Usability Challenge</a:t>
+            </a:r>
+            <a:endParaRPr lang="ru-RU" dirty="0"/>
+          </a:p>
+        </p:txBody>
+      </p:sp>
+      <p:sp>
+        <p:nvSpPr>
+          <p:cNvPr id="3" name="Объект 2">
+            <a:extLst>
+              <a:ext uri="{FF2B5EF4-FFF2-40B4-BE49-F238E27FC236}">
+                <a16:creationId xmlns:a16="http://schemas.microsoft.com/office/drawing/2014/main" id="{EF1ABC70-FEEC-4705-A24A-F2168B2C8A63}"/>
+              </a:ext>
+            </a:extLst>
+          </p:cNvPr>
+          <p:cNvSpPr>
+            <a:spLocks noGrp="1"/>
+          </p:cNvSpPr>
+          <p:nvPr>
+            <p:ph idx="1"/>
+          </p:nvPr>
+        </p:nvSpPr>
+        <p:spPr/>
+        <p:txBody>
+          <a:bodyPr/>
+          <a:lstStyle/>
+          <a:p>
+            <a:r>
+              <a:rPr lang="en-US" dirty="0"/>
+              <a:t>Show current room on startup based on location</a:t>
+            </a:r>
+          </a:p>
+          <a:p>
+            <a:r>
+              <a:rPr lang="en-US" dirty="0"/>
+              <a:t>Show different functions depending on user’s role (adult, kid, guest)</a:t>
+            </a:r>
+          </a:p>
+          <a:p>
+            <a:r>
+              <a:rPr lang="en-US" dirty="0"/>
+              <a:t>Hide privileged functions depending on user’s privilege level</a:t>
+            </a:r>
+            <a:endParaRPr lang="ru-RU" dirty="0"/>
+          </a:p>
+        </p:txBody>
+      </p:sp>
+    </p:spTree>
+    <p:extLst>
+      <p:ext uri="{BB962C8B-B14F-4D97-AF65-F5344CB8AC3E}">
+        <p14:creationId xmlns:p14="http://schemas.microsoft.com/office/powerpoint/2010/main" val="3963751235"/>
+      </p:ext>
+    </p:extLst>
+  </p:cSld>
+  <p:clrMapOvr>
+    <a:masterClrMapping/>
+  </p:clrMapOvr>
+</p:sld>
+</file>
+
+<file path=ppt/slides/slide15.xml><?xml version="1.0" encoding="utf-8"?>
+<p:sld xmlns:a="http://schemas.openxmlformats.org/drawingml/2006/main" xmlns:r="http://schemas.openxmlformats.org/officeDocument/2006/relationships" xmlns:p="http://schemas.openxmlformats.org/presentationml/2006/main">
+  <p:cSld>
+    <p:spTree>
+      <p:nvGrpSpPr>
+        <p:cNvPr id="1" name=""/>
+        <p:cNvGrpSpPr/>
+        <p:nvPr/>
+      </p:nvGrpSpPr>
+      <p:grpSpPr>
+        <a:xfrm>
+          <a:off x="0" y="0"/>
+          <a:ext cx="0" cy="0"/>
+          <a:chOff x="0" y="0"/>
+          <a:chExt cx="0" cy="0"/>
+        </a:xfrm>
+      </p:grpSpPr>
+      <p:sp>
+        <p:nvSpPr>
+          <p:cNvPr id="2" name="Заголовок 1">
+            <a:extLst>
+              <a:ext uri="{FF2B5EF4-FFF2-40B4-BE49-F238E27FC236}">
                 <a16:creationId xmlns:a16="http://schemas.microsoft.com/office/drawing/2014/main" id="{0CC8844B-3343-4807-A353-7AAE5C1A9B93}"/>
               </a:ext>
             </a:extLst>
@@ -3715,7 +4137,7 @@
         <p:spPr>
           <a:xfrm>
             <a:off x="838200" y="1825625"/>
-            <a:ext cx="11000874" cy="4351338"/>
+            <a:ext cx="10427563" cy="4351338"/>
           </a:xfrm>
         </p:spPr>
         <p:txBody>
@@ -3939,7 +4361,9 @@
         </p:nvSpPr>
         <p:spPr/>
         <p:txBody>
-          <a:bodyPr/>
+          <a:bodyPr>
+            <a:normAutofit/>
+          </a:bodyPr>
           <a:lstStyle/>
           <a:p>
             <a:r>
@@ -3978,6 +4402,15 @@
             <a:r>
               <a:rPr lang="en-US" dirty="0"/>
               <a:t>Smart House will do your job!</a:t>
+            </a:r>
+          </a:p>
+          <a:p>
+            <a:endParaRPr lang="en-US" dirty="0"/>
+          </a:p>
+          <a:p>
+            <a:r>
+              <a:rPr lang="en-US" dirty="0"/>
+              <a:t>Target user group: Owner of a big house/flat</a:t>
             </a:r>
             <a:endParaRPr lang="ru-RU" dirty="0"/>
           </a:p>
@@ -4018,6 +4451,294 @@
           <p:cNvPr id="2" name="Заголовок 1">
             <a:extLst>
               <a:ext uri="{FF2B5EF4-FFF2-40B4-BE49-F238E27FC236}">
+                <a16:creationId xmlns:a16="http://schemas.microsoft.com/office/drawing/2014/main" id="{D9281E6A-7BD0-4330-B159-165552968F54}"/>
+              </a:ext>
+            </a:extLst>
+          </p:cNvPr>
+          <p:cNvSpPr>
+            <a:spLocks noGrp="1"/>
+          </p:cNvSpPr>
+          <p:nvPr>
+            <p:ph type="title"/>
+          </p:nvPr>
+        </p:nvSpPr>
+        <p:spPr/>
+        <p:txBody>
+          <a:bodyPr/>
+          <a:lstStyle/>
+          <a:p>
+            <a:r>
+              <a:rPr lang="en-US" dirty="0"/>
+              <a:t>Target personas. Student</a:t>
+            </a:r>
+            <a:endParaRPr lang="ru-RU" dirty="0"/>
+          </a:p>
+        </p:txBody>
+      </p:sp>
+      <p:sp>
+        <p:nvSpPr>
+          <p:cNvPr id="3" name="Объект 2">
+            <a:extLst>
+              <a:ext uri="{FF2B5EF4-FFF2-40B4-BE49-F238E27FC236}">
+                <a16:creationId xmlns:a16="http://schemas.microsoft.com/office/drawing/2014/main" id="{568D2B7E-5CF9-4233-BDA9-0B2B66EE3864}"/>
+              </a:ext>
+            </a:extLst>
+          </p:cNvPr>
+          <p:cNvSpPr>
+            <a:spLocks noGrp="1"/>
+          </p:cNvSpPr>
+          <p:nvPr>
+            <p:ph idx="1"/>
+          </p:nvPr>
+        </p:nvSpPr>
+        <p:spPr/>
+        <p:txBody>
+          <a:bodyPr>
+            <a:normAutofit fontScale="92500" lnSpcReduction="10000"/>
+          </a:bodyPr>
+          <a:lstStyle/>
+          <a:p>
+            <a:r>
+              <a:rPr lang="en-US" dirty="0"/>
+              <a:t>Age: 				22 - 23	</a:t>
+            </a:r>
+          </a:p>
+          <a:p>
+            <a:r>
+              <a:rPr lang="en-US" dirty="0"/>
+              <a:t>Activity: 			Master-student</a:t>
+            </a:r>
+          </a:p>
+          <a:p>
+            <a:r>
+              <a:rPr lang="en-US" dirty="0"/>
+              <a:t>Family:			Single</a:t>
+            </a:r>
+          </a:p>
+          <a:p>
+            <a:r>
+              <a:rPr lang="en-US" dirty="0"/>
+              <a:t>Place of living:			Dresden (private apartment)</a:t>
+            </a:r>
+          </a:p>
+          <a:p>
+            <a:r>
+              <a:rPr lang="en-US" dirty="0"/>
+              <a:t>Income:			0</a:t>
+            </a:r>
+          </a:p>
+          <a:p>
+            <a:r>
+              <a:rPr lang="en-US" dirty="0"/>
+              <a:t>Hobbies:			IT, Electronics</a:t>
+            </a:r>
+          </a:p>
+          <a:p>
+            <a:r>
+              <a:rPr lang="en-US" dirty="0"/>
+              <a:t>Internet activity:		Daily</a:t>
+            </a:r>
+          </a:p>
+          <a:p>
+            <a:r>
+              <a:rPr lang="en-US" dirty="0"/>
+              <a:t>Working experience:		Software Development</a:t>
+            </a:r>
+          </a:p>
+          <a:p>
+            <a:r>
+              <a:rPr lang="en-US" dirty="0"/>
+              <a:t>Daily tasks:			Studying, room cleaning, cooking, washing</a:t>
+            </a:r>
+          </a:p>
+          <a:p>
+            <a:r>
+              <a:rPr lang="en-US" dirty="0"/>
+              <a:t>Expectations:			Easy to use daily tasks automation tools</a:t>
+            </a:r>
+            <a:endParaRPr lang="ru-RU" dirty="0"/>
+          </a:p>
+        </p:txBody>
+      </p:sp>
+    </p:spTree>
+    <p:extLst>
+      <p:ext uri="{BB962C8B-B14F-4D97-AF65-F5344CB8AC3E}">
+        <p14:creationId xmlns:p14="http://schemas.microsoft.com/office/powerpoint/2010/main" val="3426066733"/>
+      </p:ext>
+    </p:extLst>
+  </p:cSld>
+  <p:clrMapOvr>
+    <a:masterClrMapping/>
+  </p:clrMapOvr>
+</p:sld>
+</file>
+
+<file path=ppt/slides/slide5.xml><?xml version="1.0" encoding="utf-8"?>
+<p:sld xmlns:a="http://schemas.openxmlformats.org/drawingml/2006/main" xmlns:r="http://schemas.openxmlformats.org/officeDocument/2006/relationships" xmlns:p="http://schemas.openxmlformats.org/presentationml/2006/main">
+  <p:cSld>
+    <p:spTree>
+      <p:nvGrpSpPr>
+        <p:cNvPr id="1" name=""/>
+        <p:cNvGrpSpPr/>
+        <p:nvPr/>
+      </p:nvGrpSpPr>
+      <p:grpSpPr>
+        <a:xfrm>
+          <a:off x="0" y="0"/>
+          <a:ext cx="0" cy="0"/>
+          <a:chOff x="0" y="0"/>
+          <a:chExt cx="0" cy="0"/>
+        </a:xfrm>
+      </p:grpSpPr>
+      <p:sp>
+        <p:nvSpPr>
+          <p:cNvPr id="2" name="Заголовок 1">
+            <a:extLst>
+              <a:ext uri="{FF2B5EF4-FFF2-40B4-BE49-F238E27FC236}">
+                <a16:creationId xmlns:a16="http://schemas.microsoft.com/office/drawing/2014/main" id="{D9281E6A-7BD0-4330-B159-165552968F54}"/>
+              </a:ext>
+            </a:extLst>
+          </p:cNvPr>
+          <p:cNvSpPr>
+            <a:spLocks noGrp="1"/>
+          </p:cNvSpPr>
+          <p:nvPr>
+            <p:ph type="title"/>
+          </p:nvPr>
+        </p:nvSpPr>
+        <p:spPr/>
+        <p:txBody>
+          <a:bodyPr/>
+          <a:lstStyle/>
+          <a:p>
+            <a:r>
+              <a:rPr lang="en-US" dirty="0"/>
+              <a:t>Target personas. Homeowner</a:t>
+            </a:r>
+            <a:endParaRPr lang="ru-RU" dirty="0"/>
+          </a:p>
+        </p:txBody>
+      </p:sp>
+      <p:sp>
+        <p:nvSpPr>
+          <p:cNvPr id="3" name="Объект 2">
+            <a:extLst>
+              <a:ext uri="{FF2B5EF4-FFF2-40B4-BE49-F238E27FC236}">
+                <a16:creationId xmlns:a16="http://schemas.microsoft.com/office/drawing/2014/main" id="{568D2B7E-5CF9-4233-BDA9-0B2B66EE3864}"/>
+              </a:ext>
+            </a:extLst>
+          </p:cNvPr>
+          <p:cNvSpPr>
+            <a:spLocks noGrp="1"/>
+          </p:cNvSpPr>
+          <p:nvPr>
+            <p:ph idx="1"/>
+          </p:nvPr>
+        </p:nvSpPr>
+        <p:spPr/>
+        <p:txBody>
+          <a:bodyPr>
+            <a:normAutofit fontScale="92500" lnSpcReduction="10000"/>
+          </a:bodyPr>
+          <a:lstStyle/>
+          <a:p>
+            <a:r>
+              <a:rPr lang="en-US" dirty="0"/>
+              <a:t>Age: 				45	</a:t>
+            </a:r>
+          </a:p>
+          <a:p>
+            <a:r>
+              <a:rPr lang="en-US" dirty="0"/>
+              <a:t>Activity: 			Senior Software Developer</a:t>
+            </a:r>
+          </a:p>
+          <a:p>
+            <a:r>
+              <a:rPr lang="en-US" dirty="0"/>
+              <a:t>Family:			Married</a:t>
+            </a:r>
+          </a:p>
+          <a:p>
+            <a:r>
+              <a:rPr lang="en-US" dirty="0"/>
+              <a:t>Place of living:			Dresden (private house)</a:t>
+            </a:r>
+          </a:p>
+          <a:p>
+            <a:r>
+              <a:rPr lang="en-US" dirty="0"/>
+              <a:t>Income:			60000 EUR per year</a:t>
+            </a:r>
+          </a:p>
+          <a:p>
+            <a:r>
+              <a:rPr lang="en-US" dirty="0"/>
+              <a:t>Hobbies:			IT, Electronics</a:t>
+            </a:r>
+          </a:p>
+          <a:p>
+            <a:r>
+              <a:rPr lang="en-US" dirty="0"/>
+              <a:t>Internet activity:		Daily</a:t>
+            </a:r>
+          </a:p>
+          <a:p>
+            <a:r>
+              <a:rPr lang="en-US" dirty="0"/>
+              <a:t>Working experience:		Software Design</a:t>
+            </a:r>
+          </a:p>
+          <a:p>
+            <a:r>
+              <a:rPr lang="en-US" dirty="0"/>
+              <a:t>Daily tasks:			Work, house keeping</a:t>
+            </a:r>
+          </a:p>
+          <a:p>
+            <a:r>
+              <a:rPr lang="en-US" dirty="0"/>
+              <a:t>Expectations:			Make daily tasks faster</a:t>
+            </a:r>
+            <a:endParaRPr lang="ru-RU" dirty="0"/>
+          </a:p>
+        </p:txBody>
+      </p:sp>
+    </p:spTree>
+    <p:extLst>
+      <p:ext uri="{BB962C8B-B14F-4D97-AF65-F5344CB8AC3E}">
+        <p14:creationId xmlns:p14="http://schemas.microsoft.com/office/powerpoint/2010/main" val="579660028"/>
+      </p:ext>
+    </p:extLst>
+  </p:cSld>
+  <p:clrMapOvr>
+    <a:masterClrMapping/>
+  </p:clrMapOvr>
+</p:sld>
+</file>
+
+<file path=ppt/slides/slide6.xml><?xml version="1.0" encoding="utf-8"?>
+<p:sld xmlns:a="http://schemas.openxmlformats.org/drawingml/2006/main" xmlns:r="http://schemas.openxmlformats.org/officeDocument/2006/relationships" xmlns:p="http://schemas.openxmlformats.org/presentationml/2006/main">
+  <p:cSld>
+    <p:spTree>
+      <p:nvGrpSpPr>
+        <p:cNvPr id="1" name=""/>
+        <p:cNvGrpSpPr/>
+        <p:nvPr/>
+      </p:nvGrpSpPr>
+      <p:grpSpPr>
+        <a:xfrm>
+          <a:off x="0" y="0"/>
+          <a:ext cx="0" cy="0"/>
+          <a:chOff x="0" y="0"/>
+          <a:chExt cx="0" cy="0"/>
+        </a:xfrm>
+      </p:grpSpPr>
+      <p:sp>
+        <p:nvSpPr>
+          <p:cNvPr id="2" name="Заголовок 1">
+            <a:extLst>
+              <a:ext uri="{FF2B5EF4-FFF2-40B4-BE49-F238E27FC236}">
                 <a16:creationId xmlns:a16="http://schemas.microsoft.com/office/drawing/2014/main" id="{1DF50A3A-A34E-4B94-9000-B239952310CF}"/>
               </a:ext>
             </a:extLst>
@@ -4065,21 +4786,38 @@
           <a:p>
             <a:r>
               <a:rPr lang="en-US" dirty="0"/>
-              <a:t>Remote control over electronic devices</a:t>
-            </a:r>
-          </a:p>
-          <a:p>
-            <a:r>
-              <a:rPr lang="en-US" dirty="0"/>
-              <a:t>Remote reading of sensors</a:t>
-            </a:r>
-          </a:p>
-          <a:p>
-            <a:r>
-              <a:rPr lang="en-US" dirty="0"/>
-              <a:t>User positioning and tracking to make everything automatic</a:t>
-            </a:r>
-            <a:endParaRPr lang="ru-RU" dirty="0"/>
+              <a:t>Light control</a:t>
+            </a:r>
+          </a:p>
+          <a:p>
+            <a:r>
+              <a:rPr lang="en-US" dirty="0"/>
+              <a:t>Reading Appliance state</a:t>
+            </a:r>
+          </a:p>
+          <a:p>
+            <a:r>
+              <a:rPr lang="en-US" dirty="0"/>
+              <a:t>Remote control of appliance</a:t>
+            </a:r>
+          </a:p>
+          <a:p>
+            <a:r>
+              <a:rPr lang="en-US" dirty="0"/>
+              <a:t>Automation scenarios</a:t>
+            </a:r>
+          </a:p>
+          <a:p>
+            <a:r>
+              <a:rPr lang="en-US" dirty="0"/>
+              <a:t>Authorization. Separation of roles</a:t>
+            </a:r>
+          </a:p>
+          <a:p>
+            <a:r>
+              <a:rPr lang="en-US" dirty="0"/>
+              <a:t>Reading sensor data</a:t>
+            </a:r>
           </a:p>
         </p:txBody>
       </p:sp>
@@ -4096,7 +4834,7 @@
 </p:sld>
 </file>
 
-<file path=ppt/slides/slide5.xml><?xml version="1.0" encoding="utf-8"?>
+<file path=ppt/slides/slide7.xml><?xml version="1.0" encoding="utf-8"?>
 <p:sld xmlns:a="http://schemas.openxmlformats.org/drawingml/2006/main" xmlns:r="http://schemas.openxmlformats.org/officeDocument/2006/relationships" xmlns:p="http://schemas.openxmlformats.org/presentationml/2006/main">
   <p:cSld>
     <p:spTree>
@@ -4170,7 +4908,7 @@
         </p:blipFill>
         <p:spPr>
           <a:xfrm>
-            <a:off x="1167374" y="1504184"/>
+            <a:off x="1167374" y="1894801"/>
             <a:ext cx="9857252" cy="3849632"/>
           </a:xfrm>
           <a:prstGeom prst="rect">
@@ -4191,7 +4929,91 @@
 </p:sld>
 </file>
 
-<file path=ppt/slides/slide6.xml><?xml version="1.0" encoding="utf-8"?>
+<file path=ppt/slides/slide8.xml><?xml version="1.0" encoding="utf-8"?>
+<p:sld xmlns:a="http://schemas.openxmlformats.org/drawingml/2006/main" xmlns:r="http://schemas.openxmlformats.org/officeDocument/2006/relationships" xmlns:p="http://schemas.openxmlformats.org/presentationml/2006/main">
+  <p:cSld>
+    <p:spTree>
+      <p:nvGrpSpPr>
+        <p:cNvPr id="1" name=""/>
+        <p:cNvGrpSpPr/>
+        <p:nvPr/>
+      </p:nvGrpSpPr>
+      <p:grpSpPr>
+        <a:xfrm>
+          <a:off x="0" y="0"/>
+          <a:ext cx="0" cy="0"/>
+          <a:chOff x="0" y="0"/>
+          <a:chExt cx="0" cy="0"/>
+        </a:xfrm>
+      </p:grpSpPr>
+      <p:sp>
+        <p:nvSpPr>
+          <p:cNvPr id="2" name="Заголовок 1">
+            <a:extLst>
+              <a:ext uri="{FF2B5EF4-FFF2-40B4-BE49-F238E27FC236}">
+                <a16:creationId xmlns:a16="http://schemas.microsoft.com/office/drawing/2014/main" id="{697D785D-509D-4C4D-9BAF-213C1A7FF7BA}"/>
+              </a:ext>
+            </a:extLst>
+          </p:cNvPr>
+          <p:cNvSpPr>
+            <a:spLocks noGrp="1"/>
+          </p:cNvSpPr>
+          <p:nvPr>
+            <p:ph type="title"/>
+          </p:nvPr>
+        </p:nvSpPr>
+        <p:spPr/>
+        <p:txBody>
+          <a:bodyPr/>
+          <a:lstStyle/>
+          <a:p>
+            <a:r>
+              <a:rPr lang="en-US" dirty="0"/>
+              <a:t>UI Mockup</a:t>
+            </a:r>
+            <a:endParaRPr lang="ru-RU" dirty="0"/>
+          </a:p>
+        </p:txBody>
+      </p:sp>
+      <p:sp>
+        <p:nvSpPr>
+          <p:cNvPr id="3" name="Объект 2">
+            <a:extLst>
+              <a:ext uri="{FF2B5EF4-FFF2-40B4-BE49-F238E27FC236}">
+                <a16:creationId xmlns:a16="http://schemas.microsoft.com/office/drawing/2014/main" id="{70173560-8B7B-4AD4-8BBE-5D44430C49E0}"/>
+              </a:ext>
+            </a:extLst>
+          </p:cNvPr>
+          <p:cNvSpPr>
+            <a:spLocks noGrp="1"/>
+          </p:cNvSpPr>
+          <p:nvPr>
+            <p:ph idx="1"/>
+          </p:nvPr>
+        </p:nvSpPr>
+        <p:spPr/>
+        <p:txBody>
+          <a:bodyPr/>
+          <a:lstStyle/>
+          <a:p>
+            <a:endParaRPr lang="ru-RU" dirty="0"/>
+          </a:p>
+        </p:txBody>
+      </p:sp>
+    </p:spTree>
+    <p:extLst>
+      <p:ext uri="{BB962C8B-B14F-4D97-AF65-F5344CB8AC3E}">
+        <p14:creationId xmlns:p14="http://schemas.microsoft.com/office/powerpoint/2010/main" val="1333672045"/>
+      </p:ext>
+    </p:extLst>
+  </p:cSld>
+  <p:clrMapOvr>
+    <a:masterClrMapping/>
+  </p:clrMapOvr>
+</p:sld>
+</file>
+
+<file path=ppt/slides/slide9.xml><?xml version="1.0" encoding="utf-8"?>
 <p:sld xmlns:a="http://schemas.openxmlformats.org/drawingml/2006/main" xmlns:r="http://schemas.openxmlformats.org/officeDocument/2006/relationships" xmlns:p="http://schemas.openxmlformats.org/presentationml/2006/main">
   <p:cSld>
     <p:spTree>
@@ -4265,7 +5087,7 @@
         </p:blipFill>
         <p:spPr>
           <a:xfrm>
-            <a:off x="1461506" y="1495040"/>
+            <a:off x="706904" y="2027700"/>
             <a:ext cx="10372096" cy="4328244"/>
           </a:xfrm>
           <a:prstGeom prst="rect">
@@ -4286,394 +5108,59 @@
 </p:sld>
 </file>
 
-<file path=ppt/slides/slide7.xml><?xml version="1.0" encoding="utf-8"?>
-<p:sld xmlns:a="http://schemas.openxmlformats.org/drawingml/2006/main" xmlns:r="http://schemas.openxmlformats.org/officeDocument/2006/relationships" xmlns:p="http://schemas.openxmlformats.org/presentationml/2006/main">
-  <p:cSld>
-    <p:spTree>
-      <p:nvGrpSpPr>
-        <p:cNvPr id="1" name=""/>
-        <p:cNvGrpSpPr/>
-        <p:nvPr/>
-      </p:nvGrpSpPr>
-      <p:grpSpPr>
-        <a:xfrm>
-          <a:off x="0" y="0"/>
-          <a:ext cx="0" cy="0"/>
-          <a:chOff x="0" y="0"/>
-          <a:chExt cx="0" cy="0"/>
-        </a:xfrm>
-      </p:grpSpPr>
-      <p:sp>
-        <p:nvSpPr>
-          <p:cNvPr id="2" name="Заголовок 1">
-            <a:extLst>
-              <a:ext uri="{FF2B5EF4-FFF2-40B4-BE49-F238E27FC236}">
-                <a16:creationId xmlns:a16="http://schemas.microsoft.com/office/drawing/2014/main" id="{22AFCDA6-A20C-4498-BDF8-3AA4348429DA}"/>
-              </a:ext>
-            </a:extLst>
-          </p:cNvPr>
-          <p:cNvSpPr>
-            <a:spLocks noGrp="1"/>
-          </p:cNvSpPr>
-          <p:nvPr>
-            <p:ph type="title"/>
-          </p:nvPr>
-        </p:nvSpPr>
-        <p:spPr/>
-        <p:txBody>
-          <a:bodyPr/>
-          <a:lstStyle/>
-          <a:p>
-            <a:r>
-              <a:rPr lang="en-US" dirty="0"/>
-              <a:t>Software Component Structure diagram</a:t>
-            </a:r>
-            <a:endParaRPr lang="ru-RU" dirty="0"/>
-          </a:p>
-        </p:txBody>
-      </p:sp>
-      <p:pic>
-        <p:nvPicPr>
-          <p:cNvPr id="6" name="Рисунок 5">
-            <a:extLst>
-              <a:ext uri="{FF2B5EF4-FFF2-40B4-BE49-F238E27FC236}">
-                <a16:creationId xmlns:a16="http://schemas.microsoft.com/office/drawing/2014/main" id="{133224EA-D135-44C3-A33B-DC1EA6295310}"/>
-              </a:ext>
-            </a:extLst>
-          </p:cNvPr>
-          <p:cNvPicPr>
-            <a:picLocks noChangeAspect="1"/>
-          </p:cNvPicPr>
-          <p:nvPr/>
-        </p:nvPicPr>
-        <p:blipFill>
-          <a:blip r:embed="rId2">
-            <a:extLst>
-              <a:ext uri="{28A0092B-C50C-407E-A947-70E740481C1C}">
-                <a14:useLocalDpi xmlns:a14="http://schemas.microsoft.com/office/drawing/2010/main" val="0"/>
-              </a:ext>
-            </a:extLst>
-          </a:blip>
-          <a:stretch>
-            <a:fillRect/>
-          </a:stretch>
-        </p:blipFill>
-        <p:spPr>
-          <a:xfrm>
-            <a:off x="371844" y="1564662"/>
-            <a:ext cx="11448311" cy="4562865"/>
-          </a:xfrm>
-          <a:prstGeom prst="rect">
-            <a:avLst/>
-          </a:prstGeom>
-        </p:spPr>
-      </p:pic>
-    </p:spTree>
-    <p:extLst>
-      <p:ext uri="{BB962C8B-B14F-4D97-AF65-F5344CB8AC3E}">
-        <p14:creationId xmlns:p14="http://schemas.microsoft.com/office/powerpoint/2010/main" val="1500360081"/>
-      </p:ext>
-    </p:extLst>
-  </p:cSld>
-  <p:clrMapOvr>
-    <a:masterClrMapping/>
-  </p:clrMapOvr>
-</p:sld>
-</file>
-
-<file path=ppt/slides/slide8.xml><?xml version="1.0" encoding="utf-8"?>
-<p:sld xmlns:a="http://schemas.openxmlformats.org/drawingml/2006/main" xmlns:r="http://schemas.openxmlformats.org/officeDocument/2006/relationships" xmlns:p="http://schemas.openxmlformats.org/presentationml/2006/main">
-  <p:cSld>
-    <p:spTree>
-      <p:nvGrpSpPr>
-        <p:cNvPr id="1" name=""/>
-        <p:cNvGrpSpPr/>
-        <p:nvPr/>
-      </p:nvGrpSpPr>
-      <p:grpSpPr>
-        <a:xfrm>
-          <a:off x="0" y="0"/>
-          <a:ext cx="0" cy="0"/>
-          <a:chOff x="0" y="0"/>
-          <a:chExt cx="0" cy="0"/>
-        </a:xfrm>
-      </p:grpSpPr>
-      <p:sp>
-        <p:nvSpPr>
-          <p:cNvPr id="2" name="Заголовок 1">
-            <a:extLst>
-              <a:ext uri="{FF2B5EF4-FFF2-40B4-BE49-F238E27FC236}">
-                <a16:creationId xmlns:a16="http://schemas.microsoft.com/office/drawing/2014/main" id="{15CE9454-1422-4AD6-81BC-E9F2F8F988C4}"/>
-              </a:ext>
-            </a:extLst>
-          </p:cNvPr>
-          <p:cNvSpPr>
-            <a:spLocks noGrp="1"/>
-          </p:cNvSpPr>
-          <p:nvPr>
-            <p:ph type="title"/>
-          </p:nvPr>
-        </p:nvSpPr>
-        <p:spPr/>
-        <p:txBody>
-          <a:bodyPr/>
-          <a:lstStyle/>
-          <a:p>
-            <a:r>
-              <a:rPr lang="en-US" dirty="0"/>
-              <a:t>Energy challenge</a:t>
-            </a:r>
-            <a:endParaRPr lang="ru-RU" dirty="0"/>
-          </a:p>
-        </p:txBody>
-      </p:sp>
-      <p:sp>
-        <p:nvSpPr>
-          <p:cNvPr id="3" name="Объект 2">
-            <a:extLst>
-              <a:ext uri="{FF2B5EF4-FFF2-40B4-BE49-F238E27FC236}">
-                <a16:creationId xmlns:a16="http://schemas.microsoft.com/office/drawing/2014/main" id="{32AE7C1A-5FBA-4033-9B23-06C788BDC87A}"/>
-              </a:ext>
-            </a:extLst>
-          </p:cNvPr>
-          <p:cNvSpPr>
-            <a:spLocks noGrp="1"/>
-          </p:cNvSpPr>
-          <p:nvPr>
-            <p:ph idx="1"/>
-          </p:nvPr>
-        </p:nvSpPr>
-        <p:spPr/>
-        <p:txBody>
-          <a:bodyPr/>
-          <a:lstStyle/>
-          <a:p>
-            <a:r>
-              <a:rPr lang="en-US" dirty="0"/>
-              <a:t>Mobile app must do as little work as possible. </a:t>
-            </a:r>
-          </a:p>
-          <a:p>
-            <a:r>
-              <a:rPr lang="en-US" dirty="0"/>
-              <a:t>All heavy jobs are the server's responsibility.</a:t>
-            </a:r>
-            <a:endParaRPr lang="ru-RU" dirty="0"/>
-          </a:p>
-        </p:txBody>
-      </p:sp>
-    </p:spTree>
-    <p:extLst>
-      <p:ext uri="{BB962C8B-B14F-4D97-AF65-F5344CB8AC3E}">
-        <p14:creationId xmlns:p14="http://schemas.microsoft.com/office/powerpoint/2010/main" val="2196675386"/>
-      </p:ext>
-    </p:extLst>
-  </p:cSld>
-  <p:clrMapOvr>
-    <a:masterClrMapping/>
-  </p:clrMapOvr>
-</p:sld>
-</file>
-
-<file path=ppt/slides/slide9.xml><?xml version="1.0" encoding="utf-8"?>
-<p:sld xmlns:a="http://schemas.openxmlformats.org/drawingml/2006/main" xmlns:r="http://schemas.openxmlformats.org/officeDocument/2006/relationships" xmlns:p="http://schemas.openxmlformats.org/presentationml/2006/main">
-  <p:cSld>
-    <p:spTree>
-      <p:nvGrpSpPr>
-        <p:cNvPr id="1" name=""/>
-        <p:cNvGrpSpPr/>
-        <p:nvPr/>
-      </p:nvGrpSpPr>
-      <p:grpSpPr>
-        <a:xfrm>
-          <a:off x="0" y="0"/>
-          <a:ext cx="0" cy="0"/>
-          <a:chOff x="0" y="0"/>
-          <a:chExt cx="0" cy="0"/>
-        </a:xfrm>
-      </p:grpSpPr>
-      <p:sp>
-        <p:nvSpPr>
-          <p:cNvPr id="2" name="Заголовок 1">
-            <a:extLst>
-              <a:ext uri="{FF2B5EF4-FFF2-40B4-BE49-F238E27FC236}">
-                <a16:creationId xmlns:a16="http://schemas.microsoft.com/office/drawing/2014/main" id="{D0A93270-56D0-49FF-8B6B-89F6E3835B08}"/>
-              </a:ext>
-            </a:extLst>
-          </p:cNvPr>
-          <p:cNvSpPr>
-            <a:spLocks noGrp="1"/>
-          </p:cNvSpPr>
-          <p:nvPr>
-            <p:ph type="title"/>
-          </p:nvPr>
-        </p:nvSpPr>
-        <p:spPr/>
-        <p:txBody>
-          <a:bodyPr/>
-          <a:lstStyle/>
-          <a:p>
-            <a:r>
-              <a:rPr lang="en-US" dirty="0"/>
-              <a:t>Offline Challenge</a:t>
-            </a:r>
-            <a:endParaRPr lang="ru-RU" dirty="0"/>
-          </a:p>
-        </p:txBody>
-      </p:sp>
-      <p:sp>
-        <p:nvSpPr>
-          <p:cNvPr id="3" name="Объект 2">
-            <a:extLst>
-              <a:ext uri="{FF2B5EF4-FFF2-40B4-BE49-F238E27FC236}">
-                <a16:creationId xmlns:a16="http://schemas.microsoft.com/office/drawing/2014/main" id="{5E358ABF-5944-4A71-B065-1B4EFC91DE0D}"/>
-              </a:ext>
-            </a:extLst>
-          </p:cNvPr>
-          <p:cNvSpPr>
-            <a:spLocks noGrp="1"/>
-          </p:cNvSpPr>
-          <p:nvPr>
-            <p:ph idx="1"/>
-          </p:nvPr>
-        </p:nvSpPr>
-        <p:spPr/>
-        <p:txBody>
-          <a:bodyPr/>
-          <a:lstStyle/>
-          <a:p>
-            <a:r>
-              <a:rPr lang="en-US" dirty="0"/>
-              <a:t>Client application can store the apartment layout locally.</a:t>
-            </a:r>
-          </a:p>
-          <a:p>
-            <a:r>
-              <a:rPr lang="en-US" dirty="0"/>
-              <a:t>Client application can cache last state of switches or sensors.</a:t>
-            </a:r>
-            <a:endParaRPr lang="ru-RU" dirty="0"/>
-          </a:p>
-        </p:txBody>
-      </p:sp>
-    </p:spTree>
-    <p:extLst>
-      <p:ext uri="{BB962C8B-B14F-4D97-AF65-F5344CB8AC3E}">
-        <p14:creationId xmlns:p14="http://schemas.microsoft.com/office/powerpoint/2010/main" val="1152507114"/>
-      </p:ext>
-    </p:extLst>
-  </p:cSld>
-  <p:clrMapOvr>
-    <a:masterClrMapping/>
-  </p:clrMapOvr>
-</p:sld>
-</file>
-
 <file path=ppt/theme/theme1.xml><?xml version="1.0" encoding="utf-8"?>
-<a:theme xmlns:a="http://schemas.openxmlformats.org/drawingml/2006/main" name="Тема Office">
+<a:theme xmlns:a="http://schemas.openxmlformats.org/drawingml/2006/main" name="Вид">
   <a:themeElements>
-    <a:clrScheme name="Стандартная">
+    <a:clrScheme name="Вид">
       <a:dk1>
-        <a:sysClr val="windowText" lastClr="000000"/>
+        <a:srgbClr val="000000"/>
       </a:dk1>
       <a:lt1>
-        <a:sysClr val="window" lastClr="FFFFFF"/>
+        <a:srgbClr val="FFFFFF"/>
       </a:lt1>
       <a:dk2>
-        <a:srgbClr val="44546A"/>
+        <a:srgbClr val="46464A"/>
       </a:dk2>
       <a:lt2>
-        <a:srgbClr val="E7E6E6"/>
+        <a:srgbClr val="D6D3CC"/>
       </a:lt2>
       <a:accent1>
-        <a:srgbClr val="4472C4"/>
+        <a:srgbClr val="6F6F74"/>
       </a:accent1>
       <a:accent2>
-        <a:srgbClr val="ED7D31"/>
+        <a:srgbClr val="92A9B9"/>
       </a:accent2>
       <a:accent3>
-        <a:srgbClr val="A5A5A5"/>
+        <a:srgbClr val="A7B789"/>
       </a:accent3>
       <a:accent4>
-        <a:srgbClr val="FFC000"/>
+        <a:srgbClr val="B9A489"/>
       </a:accent4>
       <a:accent5>
-        <a:srgbClr val="5B9BD5"/>
+        <a:srgbClr val="8D6374"/>
       </a:accent5>
       <a:accent6>
-        <a:srgbClr val="70AD47"/>
+        <a:srgbClr val="9B7362"/>
       </a:accent6>
       <a:hlink>
-        <a:srgbClr val="0563C1"/>
+        <a:srgbClr val="67AABF"/>
       </a:hlink>
       <a:folHlink>
-        <a:srgbClr val="954F72"/>
+        <a:srgbClr val="ABAFA5"/>
       </a:folHlink>
     </a:clrScheme>
-    <a:fontScheme name="Стандартная">
+    <a:fontScheme name="Вид">
       <a:majorFont>
-        <a:latin typeface="Calibri Light" panose="020F0302020204030204"/>
+        <a:latin typeface="Century Schoolbook" panose="02040604050505020304"/>
         <a:ea typeface=""/>
         <a:cs typeface=""/>
-        <a:font script="Jpan" typeface="游ゴシック Light"/>
+        <a:font script="Jpan" typeface="ＭＳ ゴシック"/>
         <a:font script="Hang" typeface="맑은 고딕"/>
-        <a:font script="Hans" typeface="等线 Light"/>
+        <a:font script="Hans" typeface="宋体"/>
         <a:font script="Hant" typeface="新細明體"/>
-        <a:font script="Arab" typeface="Times New Roman"/>
-        <a:font script="Hebr" typeface="Times New Roman"/>
-        <a:font script="Thai" typeface="Angsana New"/>
-        <a:font script="Ethi" typeface="Nyala"/>
-        <a:font script="Beng" typeface="Vrinda"/>
-        <a:font script="Gujr" typeface="Shruti"/>
-        <a:font script="Khmr" typeface="MoolBoran"/>
-        <a:font script="Knda" typeface="Tunga"/>
-        <a:font script="Guru" typeface="Raavi"/>
-        <a:font script="Cans" typeface="Euphemia"/>
-        <a:font script="Cher" typeface="Plantagenet Cherokee"/>
-        <a:font script="Yiii" typeface="Microsoft Yi Baiti"/>
-        <a:font script="Tibt" typeface="Microsoft Himalaya"/>
-        <a:font script="Thaa" typeface="MV Boli"/>
-        <a:font script="Deva" typeface="Mangal"/>
-        <a:font script="Telu" typeface="Gautami"/>
-        <a:font script="Taml" typeface="Latha"/>
-        <a:font script="Syrc" typeface="Estrangelo Edessa"/>
-        <a:font script="Orya" typeface="Kalinga"/>
-        <a:font script="Mlym" typeface="Kartika"/>
-        <a:font script="Laoo" typeface="DokChampa"/>
-        <a:font script="Sinh" typeface="Iskoola Pota"/>
-        <a:font script="Mong" typeface="Mongolian Baiti"/>
-        <a:font script="Viet" typeface="Times New Roman"/>
-        <a:font script="Uigh" typeface="Microsoft Uighur"/>
-        <a:font script="Geor" typeface="Sylfaen"/>
-        <a:font script="Armn" typeface="Arial"/>
-        <a:font script="Bugi" typeface="Leelawadee UI"/>
-        <a:font script="Bopo" typeface="Microsoft JhengHei"/>
-        <a:font script="Java" typeface="Javanese Text"/>
-        <a:font script="Lisu" typeface="Segoe UI"/>
-        <a:font script="Mymr" typeface="Myanmar Text"/>
-        <a:font script="Nkoo" typeface="Ebrima"/>
-        <a:font script="Olck" typeface="Nirmala UI"/>
-        <a:font script="Osma" typeface="Ebrima"/>
-        <a:font script="Phag" typeface="Phagspa"/>
-        <a:font script="Syrn" typeface="Estrangelo Edessa"/>
-        <a:font script="Syrj" typeface="Estrangelo Edessa"/>
-        <a:font script="Syre" typeface="Estrangelo Edessa"/>
-        <a:font script="Sora" typeface="Nirmala UI"/>
-        <a:font script="Tale" typeface="Microsoft Tai Le"/>
-        <a:font script="Talu" typeface="Microsoft New Tai Lue"/>
-        <a:font script="Tfng" typeface="Ebrima"/>
-      </a:majorFont>
-      <a:minorFont>
-        <a:latin typeface="Calibri" panose="020F0502020204030204"/>
-        <a:ea typeface=""/>
-        <a:cs typeface=""/>
-        <a:font script="Jpan" typeface="游ゴシック"/>
-        <a:font script="Hang" typeface="맑은 고딕"/>
-        <a:font script="Hans" typeface="等线"/>
-        <a:font script="Hant" typeface="新細明體"/>
-        <a:font script="Arab" typeface="Arial"/>
-        <a:font script="Hebr" typeface="Arial"/>
-        <a:font script="Thai" typeface="Cordia New"/>
+        <a:font script="Arab" typeface="Tahoma"/>
+        <a:font script="Hebr" typeface="Gisha"/>
+        <a:font script="Thai" typeface="DilleniaUPC"/>
         <a:font script="Ethi" typeface="Nyala"/>
         <a:font script="Beng" typeface="Vrinda"/>
         <a:font script="Gujr" typeface="Shruti"/>
@@ -4694,107 +5181,86 @@
         <a:font script="Laoo" typeface="DokChampa"/>
         <a:font script="Sinh" typeface="Iskoola Pota"/>
         <a:font script="Mong" typeface="Mongolian Baiti"/>
-        <a:font script="Viet" typeface="Arial"/>
+        <a:font script="Viet" typeface="Tahoma"/>
         <a:font script="Uigh" typeface="Microsoft Uighur"/>
         <a:font script="Geor" typeface="Sylfaen"/>
-        <a:font script="Armn" typeface="Arial"/>
-        <a:font script="Bugi" typeface="Leelawadee UI"/>
-        <a:font script="Bopo" typeface="Microsoft JhengHei"/>
-        <a:font script="Java" typeface="Javanese Text"/>
-        <a:font script="Lisu" typeface="Segoe UI"/>
-        <a:font script="Mymr" typeface="Myanmar Text"/>
-        <a:font script="Nkoo" typeface="Ebrima"/>
-        <a:font script="Olck" typeface="Nirmala UI"/>
-        <a:font script="Osma" typeface="Ebrima"/>
-        <a:font script="Phag" typeface="Phagspa"/>
-        <a:font script="Syrn" typeface="Estrangelo Edessa"/>
-        <a:font script="Syrj" typeface="Estrangelo Edessa"/>
-        <a:font script="Syre" typeface="Estrangelo Edessa"/>
-        <a:font script="Sora" typeface="Nirmala UI"/>
-        <a:font script="Tale" typeface="Microsoft Tai Le"/>
-        <a:font script="Talu" typeface="Microsoft New Tai Lue"/>
-        <a:font script="Tfng" typeface="Ebrima"/>
+      </a:majorFont>
+      <a:minorFont>
+        <a:latin typeface="Century Schoolbook" panose="02040604050505020304"/>
+        <a:ea typeface=""/>
+        <a:cs typeface=""/>
+        <a:font script="Jpan" typeface="ＭＳ ゴシック"/>
+        <a:font script="Hang" typeface="맑은 고딕"/>
+        <a:font script="Hans" typeface="宋体"/>
+        <a:font script="Hant" typeface="新細明體"/>
+        <a:font script="Arab" typeface="Tahoma"/>
+        <a:font script="Hebr" typeface="Gisha"/>
+        <a:font script="Thai" typeface="DilleniaUPC"/>
+        <a:font script="Ethi" typeface="Nyala"/>
+        <a:font script="Beng" typeface="Vrinda"/>
+        <a:font script="Gujr" typeface="Shruti"/>
+        <a:font script="Khmr" typeface="DaunPenh"/>
+        <a:font script="Knda" typeface="Tunga"/>
+        <a:font script="Guru" typeface="Raavi"/>
+        <a:font script="Cans" typeface="Euphemia"/>
+        <a:font script="Cher" typeface="Plantagenet Cherokee"/>
+        <a:font script="Yiii" typeface="Microsoft Yi Baiti"/>
+        <a:font script="Tibt" typeface="Microsoft Himalaya"/>
+        <a:font script="Thaa" typeface="MV Boli"/>
+        <a:font script="Deva" typeface="Mangal"/>
+        <a:font script="Telu" typeface="Gautami"/>
+        <a:font script="Taml" typeface="Latha"/>
+        <a:font script="Syrc" typeface="Estrangelo Edessa"/>
+        <a:font script="Orya" typeface="Kalinga"/>
+        <a:font script="Mlym" typeface="Kartika"/>
+        <a:font script="Laoo" typeface="DokChampa"/>
+        <a:font script="Sinh" typeface="Iskoola Pota"/>
+        <a:font script="Mong" typeface="Mongolian Baiti"/>
+        <a:font script="Viet" typeface="Verdana"/>
+        <a:font script="Uigh" typeface="Microsoft Uighur"/>
+        <a:font script="Geor" typeface="Sylfaen"/>
       </a:minorFont>
     </a:fontScheme>
-    <a:fmtScheme name="Стандартная">
+    <a:fmtScheme name="Вид">
       <a:fillStyleLst>
         <a:solidFill>
           <a:schemeClr val="phClr"/>
         </a:solidFill>
-        <a:gradFill rotWithShape="1">
-          <a:gsLst>
-            <a:gs pos="0">
-              <a:schemeClr val="phClr">
-                <a:lumMod val="110000"/>
-                <a:satMod val="105000"/>
-                <a:tint val="67000"/>
-              </a:schemeClr>
-            </a:gs>
-            <a:gs pos="50000">
-              <a:schemeClr val="phClr">
-                <a:lumMod val="105000"/>
-                <a:satMod val="103000"/>
-                <a:tint val="73000"/>
-              </a:schemeClr>
-            </a:gs>
-            <a:gs pos="100000">
-              <a:schemeClr val="phClr">
-                <a:lumMod val="105000"/>
-                <a:satMod val="109000"/>
-                <a:tint val="81000"/>
-              </a:schemeClr>
-            </a:gs>
-          </a:gsLst>
-          <a:lin ang="5400000" scaled="0"/>
-        </a:gradFill>
-        <a:gradFill rotWithShape="1">
-          <a:gsLst>
-            <a:gs pos="0">
-              <a:schemeClr val="phClr">
-                <a:satMod val="103000"/>
-                <a:lumMod val="102000"/>
-                <a:tint val="94000"/>
-              </a:schemeClr>
-            </a:gs>
-            <a:gs pos="50000">
-              <a:schemeClr val="phClr">
-                <a:satMod val="110000"/>
-                <a:lumMod val="100000"/>
-                <a:shade val="100000"/>
-              </a:schemeClr>
-            </a:gs>
-            <a:gs pos="100000">
-              <a:schemeClr val="phClr">
-                <a:lumMod val="99000"/>
-                <a:satMod val="120000"/>
-                <a:shade val="78000"/>
-              </a:schemeClr>
-            </a:gs>
-          </a:gsLst>
-          <a:lin ang="5400000" scaled="0"/>
-        </a:gradFill>
+        <a:solidFill>
+          <a:schemeClr val="phClr">
+            <a:tint val="60000"/>
+            <a:satMod val="120000"/>
+          </a:schemeClr>
+        </a:solidFill>
+        <a:solidFill>
+          <a:schemeClr val="phClr">
+            <a:shade val="75000"/>
+            <a:satMod val="160000"/>
+          </a:schemeClr>
+        </a:solidFill>
       </a:fillStyleLst>
       <a:lnStyleLst>
-        <a:ln w="6350" cap="flat" cmpd="sng" algn="ctr">
+        <a:ln w="9525" cap="flat" cmpd="sng" algn="ctr">
           <a:solidFill>
             <a:schemeClr val="phClr"/>
           </a:solidFill>
           <a:prstDash val="solid"/>
-          <a:miter lim="800000"/>
         </a:ln>
-        <a:ln w="12700" cap="flat" cmpd="sng" algn="ctr">
+        <a:ln w="13970" cap="flat" cmpd="sng" algn="ctr">
           <a:solidFill>
             <a:schemeClr val="phClr"/>
           </a:solidFill>
           <a:prstDash val="solid"/>
-          <a:miter lim="800000"/>
         </a:ln>
-        <a:ln w="19050" cap="flat" cmpd="sng" algn="ctr">
+        <a:ln w="17145" cap="flat" cmpd="sng" algn="ctr">
           <a:solidFill>
-            <a:schemeClr val="phClr"/>
+            <a:schemeClr val="phClr">
+              <a:shade val="95000"/>
+              <a:alpha val="95000"/>
+              <a:satMod val="150000"/>
+            </a:schemeClr>
           </a:solidFill>
           <a:prstDash val="solid"/>
-          <a:miter lim="800000"/>
         </a:ln>
       </a:lnStyleLst>
       <a:effectStyleLst>
@@ -4802,16 +5268,52 @@
           <a:effectLst/>
         </a:effectStyle>
         <a:effectStyle>
-          <a:effectLst/>
+          <a:effectLst>
+            <a:outerShdw blurRad="50800" dist="15240" dir="5400000" algn="tl" rotWithShape="0">
+              <a:srgbClr val="000000">
+                <a:alpha val="75000"/>
+              </a:srgbClr>
+            </a:outerShdw>
+          </a:effectLst>
+          <a:scene3d>
+            <a:camera prst="orthographicFront">
+              <a:rot lat="0" lon="0" rev="0"/>
+            </a:camera>
+            <a:lightRig rig="brightRoom" dir="tl"/>
+          </a:scene3d>
+          <a:sp3d contourW="9525" prstMaterial="flat">
+            <a:bevelT w="0" h="0" prst="coolSlant"/>
+            <a:contourClr>
+              <a:schemeClr val="phClr">
+                <a:shade val="35000"/>
+                <a:satMod val="130000"/>
+              </a:schemeClr>
+            </a:contourClr>
+          </a:sp3d>
         </a:effectStyle>
         <a:effectStyle>
           <a:effectLst>
-            <a:outerShdw blurRad="57150" dist="19050" dir="5400000" algn="ctr" rotWithShape="0">
+            <a:outerShdw blurRad="76200" dist="25400" dir="5400000" algn="tl" rotWithShape="0">
               <a:srgbClr val="000000">
-                <a:alpha val="63000"/>
+                <a:alpha val="55000"/>
               </a:srgbClr>
             </a:outerShdw>
           </a:effectLst>
+          <a:scene3d>
+            <a:camera prst="orthographicFront">
+              <a:rot lat="0" lon="0" rev="0"/>
+            </a:camera>
+            <a:lightRig rig="brightRoom" dir="tl"/>
+          </a:scene3d>
+          <a:sp3d contourW="19050" prstMaterial="flat">
+            <a:bevelT w="0" h="0" prst="coolSlant"/>
+            <a:contourClr>
+              <a:schemeClr val="phClr">
+                <a:shade val="25000"/>
+                <a:satMod val="140000"/>
+              </a:schemeClr>
+            </a:contourClr>
+          </a:sp3d>
         </a:effectStyle>
       </a:effectStyleLst>
       <a:bgFillStyleLst>
@@ -4828,28 +5330,23 @@
           <a:gsLst>
             <a:gs pos="0">
               <a:schemeClr val="phClr">
-                <a:tint val="93000"/>
-                <a:satMod val="150000"/>
+                <a:tint val="94000"/>
                 <a:shade val="98000"/>
+                <a:satMod val="130000"/>
                 <a:lumMod val="102000"/>
-              </a:schemeClr>
-            </a:gs>
-            <a:gs pos="50000">
-              <a:schemeClr val="phClr">
-                <a:tint val="98000"/>
-                <a:satMod val="130000"/>
-                <a:shade val="90000"/>
-                <a:lumMod val="103000"/>
               </a:schemeClr>
             </a:gs>
             <a:gs pos="100000">
               <a:schemeClr val="phClr">
-                <a:shade val="63000"/>
-                <a:satMod val="120000"/>
+                <a:tint val="98000"/>
+                <a:shade val="78000"/>
+                <a:satMod val="140000"/>
               </a:schemeClr>
             </a:gs>
           </a:gsLst>
-          <a:lin ang="5400000" scaled="0"/>
+          <a:path path="circle">
+            <a:fillToRect l="100000" t="100000" r="100000" b="100000"/>
+          </a:path>
         </a:gradFill>
       </a:bgFillStyleLst>
     </a:fmtScheme>
@@ -4858,7 +5355,7 @@
   <a:extraClrSchemeLst/>
   <a:extLst>
     <a:ext uri="{05A4C25C-085E-4340-85A3-A5531E510DB2}">
-      <thm15:themeFamily xmlns:thm15="http://schemas.microsoft.com/office/thememl/2012/main" name="Office Theme" id="{62F939B6-93AF-4DB8-9C6B-D6C7DFDC589F}" vid="{4A3C46E8-61CC-4603-A589-7422A47A8E4A}"/>
+      <thm15:themeFamily xmlns:thm15="http://schemas.microsoft.com/office/thememl/2012/main" name="View" id="{BA0EB5A6-F2D4-4F82-977B-64ADEE4A2A69}" vid="{3969A8A2-35DB-4E3B-8885-16FD20568674}"/>
     </a:ext>
   </a:extLst>
 </a:theme>

--- a/Documentation/App idea.pptx
+++ b/Documentation/App idea.pptx
@@ -317,7 +317,7 @@
           <a:p>
             <a:fld id="{6D7BF124-89DF-4EBC-BCA2-D0D0B8B9CCE7}" type="datetimeFigureOut">
               <a:rPr lang="ru-RU" smtClean="0"/>
-              <a:t>17.11.2021</a:t>
+              <a:t>18.11.2021</a:t>
             </a:fld>
             <a:endParaRPr lang="ru-RU"/>
           </a:p>
@@ -545,7 +545,7 @@
           <a:p>
             <a:fld id="{6D7BF124-89DF-4EBC-BCA2-D0D0B8B9CCE7}" type="datetimeFigureOut">
               <a:rPr lang="ru-RU" smtClean="0"/>
-              <a:t>17.11.2021</a:t>
+              <a:t>18.11.2021</a:t>
             </a:fld>
             <a:endParaRPr lang="ru-RU"/>
           </a:p>
@@ -725,7 +725,7 @@
           <a:p>
             <a:fld id="{6D7BF124-89DF-4EBC-BCA2-D0D0B8B9CCE7}" type="datetimeFigureOut">
               <a:rPr lang="ru-RU" smtClean="0"/>
-              <a:t>17.11.2021</a:t>
+              <a:t>18.11.2021</a:t>
             </a:fld>
             <a:endParaRPr lang="ru-RU"/>
           </a:p>
@@ -895,7 +895,7 @@
           <a:p>
             <a:fld id="{6D7BF124-89DF-4EBC-BCA2-D0D0B8B9CCE7}" type="datetimeFigureOut">
               <a:rPr lang="ru-RU" smtClean="0"/>
-              <a:t>17.11.2021</a:t>
+              <a:t>18.11.2021</a:t>
             </a:fld>
             <a:endParaRPr lang="ru-RU"/>
           </a:p>
@@ -1149,7 +1149,7 @@
           <a:p>
             <a:fld id="{6D7BF124-89DF-4EBC-BCA2-D0D0B8B9CCE7}" type="datetimeFigureOut">
               <a:rPr lang="ru-RU" smtClean="0"/>
-              <a:t>17.11.2021</a:t>
+              <a:t>18.11.2021</a:t>
             </a:fld>
             <a:endParaRPr lang="ru-RU"/>
           </a:p>
@@ -1475,7 +1475,7 @@
           <a:p>
             <a:fld id="{6D7BF124-89DF-4EBC-BCA2-D0D0B8B9CCE7}" type="datetimeFigureOut">
               <a:rPr lang="ru-RU" smtClean="0"/>
-              <a:t>17.11.2021</a:t>
+              <a:t>18.11.2021</a:t>
             </a:fld>
             <a:endParaRPr lang="ru-RU"/>
           </a:p>
@@ -1926,7 +1926,7 @@
           <a:p>
             <a:fld id="{6D7BF124-89DF-4EBC-BCA2-D0D0B8B9CCE7}" type="datetimeFigureOut">
               <a:rPr lang="ru-RU" smtClean="0"/>
-              <a:t>17.11.2021</a:t>
+              <a:t>18.11.2021</a:t>
             </a:fld>
             <a:endParaRPr lang="ru-RU"/>
           </a:p>
@@ -2044,7 +2044,7 @@
           <a:p>
             <a:fld id="{6D7BF124-89DF-4EBC-BCA2-D0D0B8B9CCE7}" type="datetimeFigureOut">
               <a:rPr lang="ru-RU" smtClean="0"/>
-              <a:t>17.11.2021</a:t>
+              <a:t>18.11.2021</a:t>
             </a:fld>
             <a:endParaRPr lang="ru-RU"/>
           </a:p>
@@ -2139,7 +2139,7 @@
           <a:p>
             <a:fld id="{6D7BF124-89DF-4EBC-BCA2-D0D0B8B9CCE7}" type="datetimeFigureOut">
               <a:rPr lang="ru-RU" smtClean="0"/>
-              <a:t>17.11.2021</a:t>
+              <a:t>18.11.2021</a:t>
             </a:fld>
             <a:endParaRPr lang="ru-RU"/>
           </a:p>
@@ -2426,7 +2426,7 @@
           <a:p>
             <a:fld id="{6D7BF124-89DF-4EBC-BCA2-D0D0B8B9CCE7}" type="datetimeFigureOut">
               <a:rPr lang="ru-RU" smtClean="0"/>
-              <a:t>17.11.2021</a:t>
+              <a:t>18.11.2021</a:t>
             </a:fld>
             <a:endParaRPr lang="ru-RU"/>
           </a:p>
@@ -2748,7 +2748,7 @@
           <a:p>
             <a:fld id="{6D7BF124-89DF-4EBC-BCA2-D0D0B8B9CCE7}" type="datetimeFigureOut">
               <a:rPr lang="ru-RU" smtClean="0"/>
-              <a:t>17.11.2021</a:t>
+              <a:t>18.11.2021</a:t>
             </a:fld>
             <a:endParaRPr lang="ru-RU"/>
           </a:p>
@@ -3002,7 +3002,7 @@
           <a:p>
             <a:fld id="{6D7BF124-89DF-4EBC-BCA2-D0D0B8B9CCE7}" type="datetimeFigureOut">
               <a:rPr lang="ru-RU" smtClean="0"/>
-              <a:t>17.11.2021</a:t>
+              <a:t>18.11.2021</a:t>
             </a:fld>
             <a:endParaRPr lang="ru-RU"/>
           </a:p>
@@ -4975,15 +4975,75 @@
           </a:p>
         </p:txBody>
       </p:sp>
-      <p:sp>
-        <p:nvSpPr>
-          <p:cNvPr id="3" name="Объект 2">
+      <p:pic>
+        <p:nvPicPr>
+          <p:cNvPr id="9" name="Рисунок 8">
             <a:extLst>
               <a:ext uri="{FF2B5EF4-FFF2-40B4-BE49-F238E27FC236}">
-                <a16:creationId xmlns:a16="http://schemas.microsoft.com/office/drawing/2014/main" id="{70173560-8B7B-4AD4-8BBE-5D44430C49E0}"/>
+                <a16:creationId xmlns:a16="http://schemas.microsoft.com/office/drawing/2014/main" id="{CEC31EC9-764F-484E-91C5-5DC974C93471}"/>
               </a:ext>
             </a:extLst>
           </p:cNvPr>
+          <p:cNvPicPr>
+            <a:picLocks noChangeAspect="1"/>
+          </p:cNvPicPr>
+          <p:nvPr/>
+        </p:nvPicPr>
+        <p:blipFill>
+          <a:blip r:embed="rId2"/>
+          <a:stretch>
+            <a:fillRect/>
+          </a:stretch>
+        </p:blipFill>
+        <p:spPr>
+          <a:xfrm>
+            <a:off x="1567681" y="1691322"/>
+            <a:ext cx="2220800" cy="4767538"/>
+          </a:xfrm>
+          <a:prstGeom prst="rect">
+            <a:avLst/>
+          </a:prstGeom>
+        </p:spPr>
+      </p:pic>
+      <p:pic>
+        <p:nvPicPr>
+          <p:cNvPr id="11" name="Рисунок 10">
+            <a:extLst>
+              <a:ext uri="{FF2B5EF4-FFF2-40B4-BE49-F238E27FC236}">
+                <a16:creationId xmlns:a16="http://schemas.microsoft.com/office/drawing/2014/main" id="{A1F879A0-E625-466E-887A-67C4581D830F}"/>
+              </a:ext>
+            </a:extLst>
+          </p:cNvPr>
+          <p:cNvPicPr>
+            <a:picLocks noChangeAspect="1"/>
+          </p:cNvPicPr>
+          <p:nvPr/>
+        </p:nvPicPr>
+        <p:blipFill>
+          <a:blip r:embed="rId3"/>
+          <a:stretch>
+            <a:fillRect/>
+          </a:stretch>
+        </p:blipFill>
+        <p:spPr>
+          <a:xfrm>
+            <a:off x="7703492" y="1691322"/>
+            <a:ext cx="2236003" cy="4767538"/>
+          </a:xfrm>
+          <a:prstGeom prst="rect">
+            <a:avLst/>
+          </a:prstGeom>
+        </p:spPr>
+      </p:pic>
+      <p:sp>
+        <p:nvSpPr>
+          <p:cNvPr id="13" name="Объект 12">
+            <a:extLst>
+              <a:ext uri="{FF2B5EF4-FFF2-40B4-BE49-F238E27FC236}">
+                <a16:creationId xmlns:a16="http://schemas.microsoft.com/office/drawing/2014/main" id="{7B54EF11-B260-475A-80E9-3B87AFC723DC}"/>
+              </a:ext>
+            </a:extLst>
+          </p:cNvPr>
           <p:cNvSpPr>
             <a:spLocks noGrp="1"/>
           </p:cNvSpPr>
@@ -4996,10 +5056,40 @@
           <a:bodyPr/>
           <a:lstStyle/>
           <a:p>
-            <a:endParaRPr lang="ru-RU" dirty="0"/>
-          </a:p>
-        </p:txBody>
-      </p:sp>
+            <a:endParaRPr lang="ru-RU"/>
+          </a:p>
+        </p:txBody>
+      </p:sp>
+      <p:pic>
+        <p:nvPicPr>
+          <p:cNvPr id="15" name="Рисунок 14">
+            <a:extLst>
+              <a:ext uri="{FF2B5EF4-FFF2-40B4-BE49-F238E27FC236}">
+                <a16:creationId xmlns:a16="http://schemas.microsoft.com/office/drawing/2014/main" id="{421B699F-AF00-48FA-967B-D94452D2BC7E}"/>
+              </a:ext>
+            </a:extLst>
+          </p:cNvPr>
+          <p:cNvPicPr>
+            <a:picLocks noChangeAspect="1"/>
+          </p:cNvPicPr>
+          <p:nvPr/>
+        </p:nvPicPr>
+        <p:blipFill>
+          <a:blip r:embed="rId4"/>
+          <a:stretch>
+            <a:fillRect/>
+          </a:stretch>
+        </p:blipFill>
+        <p:spPr>
+          <a:xfrm>
+            <a:off x="4627985" y="1691322"/>
+            <a:ext cx="2236003" cy="4872906"/>
+          </a:xfrm>
+          <a:prstGeom prst="rect">
+            <a:avLst/>
+          </a:prstGeom>
+        </p:spPr>
+      </p:pic>
     </p:spTree>
     <p:extLst>
       <p:ext uri="{BB962C8B-B14F-4D97-AF65-F5344CB8AC3E}">

--- a/Documentation/App idea.pptx
+++ b/Documentation/App idea.pptx
@@ -317,7 +317,7 @@
           <a:p>
             <a:fld id="{6D7BF124-89DF-4EBC-BCA2-D0D0B8B9CCE7}" type="datetimeFigureOut">
               <a:rPr lang="ru-RU" smtClean="0"/>
-              <a:t>18.11.2021</a:t>
+              <a:t>19.11.2021</a:t>
             </a:fld>
             <a:endParaRPr lang="ru-RU"/>
           </a:p>
@@ -545,7 +545,7 @@
           <a:p>
             <a:fld id="{6D7BF124-89DF-4EBC-BCA2-D0D0B8B9CCE7}" type="datetimeFigureOut">
               <a:rPr lang="ru-RU" smtClean="0"/>
-              <a:t>18.11.2021</a:t>
+              <a:t>19.11.2021</a:t>
             </a:fld>
             <a:endParaRPr lang="ru-RU"/>
           </a:p>
@@ -725,7 +725,7 @@
           <a:p>
             <a:fld id="{6D7BF124-89DF-4EBC-BCA2-D0D0B8B9CCE7}" type="datetimeFigureOut">
               <a:rPr lang="ru-RU" smtClean="0"/>
-              <a:t>18.11.2021</a:t>
+              <a:t>19.11.2021</a:t>
             </a:fld>
             <a:endParaRPr lang="ru-RU"/>
           </a:p>
@@ -895,7 +895,7 @@
           <a:p>
             <a:fld id="{6D7BF124-89DF-4EBC-BCA2-D0D0B8B9CCE7}" type="datetimeFigureOut">
               <a:rPr lang="ru-RU" smtClean="0"/>
-              <a:t>18.11.2021</a:t>
+              <a:t>19.11.2021</a:t>
             </a:fld>
             <a:endParaRPr lang="ru-RU"/>
           </a:p>
@@ -1149,7 +1149,7 @@
           <a:p>
             <a:fld id="{6D7BF124-89DF-4EBC-BCA2-D0D0B8B9CCE7}" type="datetimeFigureOut">
               <a:rPr lang="ru-RU" smtClean="0"/>
-              <a:t>18.11.2021</a:t>
+              <a:t>19.11.2021</a:t>
             </a:fld>
             <a:endParaRPr lang="ru-RU"/>
           </a:p>
@@ -1475,7 +1475,7 @@
           <a:p>
             <a:fld id="{6D7BF124-89DF-4EBC-BCA2-D0D0B8B9CCE7}" type="datetimeFigureOut">
               <a:rPr lang="ru-RU" smtClean="0"/>
-              <a:t>18.11.2021</a:t>
+              <a:t>19.11.2021</a:t>
             </a:fld>
             <a:endParaRPr lang="ru-RU"/>
           </a:p>
@@ -1926,7 +1926,7 @@
           <a:p>
             <a:fld id="{6D7BF124-89DF-4EBC-BCA2-D0D0B8B9CCE7}" type="datetimeFigureOut">
               <a:rPr lang="ru-RU" smtClean="0"/>
-              <a:t>18.11.2021</a:t>
+              <a:t>19.11.2021</a:t>
             </a:fld>
             <a:endParaRPr lang="ru-RU"/>
           </a:p>
@@ -2044,7 +2044,7 @@
           <a:p>
             <a:fld id="{6D7BF124-89DF-4EBC-BCA2-D0D0B8B9CCE7}" type="datetimeFigureOut">
               <a:rPr lang="ru-RU" smtClean="0"/>
-              <a:t>18.11.2021</a:t>
+              <a:t>19.11.2021</a:t>
             </a:fld>
             <a:endParaRPr lang="ru-RU"/>
           </a:p>
@@ -2139,7 +2139,7 @@
           <a:p>
             <a:fld id="{6D7BF124-89DF-4EBC-BCA2-D0D0B8B9CCE7}" type="datetimeFigureOut">
               <a:rPr lang="ru-RU" smtClean="0"/>
-              <a:t>18.11.2021</a:t>
+              <a:t>19.11.2021</a:t>
             </a:fld>
             <a:endParaRPr lang="ru-RU"/>
           </a:p>
@@ -2426,7 +2426,7 @@
           <a:p>
             <a:fld id="{6D7BF124-89DF-4EBC-BCA2-D0D0B8B9CCE7}" type="datetimeFigureOut">
               <a:rPr lang="ru-RU" smtClean="0"/>
-              <a:t>18.11.2021</a:t>
+              <a:t>19.11.2021</a:t>
             </a:fld>
             <a:endParaRPr lang="ru-RU"/>
           </a:p>
@@ -2748,7 +2748,7 @@
           <a:p>
             <a:fld id="{6D7BF124-89DF-4EBC-BCA2-D0D0B8B9CCE7}" type="datetimeFigureOut">
               <a:rPr lang="ru-RU" smtClean="0"/>
-              <a:t>18.11.2021</a:t>
+              <a:t>19.11.2021</a:t>
             </a:fld>
             <a:endParaRPr lang="ru-RU"/>
           </a:p>
@@ -3002,7 +3002,7 @@
           <a:p>
             <a:fld id="{6D7BF124-89DF-4EBC-BCA2-D0D0B8B9CCE7}" type="datetimeFigureOut">
               <a:rPr lang="ru-RU" smtClean="0"/>
-              <a:t>18.11.2021</a:t>
+              <a:t>19.11.2021</a:t>
             </a:fld>
             <a:endParaRPr lang="ru-RU"/>
           </a:p>
@@ -5035,31 +5035,6 @@
           </a:prstGeom>
         </p:spPr>
       </p:pic>
-      <p:sp>
-        <p:nvSpPr>
-          <p:cNvPr id="13" name="Объект 12">
-            <a:extLst>
-              <a:ext uri="{FF2B5EF4-FFF2-40B4-BE49-F238E27FC236}">
-                <a16:creationId xmlns:a16="http://schemas.microsoft.com/office/drawing/2014/main" id="{7B54EF11-B260-475A-80E9-3B87AFC723DC}"/>
-              </a:ext>
-            </a:extLst>
-          </p:cNvPr>
-          <p:cNvSpPr>
-            <a:spLocks noGrp="1"/>
-          </p:cNvSpPr>
-          <p:nvPr>
-            <p:ph idx="1"/>
-          </p:nvPr>
-        </p:nvSpPr>
-        <p:spPr/>
-        <p:txBody>
-          <a:bodyPr/>
-          <a:lstStyle/>
-          <a:p>
-            <a:endParaRPr lang="ru-RU"/>
-          </a:p>
-        </p:txBody>
-      </p:sp>
       <p:pic>
         <p:nvPicPr>
           <p:cNvPr id="15" name="Рисунок 14">
